--- a/W12/W12S1/W12S1.pptx
+++ b/W12/W12S1/W12S1.pptx
@@ -5,7 +5,7 @@
     <p:sldMasterId id="2147483648" r:id="rId1"/>
   </p:sldMasterIdLst>
   <p:notesMasterIdLst>
-    <p:notesMasterId r:id="rId69"/>
+    <p:notesMasterId r:id="rId77"/>
   </p:notesMasterIdLst>
   <p:sldIdLst>
     <p:sldId id="377" r:id="rId2"/>
@@ -61,20 +61,28 @@
     <p:sldId id="532" r:id="rId52"/>
     <p:sldId id="533" r:id="rId53"/>
     <p:sldId id="534" r:id="rId54"/>
-    <p:sldId id="535" r:id="rId55"/>
-    <p:sldId id="536" r:id="rId56"/>
-    <p:sldId id="537" r:id="rId57"/>
-    <p:sldId id="539" r:id="rId58"/>
-    <p:sldId id="541" r:id="rId59"/>
-    <p:sldId id="542" r:id="rId60"/>
-    <p:sldId id="543" r:id="rId61"/>
-    <p:sldId id="545" r:id="rId62"/>
-    <p:sldId id="544" r:id="rId63"/>
-    <p:sldId id="548" r:id="rId64"/>
-    <p:sldId id="549" r:id="rId65"/>
-    <p:sldId id="546" r:id="rId66"/>
-    <p:sldId id="547" r:id="rId67"/>
-    <p:sldId id="540" r:id="rId68"/>
+    <p:sldId id="550" r:id="rId55"/>
+    <p:sldId id="552" r:id="rId56"/>
+    <p:sldId id="553" r:id="rId57"/>
+    <p:sldId id="551" r:id="rId58"/>
+    <p:sldId id="554" r:id="rId59"/>
+    <p:sldId id="555" r:id="rId60"/>
+    <p:sldId id="556" r:id="rId61"/>
+    <p:sldId id="557" r:id="rId62"/>
+    <p:sldId id="535" r:id="rId63"/>
+    <p:sldId id="536" r:id="rId64"/>
+    <p:sldId id="537" r:id="rId65"/>
+    <p:sldId id="539" r:id="rId66"/>
+    <p:sldId id="541" r:id="rId67"/>
+    <p:sldId id="542" r:id="rId68"/>
+    <p:sldId id="543" r:id="rId69"/>
+    <p:sldId id="545" r:id="rId70"/>
+    <p:sldId id="544" r:id="rId71"/>
+    <p:sldId id="548" r:id="rId72"/>
+    <p:sldId id="549" r:id="rId73"/>
+    <p:sldId id="546" r:id="rId74"/>
+    <p:sldId id="547" r:id="rId75"/>
+    <p:sldId id="540" r:id="rId76"/>
   </p:sldIdLst>
   <p:sldSz cx="12192000" cy="6858000"/>
   <p:notesSz cx="6858000" cy="9144000"/>
@@ -269,6 +277,18 @@
             <p14:sldId id="534"/>
           </p14:sldIdLst>
         </p14:section>
+        <p14:section name="Levels of scoping" id="{DCE903B9-2947-4888-9EE2-3D8DFCAF642F}">
+          <p14:sldIdLst>
+            <p14:sldId id="550"/>
+            <p14:sldId id="552"/>
+            <p14:sldId id="553"/>
+            <p14:sldId id="551"/>
+            <p14:sldId id="554"/>
+            <p14:sldId id="555"/>
+            <p14:sldId id="556"/>
+            <p14:sldId id="557"/>
+          </p14:sldIdLst>
+        </p14:section>
         <p14:section name="Single pass and multiple pass compilers" id="{65301FFA-A805-48EA-AA99-08B0875EB82B}">
           <p14:sldIdLst>
             <p14:sldId id="535"/>
@@ -309,7 +329,7 @@
 <file path=ppt/revisionInfo.xml><?xml version="1.0" encoding="utf-8"?>
 <p1510:revInfo xmlns:a="http://schemas.openxmlformats.org/drawingml/2006/main" xmlns:r="http://schemas.openxmlformats.org/officeDocument/2006/relationships" xmlns:p1510="http://schemas.microsoft.com/office/powerpoint/2015/10/main">
   <p1510:revLst>
-    <p1510:client id="{CF552409-A127-4E9A-B700-AB4BACA41190}" v="58" dt="2023-04-10T08:15:49.625"/>
+    <p1510:client id="{CF552409-A127-4E9A-B700-AB4BACA41190}" v="63" dt="2023-04-11T05:44:00.777"/>
   </p1510:revLst>
 </p1510:revInfo>
 </file>
@@ -319,7 +339,7 @@
   <pc:docChgLst>
     <pc:chgData name="Matthieu De Mari" userId="dfb708c9-d8dc-439f-9a3b-c772bf4a311c" providerId="ADAL" clId="{CF552409-A127-4E9A-B700-AB4BACA41190}"/>
     <pc:docChg chg="undo custSel addSld delSld modSld sldOrd addSection modSection">
-      <pc:chgData name="Matthieu De Mari" userId="dfb708c9-d8dc-439f-9a3b-c772bf4a311c" providerId="ADAL" clId="{CF552409-A127-4E9A-B700-AB4BACA41190}" dt="2023-04-10T08:17:14.291" v="9500" actId="207"/>
+      <pc:chgData name="Matthieu De Mari" userId="dfb708c9-d8dc-439f-9a3b-c772bf4a311c" providerId="ADAL" clId="{CF552409-A127-4E9A-B700-AB4BACA41190}" dt="2023-04-11T05:53:22.998" v="10884" actId="20577"/>
       <pc:docMkLst>
         <pc:docMk/>
       </pc:docMkLst>
@@ -478,13 +498,13 @@
         </pc:picChg>
       </pc:sldChg>
       <pc:sldChg chg="modSp add mod">
-        <pc:chgData name="Matthieu De Mari" userId="dfb708c9-d8dc-439f-9a3b-c772bf4a311c" providerId="ADAL" clId="{CF552409-A127-4E9A-B700-AB4BACA41190}" dt="2023-04-10T06:27:12.726" v="1557" actId="20577"/>
+        <pc:chgData name="Matthieu De Mari" userId="dfb708c9-d8dc-439f-9a3b-c772bf4a311c" providerId="ADAL" clId="{CF552409-A127-4E9A-B700-AB4BACA41190}" dt="2023-04-11T05:28:32.456" v="9586" actId="20577"/>
         <pc:sldMkLst>
           <pc:docMk/>
           <pc:sldMk cId="845037641" sldId="382"/>
         </pc:sldMkLst>
         <pc:spChg chg="mod">
-          <ac:chgData name="Matthieu De Mari" userId="dfb708c9-d8dc-439f-9a3b-c772bf4a311c" providerId="ADAL" clId="{CF552409-A127-4E9A-B700-AB4BACA41190}" dt="2023-04-10T06:27:12.726" v="1557" actId="20577"/>
+          <ac:chgData name="Matthieu De Mari" userId="dfb708c9-d8dc-439f-9a3b-c772bf4a311c" providerId="ADAL" clId="{CF552409-A127-4E9A-B700-AB4BACA41190}" dt="2023-04-11T05:28:32.456" v="9586" actId="20577"/>
           <ac:spMkLst>
             <pc:docMk/>
             <pc:sldMk cId="845037641" sldId="382"/>
@@ -493,7 +513,7 @@
         </pc:spChg>
       </pc:sldChg>
       <pc:sldChg chg="delSp modSp add mod modClrScheme chgLayout">
-        <pc:chgData name="Matthieu De Mari" userId="dfb708c9-d8dc-439f-9a3b-c772bf4a311c" providerId="ADAL" clId="{CF552409-A127-4E9A-B700-AB4BACA41190}" dt="2023-04-10T06:31:03.652" v="2090" actId="20577"/>
+        <pc:chgData name="Matthieu De Mari" userId="dfb708c9-d8dc-439f-9a3b-c772bf4a311c" providerId="ADAL" clId="{CF552409-A127-4E9A-B700-AB4BACA41190}" dt="2023-04-11T05:29:03.775" v="9623" actId="20577"/>
         <pc:sldMkLst>
           <pc:docMk/>
           <pc:sldMk cId="124256341" sldId="383"/>
@@ -507,7 +527,7 @@
           </ac:spMkLst>
         </pc:spChg>
         <pc:spChg chg="mod ord">
-          <ac:chgData name="Matthieu De Mari" userId="dfb708c9-d8dc-439f-9a3b-c772bf4a311c" providerId="ADAL" clId="{CF552409-A127-4E9A-B700-AB4BACA41190}" dt="2023-04-10T06:31:03.652" v="2090" actId="20577"/>
+          <ac:chgData name="Matthieu De Mari" userId="dfb708c9-d8dc-439f-9a3b-c772bf4a311c" providerId="ADAL" clId="{CF552409-A127-4E9A-B700-AB4BACA41190}" dt="2023-04-11T05:29:03.775" v="9623" actId="20577"/>
           <ac:spMkLst>
             <pc:docMk/>
             <pc:sldMk cId="124256341" sldId="383"/>
@@ -532,7 +552,7 @@
         </pc:picChg>
       </pc:sldChg>
       <pc:sldChg chg="modSp new mod">
-        <pc:chgData name="Matthieu De Mari" userId="dfb708c9-d8dc-439f-9a3b-c772bf4a311c" providerId="ADAL" clId="{CF552409-A127-4E9A-B700-AB4BACA41190}" dt="2023-04-10T06:34:07.706" v="2733" actId="14100"/>
+        <pc:chgData name="Matthieu De Mari" userId="dfb708c9-d8dc-439f-9a3b-c772bf4a311c" providerId="ADAL" clId="{CF552409-A127-4E9A-B700-AB4BACA41190}" dt="2023-04-11T05:30:17.105" v="9695" actId="20577"/>
         <pc:sldMkLst>
           <pc:docMk/>
           <pc:sldMk cId="3202411328" sldId="384"/>
@@ -546,7 +566,7 @@
           </ac:spMkLst>
         </pc:spChg>
         <pc:spChg chg="mod">
-          <ac:chgData name="Matthieu De Mari" userId="dfb708c9-d8dc-439f-9a3b-c772bf4a311c" providerId="ADAL" clId="{CF552409-A127-4E9A-B700-AB4BACA41190}" dt="2023-04-10T06:34:07.706" v="2733" actId="14100"/>
+          <ac:chgData name="Matthieu De Mari" userId="dfb708c9-d8dc-439f-9a3b-c772bf4a311c" providerId="ADAL" clId="{CF552409-A127-4E9A-B700-AB4BACA41190}" dt="2023-04-11T05:30:17.105" v="9695" actId="20577"/>
           <ac:spMkLst>
             <pc:docMk/>
             <pc:sldMk cId="3202411328" sldId="384"/>
@@ -608,7 +628,7 @@
         </pc:spChg>
       </pc:sldChg>
       <pc:sldChg chg="modSp new mod">
-        <pc:chgData name="Matthieu De Mari" userId="dfb708c9-d8dc-439f-9a3b-c772bf4a311c" providerId="ADAL" clId="{CF552409-A127-4E9A-B700-AB4BACA41190}" dt="2023-04-10T07:00:59.448" v="4476" actId="20577"/>
+        <pc:chgData name="Matthieu De Mari" userId="dfb708c9-d8dc-439f-9a3b-c772bf4a311c" providerId="ADAL" clId="{CF552409-A127-4E9A-B700-AB4BACA41190}" dt="2023-04-11T05:30:34.549" v="9696" actId="113"/>
         <pc:sldMkLst>
           <pc:docMk/>
           <pc:sldMk cId="632571002" sldId="488"/>
@@ -622,7 +642,7 @@
           </ac:spMkLst>
         </pc:spChg>
         <pc:spChg chg="mod">
-          <ac:chgData name="Matthieu De Mari" userId="dfb708c9-d8dc-439f-9a3b-c772bf4a311c" providerId="ADAL" clId="{CF552409-A127-4E9A-B700-AB4BACA41190}" dt="2023-04-10T07:00:59.448" v="4476" actId="20577"/>
+          <ac:chgData name="Matthieu De Mari" userId="dfb708c9-d8dc-439f-9a3b-c772bf4a311c" providerId="ADAL" clId="{CF552409-A127-4E9A-B700-AB4BACA41190}" dt="2023-04-11T05:30:34.549" v="9696" actId="113"/>
           <ac:spMkLst>
             <pc:docMk/>
             <pc:sldMk cId="632571002" sldId="488"/>
@@ -818,7 +838,7 @@
         </pc:spChg>
       </pc:sldChg>
       <pc:sldChg chg="addSp delSp modSp new mod">
-        <pc:chgData name="Matthieu De Mari" userId="dfb708c9-d8dc-439f-9a3b-c772bf4a311c" providerId="ADAL" clId="{CF552409-A127-4E9A-B700-AB4BACA41190}" dt="2023-04-10T06:59:59.169" v="4467" actId="20577"/>
+        <pc:chgData name="Matthieu De Mari" userId="dfb708c9-d8dc-439f-9a3b-c772bf4a311c" providerId="ADAL" clId="{CF552409-A127-4E9A-B700-AB4BACA41190}" dt="2023-04-11T05:27:21.319" v="9502" actId="20577"/>
         <pc:sldMkLst>
           <pc:docMk/>
           <pc:sldMk cId="3863355428" sldId="494"/>
@@ -832,7 +852,7 @@
           </ac:spMkLst>
         </pc:spChg>
         <pc:spChg chg="mod">
-          <ac:chgData name="Matthieu De Mari" userId="dfb708c9-d8dc-439f-9a3b-c772bf4a311c" providerId="ADAL" clId="{CF552409-A127-4E9A-B700-AB4BACA41190}" dt="2023-04-10T06:59:59.169" v="4467" actId="20577"/>
+          <ac:chgData name="Matthieu De Mari" userId="dfb708c9-d8dc-439f-9a3b-c772bf4a311c" providerId="ADAL" clId="{CF552409-A127-4E9A-B700-AB4BACA41190}" dt="2023-04-11T05:27:21.319" v="9502" actId="20577"/>
           <ac:spMkLst>
             <pc:docMk/>
             <pc:sldMk cId="3863355428" sldId="494"/>
@@ -1563,7 +1583,7 @@
         </pc:spChg>
       </pc:sldChg>
       <pc:sldChg chg="addSp delSp modSp new mod chgLayout">
-        <pc:chgData name="Matthieu De Mari" userId="dfb708c9-d8dc-439f-9a3b-c772bf4a311c" providerId="ADAL" clId="{CF552409-A127-4E9A-B700-AB4BACA41190}" dt="2023-04-10T07:41:47.955" v="7058" actId="700"/>
+        <pc:chgData name="Matthieu De Mari" userId="dfb708c9-d8dc-439f-9a3b-c772bf4a311c" providerId="ADAL" clId="{CF552409-A127-4E9A-B700-AB4BACA41190}" dt="2023-04-11T05:31:48.301" v="9697" actId="478"/>
         <pc:sldMkLst>
           <pc:docMk/>
           <pc:sldMk cId="1168573030" sldId="517"/>
@@ -1600,8 +1620,8 @@
             <ac:spMk id="6" creationId="{799D7506-E4CB-EC2D-B6E9-93E2D7CE0E27}"/>
           </ac:spMkLst>
         </pc:spChg>
-        <pc:spChg chg="add mod ord">
-          <ac:chgData name="Matthieu De Mari" userId="dfb708c9-d8dc-439f-9a3b-c772bf4a311c" providerId="ADAL" clId="{CF552409-A127-4E9A-B700-AB4BACA41190}" dt="2023-04-10T07:41:47.955" v="7058" actId="700"/>
+        <pc:spChg chg="add del mod ord">
+          <ac:chgData name="Matthieu De Mari" userId="dfb708c9-d8dc-439f-9a3b-c772bf4a311c" providerId="ADAL" clId="{CF552409-A127-4E9A-B700-AB4BACA41190}" dt="2023-04-11T05:31:48.301" v="9697" actId="478"/>
           <ac:spMkLst>
             <pc:docMk/>
             <pc:sldMk cId="1168573030" sldId="517"/>
@@ -2039,11 +2059,43 @@
         </pc:sldMkLst>
       </pc:sldChg>
       <pc:sldChg chg="delSp add mod">
-        <pc:chgData name="Matthieu De Mari" userId="dfb708c9-d8dc-439f-9a3b-c772bf4a311c" providerId="ADAL" clId="{CF552409-A127-4E9A-B700-AB4BACA41190}" dt="2023-04-10T07:50:42.336" v="7536" actId="478"/>
+        <pc:chgData name="Matthieu De Mari" userId="dfb708c9-d8dc-439f-9a3b-c772bf4a311c" providerId="ADAL" clId="{CF552409-A127-4E9A-B700-AB4BACA41190}" dt="2023-04-11T05:32:04.429" v="9698" actId="478"/>
         <pc:sldMkLst>
           <pc:docMk/>
           <pc:sldMk cId="2333487539" sldId="527"/>
         </pc:sldMkLst>
+        <pc:spChg chg="del">
+          <ac:chgData name="Matthieu De Mari" userId="dfb708c9-d8dc-439f-9a3b-c772bf4a311c" providerId="ADAL" clId="{CF552409-A127-4E9A-B700-AB4BACA41190}" dt="2023-04-11T05:32:04.429" v="9698" actId="478"/>
+          <ac:spMkLst>
+            <pc:docMk/>
+            <pc:sldMk cId="2333487539" sldId="527"/>
+            <ac:spMk id="6" creationId="{6633391D-0D5D-A7DC-654A-B482C0C440EE}"/>
+          </ac:spMkLst>
+        </pc:spChg>
+        <pc:spChg chg="del">
+          <ac:chgData name="Matthieu De Mari" userId="dfb708c9-d8dc-439f-9a3b-c772bf4a311c" providerId="ADAL" clId="{CF552409-A127-4E9A-B700-AB4BACA41190}" dt="2023-04-11T05:32:04.429" v="9698" actId="478"/>
+          <ac:spMkLst>
+            <pc:docMk/>
+            <pc:sldMk cId="2333487539" sldId="527"/>
+            <ac:spMk id="7" creationId="{14C910F9-F0B9-FF0E-07BB-2E3E95D8C363}"/>
+          </ac:spMkLst>
+        </pc:spChg>
+        <pc:spChg chg="del">
+          <ac:chgData name="Matthieu De Mari" userId="dfb708c9-d8dc-439f-9a3b-c772bf4a311c" providerId="ADAL" clId="{CF552409-A127-4E9A-B700-AB4BACA41190}" dt="2023-04-11T05:32:04.429" v="9698" actId="478"/>
+          <ac:spMkLst>
+            <pc:docMk/>
+            <pc:sldMk cId="2333487539" sldId="527"/>
+            <ac:spMk id="10" creationId="{54FA3344-FAAD-4941-CAFD-6CEC9E01661D}"/>
+          </ac:spMkLst>
+        </pc:spChg>
+        <pc:spChg chg="del">
+          <ac:chgData name="Matthieu De Mari" userId="dfb708c9-d8dc-439f-9a3b-c772bf4a311c" providerId="ADAL" clId="{CF552409-A127-4E9A-B700-AB4BACA41190}" dt="2023-04-11T05:32:04.429" v="9698" actId="478"/>
+          <ac:spMkLst>
+            <pc:docMk/>
+            <pc:sldMk cId="2333487539" sldId="527"/>
+            <ac:spMk id="11" creationId="{CA762BD0-FEF3-AD53-F585-119B444A3BDB}"/>
+          </ac:spMkLst>
+        </pc:spChg>
         <pc:spChg chg="del">
           <ac:chgData name="Matthieu De Mari" userId="dfb708c9-d8dc-439f-9a3b-c772bf4a311c" providerId="ADAL" clId="{CF552409-A127-4E9A-B700-AB4BACA41190}" dt="2023-04-10T07:50:42.336" v="7536" actId="478"/>
           <ac:spMkLst>
@@ -2719,6 +2771,406 @@
             <ac:spMk id="3" creationId="{4052BC05-5474-3908-CD6A-BA44633AA2A4}"/>
           </ac:spMkLst>
         </pc:spChg>
+      </pc:sldChg>
+      <pc:sldChg chg="addSp delSp modSp new mod">
+        <pc:chgData name="Matthieu De Mari" userId="dfb708c9-d8dc-439f-9a3b-c772bf4a311c" providerId="ADAL" clId="{CF552409-A127-4E9A-B700-AB4BACA41190}" dt="2023-04-11T05:38:09.119" v="10059" actId="20577"/>
+        <pc:sldMkLst>
+          <pc:docMk/>
+          <pc:sldMk cId="2006573812" sldId="550"/>
+        </pc:sldMkLst>
+        <pc:spChg chg="mod">
+          <ac:chgData name="Matthieu De Mari" userId="dfb708c9-d8dc-439f-9a3b-c772bf4a311c" providerId="ADAL" clId="{CF552409-A127-4E9A-B700-AB4BACA41190}" dt="2023-04-11T05:34:05.187" v="9727" actId="20577"/>
+          <ac:spMkLst>
+            <pc:docMk/>
+            <pc:sldMk cId="2006573812" sldId="550"/>
+            <ac:spMk id="2" creationId="{44E97B2F-0F07-95BA-9335-392F498C5E9E}"/>
+          </ac:spMkLst>
+        </pc:spChg>
+        <pc:spChg chg="mod">
+          <ac:chgData name="Matthieu De Mari" userId="dfb708c9-d8dc-439f-9a3b-c772bf4a311c" providerId="ADAL" clId="{CF552409-A127-4E9A-B700-AB4BACA41190}" dt="2023-04-11T05:38:09.119" v="10059" actId="20577"/>
+          <ac:spMkLst>
+            <pc:docMk/>
+            <pc:sldMk cId="2006573812" sldId="550"/>
+            <ac:spMk id="3" creationId="{15854D76-270A-F140-7AC1-971B10AEA5FF}"/>
+          </ac:spMkLst>
+        </pc:spChg>
+        <pc:spChg chg="del">
+          <ac:chgData name="Matthieu De Mari" userId="dfb708c9-d8dc-439f-9a3b-c772bf4a311c" providerId="ADAL" clId="{CF552409-A127-4E9A-B700-AB4BACA41190}" dt="2023-04-11T05:32:29.652" v="9725" actId="478"/>
+          <ac:spMkLst>
+            <pc:docMk/>
+            <pc:sldMk cId="2006573812" sldId="550"/>
+            <ac:spMk id="4" creationId="{D7F05119-C1D0-3BFB-AF0B-4B2544EF8CC7}"/>
+          </ac:spMkLst>
+        </pc:spChg>
+        <pc:picChg chg="add mod">
+          <ac:chgData name="Matthieu De Mari" userId="dfb708c9-d8dc-439f-9a3b-c772bf4a311c" providerId="ADAL" clId="{CF552409-A127-4E9A-B700-AB4BACA41190}" dt="2023-04-11T05:37:42.989" v="10048" actId="1076"/>
+          <ac:picMkLst>
+            <pc:docMk/>
+            <pc:sldMk cId="2006573812" sldId="550"/>
+            <ac:picMk id="6" creationId="{7A9F23F2-4A29-7869-20AE-28325143CEE1}"/>
+          </ac:picMkLst>
+        </pc:picChg>
+      </pc:sldChg>
+      <pc:sldChg chg="addSp delSp modSp add mod">
+        <pc:chgData name="Matthieu De Mari" userId="dfb708c9-d8dc-439f-9a3b-c772bf4a311c" providerId="ADAL" clId="{CF552409-A127-4E9A-B700-AB4BACA41190}" dt="2023-04-11T05:45:19.720" v="10454" actId="20577"/>
+        <pc:sldMkLst>
+          <pc:docMk/>
+          <pc:sldMk cId="3041416929" sldId="551"/>
+        </pc:sldMkLst>
+        <pc:spChg chg="mod">
+          <ac:chgData name="Matthieu De Mari" userId="dfb708c9-d8dc-439f-9a3b-c772bf4a311c" providerId="ADAL" clId="{CF552409-A127-4E9A-B700-AB4BACA41190}" dt="2023-04-11T05:45:16.971" v="10453" actId="20577"/>
+          <ac:spMkLst>
+            <pc:docMk/>
+            <pc:sldMk cId="3041416929" sldId="551"/>
+            <ac:spMk id="2" creationId="{44E97B2F-0F07-95BA-9335-392F498C5E9E}"/>
+          </ac:spMkLst>
+        </pc:spChg>
+        <pc:spChg chg="mod">
+          <ac:chgData name="Matthieu De Mari" userId="dfb708c9-d8dc-439f-9a3b-c772bf4a311c" providerId="ADAL" clId="{CF552409-A127-4E9A-B700-AB4BACA41190}" dt="2023-04-11T05:45:19.720" v="10454" actId="20577"/>
+          <ac:spMkLst>
+            <pc:docMk/>
+            <pc:sldMk cId="3041416929" sldId="551"/>
+            <ac:spMk id="3" creationId="{15854D76-270A-F140-7AC1-971B10AEA5FF}"/>
+          </ac:spMkLst>
+        </pc:spChg>
+        <pc:picChg chg="add mod">
+          <ac:chgData name="Matthieu De Mari" userId="dfb708c9-d8dc-439f-9a3b-c772bf4a311c" providerId="ADAL" clId="{CF552409-A127-4E9A-B700-AB4BACA41190}" dt="2023-04-11T05:37:58.116" v="10057" actId="1076"/>
+          <ac:picMkLst>
+            <pc:docMk/>
+            <pc:sldMk cId="3041416929" sldId="551"/>
+            <ac:picMk id="5" creationId="{47F508AD-692F-63C1-D4B9-24C6558962BF}"/>
+          </ac:picMkLst>
+        </pc:picChg>
+        <pc:picChg chg="del">
+          <ac:chgData name="Matthieu De Mari" userId="dfb708c9-d8dc-439f-9a3b-c772bf4a311c" providerId="ADAL" clId="{CF552409-A127-4E9A-B700-AB4BACA41190}" dt="2023-04-11T05:37:54.264" v="10054" actId="478"/>
+          <ac:picMkLst>
+            <pc:docMk/>
+            <pc:sldMk cId="3041416929" sldId="551"/>
+            <ac:picMk id="6" creationId="{7A9F23F2-4A29-7869-20AE-28325143CEE1}"/>
+          </ac:picMkLst>
+        </pc:picChg>
+      </pc:sldChg>
+      <pc:sldChg chg="addSp delSp modSp add mod">
+        <pc:chgData name="Matthieu De Mari" userId="dfb708c9-d8dc-439f-9a3b-c772bf4a311c" providerId="ADAL" clId="{CF552409-A127-4E9A-B700-AB4BACA41190}" dt="2023-04-11T05:43:01.005" v="10368" actId="20577"/>
+        <pc:sldMkLst>
+          <pc:docMk/>
+          <pc:sldMk cId="619811228" sldId="552"/>
+        </pc:sldMkLst>
+        <pc:spChg chg="mod">
+          <ac:chgData name="Matthieu De Mari" userId="dfb708c9-d8dc-439f-9a3b-c772bf4a311c" providerId="ADAL" clId="{CF552409-A127-4E9A-B700-AB4BACA41190}" dt="2023-04-11T05:40:50.957" v="10191"/>
+          <ac:spMkLst>
+            <pc:docMk/>
+            <pc:sldMk cId="619811228" sldId="552"/>
+            <ac:spMk id="3" creationId="{15854D76-270A-F140-7AC1-971B10AEA5FF}"/>
+          </ac:spMkLst>
+        </pc:spChg>
+        <pc:spChg chg="add del mod">
+          <ac:chgData name="Matthieu De Mari" userId="dfb708c9-d8dc-439f-9a3b-c772bf4a311c" providerId="ADAL" clId="{CF552409-A127-4E9A-B700-AB4BACA41190}" dt="2023-04-11T05:41:04.720" v="10193"/>
+          <ac:spMkLst>
+            <pc:docMk/>
+            <pc:sldMk cId="619811228" sldId="552"/>
+            <ac:spMk id="4" creationId="{48E29300-E635-21A3-5D82-CD925529D874}"/>
+          </ac:spMkLst>
+        </pc:spChg>
+        <pc:spChg chg="add mod">
+          <ac:chgData name="Matthieu De Mari" userId="dfb708c9-d8dc-439f-9a3b-c772bf4a311c" providerId="ADAL" clId="{CF552409-A127-4E9A-B700-AB4BACA41190}" dt="2023-04-11T05:42:15.324" v="10351" actId="1076"/>
+          <ac:spMkLst>
+            <pc:docMk/>
+            <pc:sldMk cId="619811228" sldId="552"/>
+            <ac:spMk id="5" creationId="{D2C8067B-7C30-6183-97D0-E89EA43DE984}"/>
+          </ac:spMkLst>
+        </pc:spChg>
+        <pc:spChg chg="add mod">
+          <ac:chgData name="Matthieu De Mari" userId="dfb708c9-d8dc-439f-9a3b-c772bf4a311c" providerId="ADAL" clId="{CF552409-A127-4E9A-B700-AB4BACA41190}" dt="2023-04-11T05:42:15.324" v="10351" actId="1076"/>
+          <ac:spMkLst>
+            <pc:docMk/>
+            <pc:sldMk cId="619811228" sldId="552"/>
+            <ac:spMk id="7" creationId="{80D1D6B7-818F-E855-A7E6-9D5969F42A80}"/>
+          </ac:spMkLst>
+        </pc:spChg>
+        <pc:spChg chg="add del mod">
+          <ac:chgData name="Matthieu De Mari" userId="dfb708c9-d8dc-439f-9a3b-c772bf4a311c" providerId="ADAL" clId="{CF552409-A127-4E9A-B700-AB4BACA41190}" dt="2023-04-11T05:42:35.677" v="10358" actId="478"/>
+          <ac:spMkLst>
+            <pc:docMk/>
+            <pc:sldMk cId="619811228" sldId="552"/>
+            <ac:spMk id="8" creationId="{6CB6D896-FC00-D442-72E4-84B200FE516A}"/>
+          </ac:spMkLst>
+        </pc:spChg>
+        <pc:spChg chg="add mod">
+          <ac:chgData name="Matthieu De Mari" userId="dfb708c9-d8dc-439f-9a3b-c772bf4a311c" providerId="ADAL" clId="{CF552409-A127-4E9A-B700-AB4BACA41190}" dt="2023-04-11T05:42:48.642" v="10361" actId="1076"/>
+          <ac:spMkLst>
+            <pc:docMk/>
+            <pc:sldMk cId="619811228" sldId="552"/>
+            <ac:spMk id="9" creationId="{4F34C7C3-86AB-C3AC-1AEB-665176E44086}"/>
+          </ac:spMkLst>
+        </pc:spChg>
+        <pc:spChg chg="add mod">
+          <ac:chgData name="Matthieu De Mari" userId="dfb708c9-d8dc-439f-9a3b-c772bf4a311c" providerId="ADAL" clId="{CF552409-A127-4E9A-B700-AB4BACA41190}" dt="2023-04-11T05:42:48.642" v="10361" actId="1076"/>
+          <ac:spMkLst>
+            <pc:docMk/>
+            <pc:sldMk cId="619811228" sldId="552"/>
+            <ac:spMk id="10" creationId="{FF05938A-3916-BA76-A21C-65425E36EB5D}"/>
+          </ac:spMkLst>
+        </pc:spChg>
+        <pc:spChg chg="add mod">
+          <ac:chgData name="Matthieu De Mari" userId="dfb708c9-d8dc-439f-9a3b-c772bf4a311c" providerId="ADAL" clId="{CF552409-A127-4E9A-B700-AB4BACA41190}" dt="2023-04-11T05:42:48.642" v="10361" actId="1076"/>
+          <ac:spMkLst>
+            <pc:docMk/>
+            <pc:sldMk cId="619811228" sldId="552"/>
+            <ac:spMk id="11" creationId="{8439BF1B-7BE6-88CD-DF2C-422F450AB8C0}"/>
+          </ac:spMkLst>
+        </pc:spChg>
+        <pc:spChg chg="add mod">
+          <ac:chgData name="Matthieu De Mari" userId="dfb708c9-d8dc-439f-9a3b-c772bf4a311c" providerId="ADAL" clId="{CF552409-A127-4E9A-B700-AB4BACA41190}" dt="2023-04-11T05:43:01.005" v="10368" actId="20577"/>
+          <ac:spMkLst>
+            <pc:docMk/>
+            <pc:sldMk cId="619811228" sldId="552"/>
+            <ac:spMk id="12" creationId="{35A1739F-83DF-F7D5-1D5D-17FA84D95D6C}"/>
+          </ac:spMkLst>
+        </pc:spChg>
+        <pc:spChg chg="add mod">
+          <ac:chgData name="Matthieu De Mari" userId="dfb708c9-d8dc-439f-9a3b-c772bf4a311c" providerId="ADAL" clId="{CF552409-A127-4E9A-B700-AB4BACA41190}" dt="2023-04-11T05:42:02.756" v="10344" actId="1036"/>
+          <ac:spMkLst>
+            <pc:docMk/>
+            <pc:sldMk cId="619811228" sldId="552"/>
+            <ac:spMk id="13" creationId="{5A924156-83EC-1A40-37A7-62137060A4F0}"/>
+          </ac:spMkLst>
+        </pc:spChg>
+        <pc:spChg chg="add del mod">
+          <ac:chgData name="Matthieu De Mari" userId="dfb708c9-d8dc-439f-9a3b-c772bf4a311c" providerId="ADAL" clId="{CF552409-A127-4E9A-B700-AB4BACA41190}" dt="2023-04-11T05:41:44.441" v="10202" actId="478"/>
+          <ac:spMkLst>
+            <pc:docMk/>
+            <pc:sldMk cId="619811228" sldId="552"/>
+            <ac:spMk id="14" creationId="{C268B83B-321D-6377-F934-117407B6DDD9}"/>
+          </ac:spMkLst>
+        </pc:spChg>
+        <pc:spChg chg="add del mod">
+          <ac:chgData name="Matthieu De Mari" userId="dfb708c9-d8dc-439f-9a3b-c772bf4a311c" providerId="ADAL" clId="{CF552409-A127-4E9A-B700-AB4BACA41190}" dt="2023-04-11T05:41:45.921" v="10203" actId="478"/>
+          <ac:spMkLst>
+            <pc:docMk/>
+            <pc:sldMk cId="619811228" sldId="552"/>
+            <ac:spMk id="15" creationId="{DF5B35B5-E2A3-95FF-1422-D8C36A2A7917}"/>
+          </ac:spMkLst>
+        </pc:spChg>
+        <pc:spChg chg="add del mod">
+          <ac:chgData name="Matthieu De Mari" userId="dfb708c9-d8dc-439f-9a3b-c772bf4a311c" providerId="ADAL" clId="{CF552409-A127-4E9A-B700-AB4BACA41190}" dt="2023-04-11T05:42:43.863" v="10360" actId="478"/>
+          <ac:spMkLst>
+            <pc:docMk/>
+            <pc:sldMk cId="619811228" sldId="552"/>
+            <ac:spMk id="16" creationId="{01FE974D-DB9E-E461-A341-6DEAC474D717}"/>
+          </ac:spMkLst>
+        </pc:spChg>
+        <pc:spChg chg="add mod">
+          <ac:chgData name="Matthieu De Mari" userId="dfb708c9-d8dc-439f-9a3b-c772bf4a311c" providerId="ADAL" clId="{CF552409-A127-4E9A-B700-AB4BACA41190}" dt="2023-04-11T05:42:55.990" v="10364" actId="14100"/>
+          <ac:spMkLst>
+            <pc:docMk/>
+            <pc:sldMk cId="619811228" sldId="552"/>
+            <ac:spMk id="17" creationId="{46C19333-DB51-EFBF-9C04-DA9B1E03A1D7}"/>
+          </ac:spMkLst>
+        </pc:spChg>
+      </pc:sldChg>
+      <pc:sldChg chg="addSp delSp modSp add mod modClrScheme chgLayout">
+        <pc:chgData name="Matthieu De Mari" userId="dfb708c9-d8dc-439f-9a3b-c772bf4a311c" providerId="ADAL" clId="{CF552409-A127-4E9A-B700-AB4BACA41190}" dt="2023-04-11T05:52:25.465" v="10841" actId="20577"/>
+        <pc:sldMkLst>
+          <pc:docMk/>
+          <pc:sldMk cId="58002670" sldId="553"/>
+        </pc:sldMkLst>
+        <pc:spChg chg="mod ord">
+          <ac:chgData name="Matthieu De Mari" userId="dfb708c9-d8dc-439f-9a3b-c772bf4a311c" providerId="ADAL" clId="{CF552409-A127-4E9A-B700-AB4BACA41190}" dt="2023-04-11T05:45:05" v="10435" actId="20577"/>
+          <ac:spMkLst>
+            <pc:docMk/>
+            <pc:sldMk cId="58002670" sldId="553"/>
+            <ac:spMk id="2" creationId="{44E97B2F-0F07-95BA-9335-392F498C5E9E}"/>
+          </ac:spMkLst>
+        </pc:spChg>
+        <pc:spChg chg="mod ord">
+          <ac:chgData name="Matthieu De Mari" userId="dfb708c9-d8dc-439f-9a3b-c772bf4a311c" providerId="ADAL" clId="{CF552409-A127-4E9A-B700-AB4BACA41190}" dt="2023-04-11T05:52:25.465" v="10841" actId="20577"/>
+          <ac:spMkLst>
+            <pc:docMk/>
+            <pc:sldMk cId="58002670" sldId="553"/>
+            <ac:spMk id="3" creationId="{15854D76-270A-F140-7AC1-971B10AEA5FF}"/>
+          </ac:spMkLst>
+        </pc:spChg>
+        <pc:spChg chg="add del">
+          <ac:chgData name="Matthieu De Mari" userId="dfb708c9-d8dc-439f-9a3b-c772bf4a311c" providerId="ADAL" clId="{CF552409-A127-4E9A-B700-AB4BACA41190}" dt="2023-04-11T05:43:59.232" v="10371"/>
+          <ac:spMkLst>
+            <pc:docMk/>
+            <pc:sldMk cId="58002670" sldId="553"/>
+            <ac:spMk id="4" creationId="{2F88376A-6440-19D0-E0A3-4805895D4A50}"/>
+          </ac:spMkLst>
+        </pc:spChg>
+        <pc:spChg chg="del">
+          <ac:chgData name="Matthieu De Mari" userId="dfb708c9-d8dc-439f-9a3b-c772bf4a311c" providerId="ADAL" clId="{CF552409-A127-4E9A-B700-AB4BACA41190}" dt="2023-04-11T05:44:16.627" v="10386" actId="478"/>
+          <ac:spMkLst>
+            <pc:docMk/>
+            <pc:sldMk cId="58002670" sldId="553"/>
+            <ac:spMk id="5" creationId="{D2C8067B-7C30-6183-97D0-E89EA43DE984}"/>
+          </ac:spMkLst>
+        </pc:spChg>
+        <pc:spChg chg="del">
+          <ac:chgData name="Matthieu De Mari" userId="dfb708c9-d8dc-439f-9a3b-c772bf4a311c" providerId="ADAL" clId="{CF552409-A127-4E9A-B700-AB4BACA41190}" dt="2023-04-11T05:44:16.627" v="10386" actId="478"/>
+          <ac:spMkLst>
+            <pc:docMk/>
+            <pc:sldMk cId="58002670" sldId="553"/>
+            <ac:spMk id="7" creationId="{80D1D6B7-818F-E855-A7E6-9D5969F42A80}"/>
+          </ac:spMkLst>
+        </pc:spChg>
+        <pc:spChg chg="del">
+          <ac:chgData name="Matthieu De Mari" userId="dfb708c9-d8dc-439f-9a3b-c772bf4a311c" providerId="ADAL" clId="{CF552409-A127-4E9A-B700-AB4BACA41190}" dt="2023-04-11T05:44:16.627" v="10386" actId="478"/>
+          <ac:spMkLst>
+            <pc:docMk/>
+            <pc:sldMk cId="58002670" sldId="553"/>
+            <ac:spMk id="9" creationId="{4F34C7C3-86AB-C3AC-1AEB-665176E44086}"/>
+          </ac:spMkLst>
+        </pc:spChg>
+        <pc:spChg chg="del">
+          <ac:chgData name="Matthieu De Mari" userId="dfb708c9-d8dc-439f-9a3b-c772bf4a311c" providerId="ADAL" clId="{CF552409-A127-4E9A-B700-AB4BACA41190}" dt="2023-04-11T05:44:16.627" v="10386" actId="478"/>
+          <ac:spMkLst>
+            <pc:docMk/>
+            <pc:sldMk cId="58002670" sldId="553"/>
+            <ac:spMk id="10" creationId="{FF05938A-3916-BA76-A21C-65425E36EB5D}"/>
+          </ac:spMkLst>
+        </pc:spChg>
+        <pc:spChg chg="del">
+          <ac:chgData name="Matthieu De Mari" userId="dfb708c9-d8dc-439f-9a3b-c772bf4a311c" providerId="ADAL" clId="{CF552409-A127-4E9A-B700-AB4BACA41190}" dt="2023-04-11T05:44:16.627" v="10386" actId="478"/>
+          <ac:spMkLst>
+            <pc:docMk/>
+            <pc:sldMk cId="58002670" sldId="553"/>
+            <ac:spMk id="11" creationId="{8439BF1B-7BE6-88CD-DF2C-422F450AB8C0}"/>
+          </ac:spMkLst>
+        </pc:spChg>
+        <pc:spChg chg="del">
+          <ac:chgData name="Matthieu De Mari" userId="dfb708c9-d8dc-439f-9a3b-c772bf4a311c" providerId="ADAL" clId="{CF552409-A127-4E9A-B700-AB4BACA41190}" dt="2023-04-11T05:44:16.627" v="10386" actId="478"/>
+          <ac:spMkLst>
+            <pc:docMk/>
+            <pc:sldMk cId="58002670" sldId="553"/>
+            <ac:spMk id="12" creationId="{35A1739F-83DF-F7D5-1D5D-17FA84D95D6C}"/>
+          </ac:spMkLst>
+        </pc:spChg>
+        <pc:spChg chg="del">
+          <ac:chgData name="Matthieu De Mari" userId="dfb708c9-d8dc-439f-9a3b-c772bf4a311c" providerId="ADAL" clId="{CF552409-A127-4E9A-B700-AB4BACA41190}" dt="2023-04-11T05:44:16.627" v="10386" actId="478"/>
+          <ac:spMkLst>
+            <pc:docMk/>
+            <pc:sldMk cId="58002670" sldId="553"/>
+            <ac:spMk id="13" creationId="{5A924156-83EC-1A40-37A7-62137060A4F0}"/>
+          </ac:spMkLst>
+        </pc:spChg>
+        <pc:spChg chg="del">
+          <ac:chgData name="Matthieu De Mari" userId="dfb708c9-d8dc-439f-9a3b-c772bf4a311c" providerId="ADAL" clId="{CF552409-A127-4E9A-B700-AB4BACA41190}" dt="2023-04-11T05:44:17.459" v="10387" actId="478"/>
+          <ac:spMkLst>
+            <pc:docMk/>
+            <pc:sldMk cId="58002670" sldId="553"/>
+            <ac:spMk id="17" creationId="{46C19333-DB51-EFBF-9C04-DA9B1E03A1D7}"/>
+          </ac:spMkLst>
+        </pc:spChg>
+        <pc:picChg chg="del">
+          <ac:chgData name="Matthieu De Mari" userId="dfb708c9-d8dc-439f-9a3b-c772bf4a311c" providerId="ADAL" clId="{CF552409-A127-4E9A-B700-AB4BACA41190}" dt="2023-04-11T05:44:14.466" v="10385" actId="478"/>
+          <ac:picMkLst>
+            <pc:docMk/>
+            <pc:sldMk cId="58002670" sldId="553"/>
+            <ac:picMk id="6" creationId="{7A9F23F2-4A29-7869-20AE-28325143CEE1}"/>
+          </ac:picMkLst>
+        </pc:picChg>
+      </pc:sldChg>
+      <pc:sldChg chg="modSp add mod">
+        <pc:chgData name="Matthieu De Mari" userId="dfb708c9-d8dc-439f-9a3b-c772bf4a311c" providerId="ADAL" clId="{CF552409-A127-4E9A-B700-AB4BACA41190}" dt="2023-04-11T05:53:22.998" v="10884" actId="20577"/>
+        <pc:sldMkLst>
+          <pc:docMk/>
+          <pc:sldMk cId="2713274906" sldId="554"/>
+        </pc:sldMkLst>
+        <pc:spChg chg="mod">
+          <ac:chgData name="Matthieu De Mari" userId="dfb708c9-d8dc-439f-9a3b-c772bf4a311c" providerId="ADAL" clId="{CF552409-A127-4E9A-B700-AB4BACA41190}" dt="2023-04-11T05:53:22.998" v="10884" actId="20577"/>
+          <ac:spMkLst>
+            <pc:docMk/>
+            <pc:sldMk cId="2713274906" sldId="554"/>
+            <ac:spMk id="3" creationId="{15854D76-270A-F140-7AC1-971B10AEA5FF}"/>
+          </ac:spMkLst>
+        </pc:spChg>
+      </pc:sldChg>
+      <pc:sldChg chg="addSp delSp modSp new mod modClrScheme chgLayout">
+        <pc:chgData name="Matthieu De Mari" userId="dfb708c9-d8dc-439f-9a3b-c772bf4a311c" providerId="ADAL" clId="{CF552409-A127-4E9A-B700-AB4BACA41190}" dt="2023-04-11T05:50:38.268" v="10751" actId="5793"/>
+        <pc:sldMkLst>
+          <pc:docMk/>
+          <pc:sldMk cId="4014589629" sldId="555"/>
+        </pc:sldMkLst>
+        <pc:spChg chg="mod ord">
+          <ac:chgData name="Matthieu De Mari" userId="dfb708c9-d8dc-439f-9a3b-c772bf4a311c" providerId="ADAL" clId="{CF552409-A127-4E9A-B700-AB4BACA41190}" dt="2023-04-11T05:50:38.268" v="10751" actId="5793"/>
+          <ac:spMkLst>
+            <pc:docMk/>
+            <pc:sldMk cId="4014589629" sldId="555"/>
+            <ac:spMk id="2" creationId="{4DEEBC94-412A-6929-7A62-5DF736D8A244}"/>
+          </ac:spMkLst>
+        </pc:spChg>
+        <pc:spChg chg="del mod ord">
+          <ac:chgData name="Matthieu De Mari" userId="dfb708c9-d8dc-439f-9a3b-c772bf4a311c" providerId="ADAL" clId="{CF552409-A127-4E9A-B700-AB4BACA41190}" dt="2023-04-11T05:48:13.435" v="10673" actId="700"/>
+          <ac:spMkLst>
+            <pc:docMk/>
+            <pc:sldMk cId="4014589629" sldId="555"/>
+            <ac:spMk id="3" creationId="{690C2DAC-FECE-A9A6-54E5-948C1DBA25F2}"/>
+          </ac:spMkLst>
+        </pc:spChg>
+        <pc:spChg chg="del">
+          <ac:chgData name="Matthieu De Mari" userId="dfb708c9-d8dc-439f-9a3b-c772bf4a311c" providerId="ADAL" clId="{CF552409-A127-4E9A-B700-AB4BACA41190}" dt="2023-04-11T05:48:13.435" v="10673" actId="700"/>
+          <ac:spMkLst>
+            <pc:docMk/>
+            <pc:sldMk cId="4014589629" sldId="555"/>
+            <ac:spMk id="4" creationId="{CB6FF5CF-F56F-B85B-F33D-A3E1DF8A29FA}"/>
+          </ac:spMkLst>
+        </pc:spChg>
+        <pc:spChg chg="add mod ord">
+          <ac:chgData name="Matthieu De Mari" userId="dfb708c9-d8dc-439f-9a3b-c772bf4a311c" providerId="ADAL" clId="{CF552409-A127-4E9A-B700-AB4BACA41190}" dt="2023-04-11T05:48:44.827" v="10714" actId="14100"/>
+          <ac:spMkLst>
+            <pc:docMk/>
+            <pc:sldMk cId="4014589629" sldId="555"/>
+            <ac:spMk id="5" creationId="{ABC2412B-9BD4-1314-5079-1CD98CB2F082}"/>
+          </ac:spMkLst>
+        </pc:spChg>
+      </pc:sldChg>
+      <pc:sldChg chg="modSp add mod">
+        <pc:chgData name="Matthieu De Mari" userId="dfb708c9-d8dc-439f-9a3b-c772bf4a311c" providerId="ADAL" clId="{CF552409-A127-4E9A-B700-AB4BACA41190}" dt="2023-04-11T05:50:33.368" v="10745" actId="20577"/>
+        <pc:sldMkLst>
+          <pc:docMk/>
+          <pc:sldMk cId="367179033" sldId="556"/>
+        </pc:sldMkLst>
+        <pc:spChg chg="mod">
+          <ac:chgData name="Matthieu De Mari" userId="dfb708c9-d8dc-439f-9a3b-c772bf4a311c" providerId="ADAL" clId="{CF552409-A127-4E9A-B700-AB4BACA41190}" dt="2023-04-11T05:50:33.368" v="10745" actId="20577"/>
+          <ac:spMkLst>
+            <pc:docMk/>
+            <pc:sldMk cId="367179033" sldId="556"/>
+            <ac:spMk id="2" creationId="{4DEEBC94-412A-6929-7A62-5DF736D8A244}"/>
+          </ac:spMkLst>
+        </pc:spChg>
+        <pc:spChg chg="mod">
+          <ac:chgData name="Matthieu De Mari" userId="dfb708c9-d8dc-439f-9a3b-c772bf4a311c" providerId="ADAL" clId="{CF552409-A127-4E9A-B700-AB4BACA41190}" dt="2023-04-11T05:49:22.630" v="10736" actId="20577"/>
+          <ac:spMkLst>
+            <pc:docMk/>
+            <pc:sldMk cId="367179033" sldId="556"/>
+            <ac:spMk id="5" creationId="{ABC2412B-9BD4-1314-5079-1CD98CB2F082}"/>
+          </ac:spMkLst>
+        </pc:spChg>
+      </pc:sldChg>
+      <pc:sldChg chg="addSp modSp add mod">
+        <pc:chgData name="Matthieu De Mari" userId="dfb708c9-d8dc-439f-9a3b-c772bf4a311c" providerId="ADAL" clId="{CF552409-A127-4E9A-B700-AB4BACA41190}" dt="2023-04-11T05:51:14.907" v="10761" actId="688"/>
+        <pc:sldMkLst>
+          <pc:docMk/>
+          <pc:sldMk cId="2679601625" sldId="557"/>
+        </pc:sldMkLst>
+        <pc:spChg chg="mod">
+          <ac:chgData name="Matthieu De Mari" userId="dfb708c9-d8dc-439f-9a3b-c772bf4a311c" providerId="ADAL" clId="{CF552409-A127-4E9A-B700-AB4BACA41190}" dt="2023-04-11T05:51:02.021" v="10758" actId="207"/>
+          <ac:spMkLst>
+            <pc:docMk/>
+            <pc:sldMk cId="2679601625" sldId="557"/>
+            <ac:spMk id="5" creationId="{ABC2412B-9BD4-1314-5079-1CD98CB2F082}"/>
+          </ac:spMkLst>
+        </pc:spChg>
+        <pc:picChg chg="add mod">
+          <ac:chgData name="Matthieu De Mari" userId="dfb708c9-d8dc-439f-9a3b-c772bf4a311c" providerId="ADAL" clId="{CF552409-A127-4E9A-B700-AB4BACA41190}" dt="2023-04-11T05:51:14.907" v="10761" actId="688"/>
+          <ac:picMkLst>
+            <pc:docMk/>
+            <pc:sldMk cId="2679601625" sldId="557"/>
+            <ac:picMk id="4" creationId="{080D20EA-08C5-0831-2D4A-09A5D35A72B5}"/>
+          </ac:picMkLst>
+        </pc:picChg>
       </pc:sldChg>
     </pc:docChg>
   </pc:docChgLst>
@@ -15874,7 +16326,7 @@
           <a:p>
             <a:fld id="{98CFC6A4-B085-437B-8084-693BEB2A32DE}" type="datetimeFigureOut">
               <a:rPr lang="en-SG" smtClean="0"/>
-              <a:t>10/4/2023</a:t>
+              <a:t>11/4/2023</a:t>
             </a:fld>
             <a:endParaRPr lang="en-SG"/>
           </a:p>
@@ -16291,7 +16743,7 @@
           <a:p>
             <a:fld id="{AB35F6B0-D468-4997-9CE3-CF2A1AE5E3F9}" type="datetimeFigureOut">
               <a:rPr lang="en-SG" smtClean="0"/>
-              <a:t>10/4/2023</a:t>
+              <a:t>11/4/2023</a:t>
             </a:fld>
             <a:endParaRPr lang="en-SG"/>
           </a:p>
@@ -16491,7 +16943,7 @@
           <a:p>
             <a:fld id="{AB35F6B0-D468-4997-9CE3-CF2A1AE5E3F9}" type="datetimeFigureOut">
               <a:rPr lang="en-SG" smtClean="0"/>
-              <a:t>10/4/2023</a:t>
+              <a:t>11/4/2023</a:t>
             </a:fld>
             <a:endParaRPr lang="en-SG"/>
           </a:p>
@@ -16701,7 +17153,7 @@
           <a:p>
             <a:fld id="{AB35F6B0-D468-4997-9CE3-CF2A1AE5E3F9}" type="datetimeFigureOut">
               <a:rPr lang="en-SG" smtClean="0"/>
-              <a:t>10/4/2023</a:t>
+              <a:t>11/4/2023</a:t>
             </a:fld>
             <a:endParaRPr lang="en-SG"/>
           </a:p>
@@ -16901,7 +17353,7 @@
           <a:p>
             <a:fld id="{AB35F6B0-D468-4997-9CE3-CF2A1AE5E3F9}" type="datetimeFigureOut">
               <a:rPr lang="en-SG" smtClean="0"/>
-              <a:t>10/4/2023</a:t>
+              <a:t>11/4/2023</a:t>
             </a:fld>
             <a:endParaRPr lang="en-SG"/>
           </a:p>
@@ -17177,7 +17629,7 @@
           <a:p>
             <a:fld id="{AB35F6B0-D468-4997-9CE3-CF2A1AE5E3F9}" type="datetimeFigureOut">
               <a:rPr lang="en-SG" smtClean="0"/>
-              <a:t>10/4/2023</a:t>
+              <a:t>11/4/2023</a:t>
             </a:fld>
             <a:endParaRPr lang="en-SG"/>
           </a:p>
@@ -17445,7 +17897,7 @@
           <a:p>
             <a:fld id="{AB35F6B0-D468-4997-9CE3-CF2A1AE5E3F9}" type="datetimeFigureOut">
               <a:rPr lang="en-SG" smtClean="0"/>
-              <a:t>10/4/2023</a:t>
+              <a:t>11/4/2023</a:t>
             </a:fld>
             <a:endParaRPr lang="en-SG"/>
           </a:p>
@@ -17860,7 +18312,7 @@
           <a:p>
             <a:fld id="{AB35F6B0-D468-4997-9CE3-CF2A1AE5E3F9}" type="datetimeFigureOut">
               <a:rPr lang="en-SG" smtClean="0"/>
-              <a:t>10/4/2023</a:t>
+              <a:t>11/4/2023</a:t>
             </a:fld>
             <a:endParaRPr lang="en-SG"/>
           </a:p>
@@ -18002,7 +18454,7 @@
           <a:p>
             <a:fld id="{AB35F6B0-D468-4997-9CE3-CF2A1AE5E3F9}" type="datetimeFigureOut">
               <a:rPr lang="en-SG" smtClean="0"/>
-              <a:t>10/4/2023</a:t>
+              <a:t>11/4/2023</a:t>
             </a:fld>
             <a:endParaRPr lang="en-SG"/>
           </a:p>
@@ -18115,7 +18567,7 @@
           <a:p>
             <a:fld id="{AB35F6B0-D468-4997-9CE3-CF2A1AE5E3F9}" type="datetimeFigureOut">
               <a:rPr lang="en-SG" smtClean="0"/>
-              <a:t>10/4/2023</a:t>
+              <a:t>11/4/2023</a:t>
             </a:fld>
             <a:endParaRPr lang="en-SG"/>
           </a:p>
@@ -18428,7 +18880,7 @@
           <a:p>
             <a:fld id="{AB35F6B0-D468-4997-9CE3-CF2A1AE5E3F9}" type="datetimeFigureOut">
               <a:rPr lang="en-SG" smtClean="0"/>
-              <a:t>10/4/2023</a:t>
+              <a:t>11/4/2023</a:t>
             </a:fld>
             <a:endParaRPr lang="en-SG"/>
           </a:p>
@@ -18717,7 +19169,7 @@
           <a:p>
             <a:fld id="{AB35F6B0-D468-4997-9CE3-CF2A1AE5E3F9}" type="datetimeFigureOut">
               <a:rPr lang="en-SG" smtClean="0"/>
-              <a:t>10/4/2023</a:t>
+              <a:t>11/4/2023</a:t>
             </a:fld>
             <a:endParaRPr lang="en-SG"/>
           </a:p>
@@ -18960,7 +19412,7 @@
           <a:p>
             <a:fld id="{AB35F6B0-D468-4997-9CE3-CF2A1AE5E3F9}" type="datetimeFigureOut">
               <a:rPr lang="en-SG" smtClean="0"/>
-              <a:t>10/4/2023</a:t>
+              <a:t>11/4/2023</a:t>
             </a:fld>
             <a:endParaRPr lang="en-SG"/>
           </a:p>
@@ -19677,25 +20129,73 @@
           <a:p>
             <a:r>
               <a:rPr lang="en-GB" dirty="0"/>
-              <a:t>We have successfully tokenized our source code and produced a stream of Tokens objects (containing information about token type, lexeme, value, line number/position, etc.).</a:t>
-            </a:r>
-          </a:p>
-          <a:p>
-            <a:r>
-              <a:rPr lang="en-GB" dirty="0"/>
-              <a:t>We have established a derivation for the language CFG and the given stream of tokens.</a:t>
-            </a:r>
-          </a:p>
-          <a:p>
-            <a:r>
-              <a:rPr lang="en-GB" dirty="0"/>
-              <a:t>We have produced a parse tree following from that derivation.</a:t>
-            </a:r>
-          </a:p>
-          <a:p>
-            <a:r>
-              <a:rPr lang="en-GB" dirty="0"/>
-              <a:t>Using Syntax Directed Translation, we could define a list of operation to be executed, matching each production rule that has been used.</a:t>
+              <a:t>We have successfully </a:t>
+            </a:r>
+            <a:r>
+              <a:rPr lang="en-GB" b="1" dirty="0"/>
+              <a:t>tokenized our source code and produced a stream of Tokens objects </a:t>
+            </a:r>
+            <a:r>
+              <a:rPr lang="en-GB" dirty="0"/>
+              <a:t>(containing information about token type, lexeme, value, line number/position, etc.).</a:t>
+            </a:r>
+          </a:p>
+          <a:p>
+            <a:r>
+              <a:rPr lang="en-GB" dirty="0"/>
+              <a:t>We have established </a:t>
+            </a:r>
+            <a:r>
+              <a:rPr lang="en-GB" b="1" dirty="0"/>
+              <a:t>a derivation for the language CFG and the given stream of tokens</a:t>
+            </a:r>
+            <a:r>
+              <a:rPr lang="en-GB" dirty="0"/>
+              <a:t>.</a:t>
+            </a:r>
+          </a:p>
+          <a:p>
+            <a:r>
+              <a:rPr lang="en-GB" dirty="0"/>
+              <a:t>We have produced a </a:t>
+            </a:r>
+            <a:r>
+              <a:rPr lang="en-GB" b="1" dirty="0"/>
+              <a:t>parse tree </a:t>
+            </a:r>
+            <a:r>
+              <a:rPr lang="en-GB" dirty="0"/>
+              <a:t>following from that derivation.</a:t>
+            </a:r>
+          </a:p>
+          <a:p>
+            <a:r>
+              <a:rPr lang="en-GB" dirty="0"/>
+              <a:t>Using </a:t>
+            </a:r>
+            <a:r>
+              <a:rPr lang="en-GB" b="1" dirty="0"/>
+              <a:t>Syntax Directed Translation</a:t>
+            </a:r>
+            <a:r>
+              <a:rPr lang="en-GB" dirty="0"/>
+              <a:t>, we could define a </a:t>
+            </a:r>
+            <a:r>
+              <a:rPr lang="en-GB" b="1" dirty="0"/>
+              <a:t>list of elementary operations </a:t>
+            </a:r>
+            <a:r>
+              <a:rPr lang="en-GB" dirty="0"/>
+              <a:t>to be executed, matching each production rule we used and eventually obtain an </a:t>
+            </a:r>
+            <a:r>
+              <a:rPr lang="en-GB" b="1" dirty="0"/>
+              <a:t>Abstract Syntax Tree</a:t>
+            </a:r>
+            <a:r>
+              <a:rPr lang="en-GB" dirty="0"/>
+              <a:t>.</a:t>
             </a:r>
             <a:endParaRPr lang="en-SG" dirty="0"/>
           </a:p>
@@ -20439,7 +20939,15 @@
             </a:pPr>
             <a:r>
               <a:rPr lang="en-GB" dirty="0"/>
-              <a:t>And the checks to be conducted, both rely on the Abstract Syntax Tree produced by the syntax analysis step.</a:t>
+              <a:t>And the checks to be conducted, both rely on the </a:t>
+            </a:r>
+            <a:r>
+              <a:rPr lang="en-GB" b="1" dirty="0"/>
+              <a:t>Abstract Syntax Tree </a:t>
+            </a:r>
+            <a:r>
+              <a:rPr lang="en-GB" dirty="0"/>
+              <a:t>produced by the syntax analysis step.</a:t>
             </a:r>
             <a:endParaRPr lang="en-SG" dirty="0"/>
           </a:p>
@@ -27515,31 +28023,6 @@
           </a:p>
         </p:txBody>
       </p:sp>
-      <p:sp>
-        <p:nvSpPr>
-          <p:cNvPr id="9" name="Content Placeholder 8">
-            <a:extLst>
-              <a:ext uri="{FF2B5EF4-FFF2-40B4-BE49-F238E27FC236}">
-                <a16:creationId xmlns:a16="http://schemas.microsoft.com/office/drawing/2014/main" id="{C86A0A4B-C246-4F7D-D532-EDFE95B8D6B0}"/>
-              </a:ext>
-            </a:extLst>
-          </p:cNvPr>
-          <p:cNvSpPr>
-            <a:spLocks noGrp="1"/>
-          </p:cNvSpPr>
-          <p:nvPr>
-            <p:ph sz="half" idx="2"/>
-          </p:nvPr>
-        </p:nvSpPr>
-        <p:spPr/>
-        <p:txBody>
-          <a:bodyPr/>
-          <a:lstStyle/>
-          <a:p>
-            <a:endParaRPr lang="en-SG"/>
-          </a:p>
-        </p:txBody>
-      </p:sp>
       <p:pic>
         <p:nvPicPr>
           <p:cNvPr id="8" name="Picture 7">
@@ -30746,206 +31229,6 @@
             <a:r>
               <a:rPr lang="en-GB" dirty="0" err="1"/>
               <a:t>multiply_and_add</a:t>
-            </a:r>
-            <a:endParaRPr lang="en-SG" dirty="0"/>
-          </a:p>
-        </p:txBody>
-      </p:sp>
-      <p:sp>
-        <p:nvSpPr>
-          <p:cNvPr id="6" name="Rectangle 5">
-            <a:extLst>
-              <a:ext uri="{FF2B5EF4-FFF2-40B4-BE49-F238E27FC236}">
-                <a16:creationId xmlns:a16="http://schemas.microsoft.com/office/drawing/2014/main" id="{6633391D-0D5D-A7DC-654A-B482C0C440EE}"/>
-              </a:ext>
-            </a:extLst>
-          </p:cNvPr>
-          <p:cNvSpPr/>
-          <p:nvPr/>
-        </p:nvSpPr>
-        <p:spPr>
-          <a:xfrm>
-            <a:off x="6693877" y="3393763"/>
-            <a:ext cx="4495800" cy="235636"/>
-          </a:xfrm>
-          <a:prstGeom prst="rect">
-            <a:avLst/>
-          </a:prstGeom>
-        </p:spPr>
-        <p:style>
-          <a:lnRef idx="2">
-            <a:schemeClr val="dk1">
-              <a:shade val="50000"/>
-            </a:schemeClr>
-          </a:lnRef>
-          <a:fillRef idx="1">
-            <a:schemeClr val="dk1"/>
-          </a:fillRef>
-          <a:effectRef idx="0">
-            <a:schemeClr val="dk1"/>
-          </a:effectRef>
-          <a:fontRef idx="minor">
-            <a:schemeClr val="lt1"/>
-          </a:fontRef>
-        </p:style>
-        <p:txBody>
-          <a:bodyPr rtlCol="0" anchor="ctr"/>
-          <a:lstStyle/>
-          <a:p>
-            <a:pPr algn="ctr"/>
-            <a:r>
-              <a:rPr lang="en-GB" dirty="0"/>
-              <a:t>Main scope</a:t>
-            </a:r>
-            <a:endParaRPr lang="en-SG" dirty="0"/>
-          </a:p>
-        </p:txBody>
-      </p:sp>
-      <p:sp>
-        <p:nvSpPr>
-          <p:cNvPr id="7" name="Rectangle 6">
-            <a:extLst>
-              <a:ext uri="{FF2B5EF4-FFF2-40B4-BE49-F238E27FC236}">
-                <a16:creationId xmlns:a16="http://schemas.microsoft.com/office/drawing/2014/main" id="{14C910F9-F0B9-FF0E-07BB-2E3E95D8C363}"/>
-              </a:ext>
-            </a:extLst>
-          </p:cNvPr>
-          <p:cNvSpPr/>
-          <p:nvPr/>
-        </p:nvSpPr>
-        <p:spPr>
-          <a:xfrm>
-            <a:off x="6693877" y="3629399"/>
-            <a:ext cx="4495800" cy="235636"/>
-          </a:xfrm>
-          <a:prstGeom prst="rect">
-            <a:avLst/>
-          </a:prstGeom>
-        </p:spPr>
-        <p:style>
-          <a:lnRef idx="2">
-            <a:schemeClr val="accent1">
-              <a:shade val="50000"/>
-            </a:schemeClr>
-          </a:lnRef>
-          <a:fillRef idx="1">
-            <a:schemeClr val="accent1"/>
-          </a:fillRef>
-          <a:effectRef idx="0">
-            <a:schemeClr val="accent1"/>
-          </a:effectRef>
-          <a:fontRef idx="minor">
-            <a:schemeClr val="lt1"/>
-          </a:fontRef>
-        </p:style>
-        <p:txBody>
-          <a:bodyPr rtlCol="0" anchor="ctr"/>
-          <a:lstStyle/>
-          <a:p>
-            <a:pPr algn="ctr"/>
-            <a:r>
-              <a:rPr lang="en-GB" dirty="0"/>
-              <a:t>Integer id a</a:t>
-            </a:r>
-            <a:endParaRPr lang="en-SG" dirty="0"/>
-          </a:p>
-        </p:txBody>
-      </p:sp>
-      <p:sp>
-        <p:nvSpPr>
-          <p:cNvPr id="10" name="Rectangle 9">
-            <a:extLst>
-              <a:ext uri="{FF2B5EF4-FFF2-40B4-BE49-F238E27FC236}">
-                <a16:creationId xmlns:a16="http://schemas.microsoft.com/office/drawing/2014/main" id="{54FA3344-FAAD-4941-CAFD-6CEC9E01661D}"/>
-              </a:ext>
-            </a:extLst>
-          </p:cNvPr>
-          <p:cNvSpPr/>
-          <p:nvPr/>
-        </p:nvSpPr>
-        <p:spPr>
-          <a:xfrm>
-            <a:off x="6693877" y="3865035"/>
-            <a:ext cx="4495800" cy="235636"/>
-          </a:xfrm>
-          <a:prstGeom prst="rect">
-            <a:avLst/>
-          </a:prstGeom>
-        </p:spPr>
-        <p:style>
-          <a:lnRef idx="2">
-            <a:schemeClr val="accent1">
-              <a:shade val="50000"/>
-            </a:schemeClr>
-          </a:lnRef>
-          <a:fillRef idx="1">
-            <a:schemeClr val="accent1"/>
-          </a:fillRef>
-          <a:effectRef idx="0">
-            <a:schemeClr val="accent1"/>
-          </a:effectRef>
-          <a:fontRef idx="minor">
-            <a:schemeClr val="lt1"/>
-          </a:fontRef>
-        </p:style>
-        <p:txBody>
-          <a:bodyPr rtlCol="0" anchor="ctr"/>
-          <a:lstStyle/>
-          <a:p>
-            <a:pPr algn="ctr"/>
-            <a:r>
-              <a:rPr lang="en-GB" dirty="0"/>
-              <a:t>Integer id b</a:t>
-            </a:r>
-            <a:endParaRPr lang="en-SG" dirty="0"/>
-          </a:p>
-        </p:txBody>
-      </p:sp>
-      <p:sp>
-        <p:nvSpPr>
-          <p:cNvPr id="11" name="Rectangle 10">
-            <a:extLst>
-              <a:ext uri="{FF2B5EF4-FFF2-40B4-BE49-F238E27FC236}">
-                <a16:creationId xmlns:a16="http://schemas.microsoft.com/office/drawing/2014/main" id="{CA762BD0-FEF3-AD53-F585-119B444A3BDB}"/>
-              </a:ext>
-            </a:extLst>
-          </p:cNvPr>
-          <p:cNvSpPr/>
-          <p:nvPr/>
-        </p:nvSpPr>
-        <p:spPr>
-          <a:xfrm>
-            <a:off x="6693877" y="4100671"/>
-            <a:ext cx="4495800" cy="235636"/>
-          </a:xfrm>
-          <a:prstGeom prst="rect">
-            <a:avLst/>
-          </a:prstGeom>
-        </p:spPr>
-        <p:style>
-          <a:lnRef idx="2">
-            <a:schemeClr val="accent1">
-              <a:shade val="50000"/>
-            </a:schemeClr>
-          </a:lnRef>
-          <a:fillRef idx="1">
-            <a:schemeClr val="accent1"/>
-          </a:fillRef>
-          <a:effectRef idx="0">
-            <a:schemeClr val="accent1"/>
-          </a:effectRef>
-          <a:fontRef idx="minor">
-            <a:schemeClr val="lt1"/>
-          </a:fontRef>
-        </p:style>
-        <p:txBody>
-          <a:bodyPr rtlCol="0" anchor="ctr"/>
-          <a:lstStyle/>
-          <a:p>
-            <a:pPr algn="ctr"/>
-            <a:r>
-              <a:rPr lang="en-GB" dirty="0"/>
-              <a:t>Integer id sum</a:t>
             </a:r>
             <a:endParaRPr lang="en-SG" dirty="0"/>
           </a:p>
@@ -34373,10 +34656,10 @@
       </p:grpSpPr>
       <p:sp>
         <p:nvSpPr>
-          <p:cNvPr id="5" name="Title 4">
-            <a:extLst>
-              <a:ext uri="{FF2B5EF4-FFF2-40B4-BE49-F238E27FC236}">
-                <a16:creationId xmlns:a16="http://schemas.microsoft.com/office/drawing/2014/main" id="{CEEEF092-6ADD-497D-2284-EBD44F4D744C}"/>
+          <p:cNvPr id="2" name="Title 1">
+            <a:extLst>
+              <a:ext uri="{FF2B5EF4-FFF2-40B4-BE49-F238E27FC236}">
+                <a16:creationId xmlns:a16="http://schemas.microsoft.com/office/drawing/2014/main" id="{44E97B2F-0F07-95BA-9335-392F498C5E9E}"/>
               </a:ext>
             </a:extLst>
           </p:cNvPr>
@@ -34394,7 +34677,7 @@
           <a:p>
             <a:r>
               <a:rPr lang="en-GB" dirty="0"/>
-              <a:t>Single-pass vs. multi-pass compilers</a:t>
+              <a:t>Saving the day?</a:t>
             </a:r>
             <a:endParaRPr lang="en-SG" dirty="0"/>
           </a:p>
@@ -34402,10 +34685,10 @@
       </p:sp>
       <p:sp>
         <p:nvSpPr>
-          <p:cNvPr id="6" name="Content Placeholder 5">
-            <a:extLst>
-              <a:ext uri="{FF2B5EF4-FFF2-40B4-BE49-F238E27FC236}">
-                <a16:creationId xmlns:a16="http://schemas.microsoft.com/office/drawing/2014/main" id="{8A9EE95E-6560-0DAE-B0B3-E18113ABD7ED}"/>
+          <p:cNvPr id="3" name="Content Placeholder 2">
+            <a:extLst>
+              <a:ext uri="{FF2B5EF4-FFF2-40B4-BE49-F238E27FC236}">
+                <a16:creationId xmlns:a16="http://schemas.microsoft.com/office/drawing/2014/main" id="{15854D76-270A-F140-7AC1-971B10AEA5FF}"/>
               </a:ext>
             </a:extLst>
           </p:cNvPr>
@@ -34413,10 +34696,15 @@
             <a:spLocks noGrp="1"/>
           </p:cNvSpPr>
           <p:nvPr>
-            <p:ph idx="1"/>
+            <p:ph sz="half" idx="1"/>
           </p:nvPr>
         </p:nvSpPr>
-        <p:spPr/>
+        <p:spPr>
+          <a:xfrm>
+            <a:off x="838200" y="1825624"/>
+            <a:ext cx="5257800" cy="5032375"/>
+          </a:xfrm>
+        </p:spPr>
         <p:txBody>
           <a:bodyPr/>
           <a:lstStyle/>
@@ -34425,83 +34713,69 @@
               <a:buNone/>
             </a:pPr>
             <a:r>
+              <a:rPr lang="en-GB" dirty="0"/>
+              <a:t>Consider the example on the right.</a:t>
+            </a:r>
+          </a:p>
+          <a:p>
+            <a:r>
+              <a:rPr lang="en-GB" dirty="0"/>
+              <a:t>Function f() requires two parameters x and t to compute the returned value.</a:t>
+            </a:r>
+          </a:p>
+          <a:p>
+            <a:r>
+              <a:rPr lang="en-GB" dirty="0"/>
+              <a:t>But t is not in the scope of the function, it is in the global scope instead.</a:t>
+            </a:r>
+          </a:p>
+          <a:p>
+            <a:r>
               <a:rPr lang="en-GB" b="1" dirty="0"/>
-              <a:t>Definition (</a:t>
-            </a:r>
-            <a:r>
-              <a:rPr lang="en-GB" b="1" dirty="0">
-                <a:solidFill>
-                  <a:srgbClr val="00B050"/>
-                </a:solidFill>
-              </a:rPr>
-              <a:t>single-pass</a:t>
-            </a:r>
-            <a:r>
-              <a:rPr lang="en-GB" b="1" dirty="0"/>
-              <a:t> vs. </a:t>
-            </a:r>
-            <a:r>
-              <a:rPr lang="en-GB" b="1" dirty="0">
-                <a:solidFill>
-                  <a:srgbClr val="00B050"/>
-                </a:solidFill>
-              </a:rPr>
-              <a:t>multi-pass compilers</a:t>
-            </a:r>
-            <a:r>
-              <a:rPr lang="en-GB" b="1" dirty="0"/>
-              <a:t>):</a:t>
-            </a:r>
-          </a:p>
-          <a:p>
-            <a:pPr marL="0" indent="0">
-              <a:buNone/>
-            </a:pPr>
-            <a:r>
-              <a:rPr lang="en-GB" dirty="0"/>
-              <a:t>Some compilers can combine scanning, parsing, semantic analysis, and code generation into the same pass. These are called </a:t>
-            </a:r>
-            <a:r>
-              <a:rPr lang="en-GB" b="1" dirty="0">
-                <a:solidFill>
-                  <a:srgbClr val="00B050"/>
-                </a:solidFill>
-              </a:rPr>
-              <a:t>single-pass compilers</a:t>
-            </a:r>
-            <a:r>
-              <a:rPr lang="en-GB" dirty="0"/>
-              <a:t>.</a:t>
-            </a:r>
-          </a:p>
-          <a:p>
-            <a:pPr marL="0" indent="0">
-              <a:buNone/>
-            </a:pPr>
-            <a:r>
-              <a:rPr lang="en-GB" dirty="0"/>
-              <a:t>Other compilers rescan the input multiple times. These are called </a:t>
-            </a:r>
-            <a:r>
-              <a:rPr lang="en-GB" b="1" dirty="0">
-                <a:solidFill>
-                  <a:srgbClr val="00B050"/>
-                </a:solidFill>
-              </a:rPr>
-              <a:t>multi-pass compilers</a:t>
-            </a:r>
-            <a:r>
-              <a:rPr lang="en-GB" dirty="0"/>
-              <a:t>.</a:t>
+              <a:t>Question: </a:t>
+            </a:r>
+            <a:r>
+              <a:rPr lang="en-GB" dirty="0"/>
+              <a:t>How does Python save the day, in your opinion?</a:t>
             </a:r>
             <a:endParaRPr lang="en-SG" dirty="0"/>
           </a:p>
         </p:txBody>
       </p:sp>
+      <p:pic>
+        <p:nvPicPr>
+          <p:cNvPr id="6" name="Picture 5">
+            <a:extLst>
+              <a:ext uri="{FF2B5EF4-FFF2-40B4-BE49-F238E27FC236}">
+                <a16:creationId xmlns:a16="http://schemas.microsoft.com/office/drawing/2014/main" id="{7A9F23F2-4A29-7869-20AE-28325143CEE1}"/>
+              </a:ext>
+            </a:extLst>
+          </p:cNvPr>
+          <p:cNvPicPr>
+            <a:picLocks noChangeAspect="1"/>
+          </p:cNvPicPr>
+          <p:nvPr/>
+        </p:nvPicPr>
+        <p:blipFill>
+          <a:blip r:embed="rId2"/>
+          <a:stretch>
+            <a:fillRect/>
+          </a:stretch>
+        </p:blipFill>
+        <p:spPr>
+          <a:xfrm>
+            <a:off x="7390722" y="37080"/>
+            <a:ext cx="3963078" cy="3307216"/>
+          </a:xfrm>
+          <a:prstGeom prst="rect">
+            <a:avLst/>
+          </a:prstGeom>
+        </p:spPr>
+      </p:pic>
     </p:spTree>
     <p:extLst>
       <p:ext uri="{BB962C8B-B14F-4D97-AF65-F5344CB8AC3E}">
-        <p14:creationId xmlns:p14="http://schemas.microsoft.com/office/powerpoint/2010/main" val="389505161"/>
+        <p14:creationId xmlns:p14="http://schemas.microsoft.com/office/powerpoint/2010/main" val="2006573812"/>
       </p:ext>
     </p:extLst>
   </p:cSld>
@@ -34533,7 +34807,7 @@
           <p:cNvPr id="2" name="Title 1">
             <a:extLst>
               <a:ext uri="{FF2B5EF4-FFF2-40B4-BE49-F238E27FC236}">
-                <a16:creationId xmlns:a16="http://schemas.microsoft.com/office/drawing/2014/main" id="{75C462DB-FFDD-5F11-5AC6-5F3F0EDC9EB3}"/>
+                <a16:creationId xmlns:a16="http://schemas.microsoft.com/office/drawing/2014/main" id="{44E97B2F-0F07-95BA-9335-392F498C5E9E}"/>
               </a:ext>
             </a:extLst>
           </p:cNvPr>
@@ -34551,7 +34825,7 @@
           <a:p>
             <a:r>
               <a:rPr lang="en-GB" dirty="0"/>
-              <a:t>What happens in multi-pass compilers</a:t>
+              <a:t>Saving the day?</a:t>
             </a:r>
             <a:endParaRPr lang="en-SG" dirty="0"/>
           </a:p>
@@ -34562,7 +34836,7 @@
           <p:cNvPr id="3" name="Content Placeholder 2">
             <a:extLst>
               <a:ext uri="{FF2B5EF4-FFF2-40B4-BE49-F238E27FC236}">
-                <a16:creationId xmlns:a16="http://schemas.microsoft.com/office/drawing/2014/main" id="{19A9C862-3F89-20C5-EF59-398B502C467A}"/>
+                <a16:creationId xmlns:a16="http://schemas.microsoft.com/office/drawing/2014/main" id="{15854D76-270A-F140-7AC1-971B10AEA5FF}"/>
               </a:ext>
             </a:extLst>
           </p:cNvPr>
@@ -34570,69 +34844,521 @@
             <a:spLocks noGrp="1"/>
           </p:cNvSpPr>
           <p:nvPr>
-            <p:ph idx="1"/>
+            <p:ph sz="half" idx="1"/>
           </p:nvPr>
         </p:nvSpPr>
         <p:spPr>
           <a:xfrm>
             <a:off x="838200" y="1825624"/>
-            <a:ext cx="10515600" cy="5032375"/>
+            <a:ext cx="5257800" cy="5032375"/>
           </a:xfrm>
         </p:spPr>
         <p:txBody>
-          <a:bodyPr>
-            <a:normAutofit/>
-          </a:bodyPr>
+          <a:bodyPr/>
           <a:lstStyle/>
           <a:p>
-            <a:pPr marL="0" indent="0">
-              <a:buNone/>
-            </a:pPr>
-            <a:r>
-              <a:rPr lang="en-GB" dirty="0"/>
-              <a:t>For instance, on each pass, the compiler could check one specific aspect of the source code. For instance,</a:t>
-            </a:r>
-          </a:p>
-          <a:p>
-            <a:r>
-              <a:rPr lang="en-GB" dirty="0"/>
-              <a:t>Do lexical analysis, produce tokens stream and completely parse the input file into an abstract syntax tree (first pass).</a:t>
-            </a:r>
-          </a:p>
-          <a:p>
-            <a:r>
-              <a:rPr lang="en-GB" dirty="0"/>
-              <a:t>Walk the AST, gathering information about classes definitions (second pass).</a:t>
-            </a:r>
-          </a:p>
-          <a:p>
-            <a:r>
-              <a:rPr lang="en-GB" dirty="0"/>
-              <a:t>Walk the AST gathering information about functions definitions (third pass).</a:t>
-            </a:r>
-          </a:p>
-          <a:p>
-            <a:r>
-              <a:rPr lang="en-GB" dirty="0"/>
-              <a:t>Etc.</a:t>
-            </a:r>
-          </a:p>
-          <a:p>
-            <a:pPr marL="0" indent="0">
-              <a:buNone/>
-            </a:pPr>
-            <a:r>
-              <a:rPr lang="en-GB" b="1" dirty="0"/>
-              <a:t>Could combine some of these, though they are logically distinct.</a:t>
-            </a:r>
-            <a:endParaRPr lang="en-SG" b="1" dirty="0"/>
+            <a:r>
+              <a:rPr lang="en-GB" sz="2800" b="1" dirty="0"/>
+              <a:t>Reason: </a:t>
+            </a:r>
+            <a:r>
+              <a:rPr lang="en-GB" sz="2800" dirty="0"/>
+              <a:t>In Python, when you reference a variable inside a function, it first looks for that variable within the local scope of the function.</a:t>
+            </a:r>
+          </a:p>
+          <a:p>
+            <a:r>
+              <a:rPr lang="en-GB" sz="2800" dirty="0"/>
+              <a:t>If it does not find it there, it tries searching for it in the next enclosing scope, which in this case is the global scope.</a:t>
+            </a:r>
+            <a:endParaRPr lang="en-SG" sz="2800" dirty="0"/>
+          </a:p>
+        </p:txBody>
+      </p:sp>
+      <p:pic>
+        <p:nvPicPr>
+          <p:cNvPr id="6" name="Picture 5">
+            <a:extLst>
+              <a:ext uri="{FF2B5EF4-FFF2-40B4-BE49-F238E27FC236}">
+                <a16:creationId xmlns:a16="http://schemas.microsoft.com/office/drawing/2014/main" id="{7A9F23F2-4A29-7869-20AE-28325143CEE1}"/>
+              </a:ext>
+            </a:extLst>
+          </p:cNvPr>
+          <p:cNvPicPr>
+            <a:picLocks noChangeAspect="1"/>
+          </p:cNvPicPr>
+          <p:nvPr/>
+        </p:nvPicPr>
+        <p:blipFill>
+          <a:blip r:embed="rId2"/>
+          <a:stretch>
+            <a:fillRect/>
+          </a:stretch>
+        </p:blipFill>
+        <p:spPr>
+          <a:xfrm>
+            <a:off x="7390722" y="37080"/>
+            <a:ext cx="3963078" cy="3307216"/>
+          </a:xfrm>
+          <a:prstGeom prst="rect">
+            <a:avLst/>
+          </a:prstGeom>
+        </p:spPr>
+      </p:pic>
+      <p:sp>
+        <p:nvSpPr>
+          <p:cNvPr id="5" name="Rectangle 4">
+            <a:extLst>
+              <a:ext uri="{FF2B5EF4-FFF2-40B4-BE49-F238E27FC236}">
+                <a16:creationId xmlns:a16="http://schemas.microsoft.com/office/drawing/2014/main" id="{D2C8067B-7C30-6183-97D0-E89EA43DE984}"/>
+              </a:ext>
+            </a:extLst>
+          </p:cNvPr>
+          <p:cNvSpPr/>
+          <p:nvPr/>
+        </p:nvSpPr>
+        <p:spPr>
+          <a:xfrm>
+            <a:off x="6998677" y="4137958"/>
+            <a:ext cx="4495800" cy="235636"/>
+          </a:xfrm>
+          <a:prstGeom prst="rect">
+            <a:avLst/>
+          </a:prstGeom>
+        </p:spPr>
+        <p:style>
+          <a:lnRef idx="2">
+            <a:schemeClr val="dk1">
+              <a:shade val="50000"/>
+            </a:schemeClr>
+          </a:lnRef>
+          <a:fillRef idx="1">
+            <a:schemeClr val="dk1"/>
+          </a:fillRef>
+          <a:effectRef idx="0">
+            <a:schemeClr val="dk1"/>
+          </a:effectRef>
+          <a:fontRef idx="minor">
+            <a:schemeClr val="lt1"/>
+          </a:fontRef>
+        </p:style>
+        <p:txBody>
+          <a:bodyPr rtlCol="0" anchor="ctr"/>
+          <a:lstStyle/>
+          <a:p>
+            <a:pPr algn="ctr"/>
+            <a:r>
+              <a:rPr lang="en-GB" dirty="0"/>
+              <a:t>Global scope</a:t>
+            </a:r>
+            <a:endParaRPr lang="en-SG" dirty="0"/>
+          </a:p>
+        </p:txBody>
+      </p:sp>
+      <p:sp>
+        <p:nvSpPr>
+          <p:cNvPr id="7" name="Rectangle 6">
+            <a:extLst>
+              <a:ext uri="{FF2B5EF4-FFF2-40B4-BE49-F238E27FC236}">
+                <a16:creationId xmlns:a16="http://schemas.microsoft.com/office/drawing/2014/main" id="{80D1D6B7-818F-E855-A7E6-9D5969F42A80}"/>
+              </a:ext>
+            </a:extLst>
+          </p:cNvPr>
+          <p:cNvSpPr/>
+          <p:nvPr/>
+        </p:nvSpPr>
+        <p:spPr>
+          <a:xfrm>
+            <a:off x="6998677" y="4390713"/>
+            <a:ext cx="4495800" cy="235636"/>
+          </a:xfrm>
+          <a:prstGeom prst="rect">
+            <a:avLst/>
+          </a:prstGeom>
+        </p:spPr>
+        <p:style>
+          <a:lnRef idx="2">
+            <a:schemeClr val="accent1">
+              <a:shade val="50000"/>
+            </a:schemeClr>
+          </a:lnRef>
+          <a:fillRef idx="1">
+            <a:schemeClr val="accent1"/>
+          </a:fillRef>
+          <a:effectRef idx="0">
+            <a:schemeClr val="accent1"/>
+          </a:effectRef>
+          <a:fontRef idx="minor">
+            <a:schemeClr val="lt1"/>
+          </a:fontRef>
+        </p:style>
+        <p:txBody>
+          <a:bodyPr rtlCol="0" anchor="ctr"/>
+          <a:lstStyle/>
+          <a:p>
+            <a:pPr algn="ctr"/>
+            <a:r>
+              <a:rPr lang="en-GB" dirty="0"/>
+              <a:t>Function id f</a:t>
+            </a:r>
+            <a:endParaRPr lang="en-SG" dirty="0"/>
+          </a:p>
+        </p:txBody>
+      </p:sp>
+      <p:sp>
+        <p:nvSpPr>
+          <p:cNvPr id="9" name="Rectangle 8">
+            <a:extLst>
+              <a:ext uri="{FF2B5EF4-FFF2-40B4-BE49-F238E27FC236}">
+                <a16:creationId xmlns:a16="http://schemas.microsoft.com/office/drawing/2014/main" id="{4F34C7C3-86AB-C3AC-1AEB-665176E44086}"/>
+              </a:ext>
+            </a:extLst>
+          </p:cNvPr>
+          <p:cNvSpPr/>
+          <p:nvPr/>
+        </p:nvSpPr>
+        <p:spPr>
+          <a:xfrm>
+            <a:off x="6998677" y="4626349"/>
+            <a:ext cx="4495800" cy="235636"/>
+          </a:xfrm>
+          <a:prstGeom prst="rect">
+            <a:avLst/>
+          </a:prstGeom>
+        </p:spPr>
+        <p:style>
+          <a:lnRef idx="2">
+            <a:schemeClr val="accent1">
+              <a:shade val="50000"/>
+            </a:schemeClr>
+          </a:lnRef>
+          <a:fillRef idx="1">
+            <a:schemeClr val="accent1"/>
+          </a:fillRef>
+          <a:effectRef idx="0">
+            <a:schemeClr val="accent1"/>
+          </a:effectRef>
+          <a:fontRef idx="minor">
+            <a:schemeClr val="lt1"/>
+          </a:fontRef>
+        </p:style>
+        <p:txBody>
+          <a:bodyPr rtlCol="0" anchor="ctr"/>
+          <a:lstStyle/>
+          <a:p>
+            <a:pPr algn="ctr"/>
+            <a:r>
+              <a:rPr lang="en-GB" dirty="0"/>
+              <a:t>Integer id x</a:t>
+            </a:r>
+            <a:endParaRPr lang="en-SG" dirty="0"/>
+          </a:p>
+        </p:txBody>
+      </p:sp>
+      <p:sp>
+        <p:nvSpPr>
+          <p:cNvPr id="10" name="Rectangle 9">
+            <a:extLst>
+              <a:ext uri="{FF2B5EF4-FFF2-40B4-BE49-F238E27FC236}">
+                <a16:creationId xmlns:a16="http://schemas.microsoft.com/office/drawing/2014/main" id="{FF05938A-3916-BA76-A21C-65425E36EB5D}"/>
+              </a:ext>
+            </a:extLst>
+          </p:cNvPr>
+          <p:cNvSpPr/>
+          <p:nvPr/>
+        </p:nvSpPr>
+        <p:spPr>
+          <a:xfrm>
+            <a:off x="6998677" y="4861985"/>
+            <a:ext cx="4495800" cy="235636"/>
+          </a:xfrm>
+          <a:prstGeom prst="rect">
+            <a:avLst/>
+          </a:prstGeom>
+        </p:spPr>
+        <p:style>
+          <a:lnRef idx="2">
+            <a:schemeClr val="accent1">
+              <a:shade val="50000"/>
+            </a:schemeClr>
+          </a:lnRef>
+          <a:fillRef idx="1">
+            <a:schemeClr val="accent1"/>
+          </a:fillRef>
+          <a:effectRef idx="0">
+            <a:schemeClr val="accent1"/>
+          </a:effectRef>
+          <a:fontRef idx="minor">
+            <a:schemeClr val="lt1"/>
+          </a:fontRef>
+        </p:style>
+        <p:txBody>
+          <a:bodyPr rtlCol="0" anchor="ctr"/>
+          <a:lstStyle/>
+          <a:p>
+            <a:pPr algn="ctr"/>
+            <a:r>
+              <a:rPr lang="en-GB" dirty="0"/>
+              <a:t>Integer id t</a:t>
+            </a:r>
+            <a:endParaRPr lang="en-SG" dirty="0"/>
+          </a:p>
+        </p:txBody>
+      </p:sp>
+      <p:sp>
+        <p:nvSpPr>
+          <p:cNvPr id="11" name="Rectangle 10">
+            <a:extLst>
+              <a:ext uri="{FF2B5EF4-FFF2-40B4-BE49-F238E27FC236}">
+                <a16:creationId xmlns:a16="http://schemas.microsoft.com/office/drawing/2014/main" id="{8439BF1B-7BE6-88CD-DF2C-422F450AB8C0}"/>
+              </a:ext>
+            </a:extLst>
+          </p:cNvPr>
+          <p:cNvSpPr/>
+          <p:nvPr/>
+        </p:nvSpPr>
+        <p:spPr>
+          <a:xfrm>
+            <a:off x="6998677" y="5097621"/>
+            <a:ext cx="4495800" cy="235636"/>
+          </a:xfrm>
+          <a:prstGeom prst="rect">
+            <a:avLst/>
+          </a:prstGeom>
+        </p:spPr>
+        <p:style>
+          <a:lnRef idx="2">
+            <a:schemeClr val="accent1">
+              <a:shade val="50000"/>
+            </a:schemeClr>
+          </a:lnRef>
+          <a:fillRef idx="1">
+            <a:schemeClr val="accent1"/>
+          </a:fillRef>
+          <a:effectRef idx="0">
+            <a:schemeClr val="accent1"/>
+          </a:effectRef>
+          <a:fontRef idx="minor">
+            <a:schemeClr val="lt1"/>
+          </a:fontRef>
+        </p:style>
+        <p:txBody>
+          <a:bodyPr rtlCol="0" anchor="ctr"/>
+          <a:lstStyle/>
+          <a:p>
+            <a:pPr algn="ctr"/>
+            <a:r>
+              <a:rPr lang="en-GB" dirty="0"/>
+              <a:t>Integer id y</a:t>
+            </a:r>
+            <a:endParaRPr lang="en-SG" dirty="0"/>
+          </a:p>
+        </p:txBody>
+      </p:sp>
+      <p:sp>
+        <p:nvSpPr>
+          <p:cNvPr id="12" name="Rectangle 11">
+            <a:extLst>
+              <a:ext uri="{FF2B5EF4-FFF2-40B4-BE49-F238E27FC236}">
+                <a16:creationId xmlns:a16="http://schemas.microsoft.com/office/drawing/2014/main" id="{35A1739F-83DF-F7D5-1D5D-17FA84D95D6C}"/>
+              </a:ext>
+            </a:extLst>
+          </p:cNvPr>
+          <p:cNvSpPr/>
+          <p:nvPr/>
+        </p:nvSpPr>
+        <p:spPr>
+          <a:xfrm>
+            <a:off x="6998677" y="6282335"/>
+            <a:ext cx="4495800" cy="235636"/>
+          </a:xfrm>
+          <a:prstGeom prst="rect">
+            <a:avLst/>
+          </a:prstGeom>
+        </p:spPr>
+        <p:style>
+          <a:lnRef idx="2">
+            <a:schemeClr val="dk1">
+              <a:shade val="50000"/>
+            </a:schemeClr>
+          </a:lnRef>
+          <a:fillRef idx="1">
+            <a:schemeClr val="dk1"/>
+          </a:fillRef>
+          <a:effectRef idx="0">
+            <a:schemeClr val="dk1"/>
+          </a:effectRef>
+          <a:fontRef idx="minor">
+            <a:schemeClr val="lt1"/>
+          </a:fontRef>
+        </p:style>
+        <p:txBody>
+          <a:bodyPr rtlCol="0" anchor="ctr"/>
+          <a:lstStyle/>
+          <a:p>
+            <a:pPr algn="ctr"/>
+            <a:r>
+              <a:rPr lang="en-GB" dirty="0"/>
+              <a:t>f() </a:t>
+            </a:r>
+            <a:r>
+              <a:rPr lang="en-GB" dirty="0" err="1"/>
+              <a:t>func</a:t>
+            </a:r>
+            <a:r>
+              <a:rPr lang="en-GB" dirty="0"/>
+              <a:t>. scope</a:t>
+            </a:r>
+            <a:endParaRPr lang="en-SG" dirty="0"/>
+          </a:p>
+        </p:txBody>
+      </p:sp>
+      <p:sp>
+        <p:nvSpPr>
+          <p:cNvPr id="13" name="Rectangle 12">
+            <a:extLst>
+              <a:ext uri="{FF2B5EF4-FFF2-40B4-BE49-F238E27FC236}">
+                <a16:creationId xmlns:a16="http://schemas.microsoft.com/office/drawing/2014/main" id="{5A924156-83EC-1A40-37A7-62137060A4F0}"/>
+              </a:ext>
+            </a:extLst>
+          </p:cNvPr>
+          <p:cNvSpPr/>
+          <p:nvPr/>
+        </p:nvSpPr>
+        <p:spPr>
+          <a:xfrm>
+            <a:off x="6998677" y="6517971"/>
+            <a:ext cx="4495800" cy="235636"/>
+          </a:xfrm>
+          <a:prstGeom prst="rect">
+            <a:avLst/>
+          </a:prstGeom>
+        </p:spPr>
+        <p:style>
+          <a:lnRef idx="2">
+            <a:schemeClr val="accent1">
+              <a:shade val="50000"/>
+            </a:schemeClr>
+          </a:lnRef>
+          <a:fillRef idx="1">
+            <a:schemeClr val="accent1"/>
+          </a:fillRef>
+          <a:effectRef idx="0">
+            <a:schemeClr val="accent1"/>
+          </a:effectRef>
+          <a:fontRef idx="minor">
+            <a:schemeClr val="lt1"/>
+          </a:fontRef>
+        </p:style>
+        <p:txBody>
+          <a:bodyPr rtlCol="0" anchor="ctr"/>
+          <a:lstStyle/>
+          <a:p>
+            <a:pPr algn="ctr"/>
+            <a:r>
+              <a:rPr lang="en-GB" dirty="0"/>
+              <a:t>Integer id x</a:t>
+            </a:r>
+            <a:endParaRPr lang="en-SG" dirty="0"/>
+          </a:p>
+        </p:txBody>
+      </p:sp>
+      <p:sp>
+        <p:nvSpPr>
+          <p:cNvPr id="17" name="Freeform: Shape 16">
+            <a:extLst>
+              <a:ext uri="{FF2B5EF4-FFF2-40B4-BE49-F238E27FC236}">
+                <a16:creationId xmlns:a16="http://schemas.microsoft.com/office/drawing/2014/main" id="{46C19333-DB51-EFBF-9C04-DA9B1E03A1D7}"/>
+              </a:ext>
+            </a:extLst>
+          </p:cNvPr>
+          <p:cNvSpPr/>
+          <p:nvPr/>
+        </p:nvSpPr>
+        <p:spPr>
+          <a:xfrm>
+            <a:off x="6361723" y="4282832"/>
+            <a:ext cx="613656" cy="2117322"/>
+          </a:xfrm>
+          <a:custGeom>
+            <a:avLst/>
+            <a:gdLst>
+              <a:gd name="connsiteX0" fmla="*/ 468970 w 492416"/>
+              <a:gd name="connsiteY0" fmla="*/ 1422400 h 1422400"/>
+              <a:gd name="connsiteX1" fmla="*/ 47 w 492416"/>
+              <a:gd name="connsiteY1" fmla="*/ 930031 h 1422400"/>
+              <a:gd name="connsiteX2" fmla="*/ 492416 w 492416"/>
+              <a:gd name="connsiteY2" fmla="*/ 0 h 1422400"/>
+            </a:gdLst>
+            <a:ahLst/>
+            <a:cxnLst>
+              <a:cxn ang="0">
+                <a:pos x="connsiteX0" y="connsiteY0"/>
+              </a:cxn>
+              <a:cxn ang="0">
+                <a:pos x="connsiteX1" y="connsiteY1"/>
+              </a:cxn>
+              <a:cxn ang="0">
+                <a:pos x="connsiteX2" y="connsiteY2"/>
+              </a:cxn>
+            </a:cxnLst>
+            <a:rect l="l" t="t" r="r" b="b"/>
+            <a:pathLst>
+              <a:path w="492416" h="1422400">
+                <a:moveTo>
+                  <a:pt x="468970" y="1422400"/>
+                </a:moveTo>
+                <a:cubicBezTo>
+                  <a:pt x="232554" y="1294749"/>
+                  <a:pt x="-3861" y="1167098"/>
+                  <a:pt x="47" y="930031"/>
+                </a:cubicBezTo>
+                <a:cubicBezTo>
+                  <a:pt x="3955" y="692964"/>
+                  <a:pt x="248185" y="346482"/>
+                  <a:pt x="492416" y="0"/>
+                </a:cubicBezTo>
+              </a:path>
+            </a:pathLst>
+          </a:custGeom>
+          <a:noFill/>
+          <a:ln w="38100">
+            <a:solidFill>
+              <a:schemeClr val="tx1"/>
+            </a:solidFill>
+            <a:headEnd type="none" w="med" len="med"/>
+            <a:tailEnd type="arrow" w="med" len="med"/>
+          </a:ln>
+        </p:spPr>
+        <p:style>
+          <a:lnRef idx="2">
+            <a:schemeClr val="accent1">
+              <a:shade val="50000"/>
+            </a:schemeClr>
+          </a:lnRef>
+          <a:fillRef idx="1">
+            <a:schemeClr val="accent1"/>
+          </a:fillRef>
+          <a:effectRef idx="0">
+            <a:schemeClr val="accent1"/>
+          </a:effectRef>
+          <a:fontRef idx="minor">
+            <a:schemeClr val="lt1"/>
+          </a:fontRef>
+        </p:style>
+        <p:txBody>
+          <a:bodyPr rtlCol="0" anchor="ctr"/>
+          <a:lstStyle/>
+          <a:p>
+            <a:pPr algn="ctr"/>
+            <a:endParaRPr lang="en-SG"/>
           </a:p>
         </p:txBody>
       </p:sp>
     </p:spTree>
     <p:extLst>
       <p:ext uri="{BB962C8B-B14F-4D97-AF65-F5344CB8AC3E}">
-        <p14:creationId xmlns:p14="http://schemas.microsoft.com/office/powerpoint/2010/main" val="2751649362"/>
+        <p14:creationId xmlns:p14="http://schemas.microsoft.com/office/powerpoint/2010/main" val="619811228"/>
       </p:ext>
     </p:extLst>
   </p:cSld>
@@ -34661,10 +35387,10 @@
       </p:grpSpPr>
       <p:sp>
         <p:nvSpPr>
-          <p:cNvPr id="5" name="Title 4">
-            <a:extLst>
-              <a:ext uri="{FF2B5EF4-FFF2-40B4-BE49-F238E27FC236}">
-                <a16:creationId xmlns:a16="http://schemas.microsoft.com/office/drawing/2014/main" id="{CEEEF092-6ADD-497D-2284-EBD44F4D744C}"/>
+          <p:cNvPr id="2" name="Title 1">
+            <a:extLst>
+              <a:ext uri="{FF2B5EF4-FFF2-40B4-BE49-F238E27FC236}">
+                <a16:creationId xmlns:a16="http://schemas.microsoft.com/office/drawing/2014/main" id="{44E97B2F-0F07-95BA-9335-392F498C5E9E}"/>
               </a:ext>
             </a:extLst>
           </p:cNvPr>
@@ -34682,7 +35408,7 @@
           <a:p>
             <a:r>
               <a:rPr lang="en-GB" dirty="0"/>
-              <a:t>Single-pass vs. multi-pass compilers</a:t>
+              <a:t>The LEGB rule</a:t>
             </a:r>
             <a:endParaRPr lang="en-SG" dirty="0"/>
           </a:p>
@@ -34690,10 +35416,10 @@
       </p:sp>
       <p:sp>
         <p:nvSpPr>
-          <p:cNvPr id="6" name="Content Placeholder 5">
-            <a:extLst>
-              <a:ext uri="{FF2B5EF4-FFF2-40B4-BE49-F238E27FC236}">
-                <a16:creationId xmlns:a16="http://schemas.microsoft.com/office/drawing/2014/main" id="{8A9EE95E-6560-0DAE-B0B3-E18113ABD7ED}"/>
+          <p:cNvPr id="3" name="Content Placeholder 2">
+            <a:extLst>
+              <a:ext uri="{FF2B5EF4-FFF2-40B4-BE49-F238E27FC236}">
+                <a16:creationId xmlns:a16="http://schemas.microsoft.com/office/drawing/2014/main" id="{15854D76-270A-F140-7AC1-971B10AEA5FF}"/>
               </a:ext>
             </a:extLst>
           </p:cNvPr>
@@ -34701,13 +35427,13 @@
             <a:spLocks noGrp="1"/>
           </p:cNvSpPr>
           <p:nvPr>
-            <p:ph sz="half" idx="1"/>
+            <p:ph idx="1"/>
           </p:nvPr>
         </p:nvSpPr>
         <p:spPr>
           <a:xfrm>
             <a:off x="838200" y="1825624"/>
-            <a:ext cx="5181600" cy="5032375"/>
+            <a:ext cx="10515600" cy="5032375"/>
           </a:xfrm>
         </p:spPr>
         <p:txBody>
@@ -34720,117 +35446,84 @@
               <a:buNone/>
             </a:pPr>
             <a:r>
+              <a:rPr lang="en-GB" sz="2800" b="1" dirty="0"/>
+              <a:t>In fact: The scoping rule used in Python is called the </a:t>
+            </a:r>
+            <a:r>
               <a:rPr lang="en-GB" b="1" dirty="0"/>
-              <a:t>Which is better: single-pass or multi-pass compilers? </a:t>
+              <a:t>“</a:t>
+            </a:r>
+            <a:r>
+              <a:rPr lang="en-GB" sz="2800" b="1" dirty="0"/>
+              <a:t>LEGB” rule, which stands for Local, Enclosing, Global, and Built-in.</a:t>
             </a:r>
           </a:p>
           <a:p>
             <a:pPr marL="0" indent="0">
               <a:buNone/>
             </a:pPr>
-            <a:endParaRPr lang="en-GB" dirty="0"/>
+            <a:r>
+              <a:rPr lang="en-GB" sz="2800" b="1" dirty="0"/>
+              <a:t>It is a spaghetti stack with different levels of scope.</a:t>
+            </a:r>
           </a:p>
           <a:p>
             <a:pPr marL="0" indent="0">
               <a:buNone/>
             </a:pPr>
             <a:r>
-              <a:rPr lang="en-GB" dirty="0"/>
-              <a:t>In general, </a:t>
-            </a:r>
-            <a:r>
-              <a:rPr lang="en-GB" b="1" dirty="0"/>
-              <a:t>single-pass compilers </a:t>
-            </a:r>
-            <a:r>
-              <a:rPr lang="en-GB" dirty="0"/>
-              <a:t>are usually faster than </a:t>
-            </a:r>
-            <a:r>
-              <a:rPr lang="en-GB" b="1" dirty="0"/>
-              <a:t>multi-pass compilers</a:t>
-            </a:r>
-            <a:r>
-              <a:rPr lang="en-GB" dirty="0"/>
-              <a:t>, but the logic complexity they can check is reduced.</a:t>
-            </a:r>
-          </a:p>
-          <a:p>
-            <a:pPr marL="0" indent="0">
-              <a:buNone/>
-            </a:pPr>
-            <a:r>
-              <a:rPr lang="en-GB" b="1" dirty="0"/>
-              <a:t>Another debate I do not want to be part of!</a:t>
-            </a:r>
-            <a:endParaRPr lang="en-SG" b="1" dirty="0"/>
+              <a:rPr lang="en-GB" sz="2800" dirty="0"/>
+              <a:t>When a variable is referenced, Python searches in the following order.</a:t>
+            </a:r>
+            <a:endParaRPr lang="en-GB" sz="2800" b="1" dirty="0"/>
+          </a:p>
+          <a:p>
+            <a:r>
+              <a:rPr lang="en-GB" sz="2800" b="1" dirty="0"/>
+              <a:t>Local scope: </a:t>
+            </a:r>
+            <a:r>
+              <a:rPr lang="en-GB" sz="2800" dirty="0"/>
+              <a:t>variables defined within the function.</a:t>
+            </a:r>
+          </a:p>
+          <a:p>
+            <a:r>
+              <a:rPr lang="en-GB" sz="2800" b="1" dirty="0"/>
+              <a:t>Enclosing scope: </a:t>
+            </a:r>
+            <a:r>
+              <a:rPr lang="en-GB" sz="2800" dirty="0"/>
+              <a:t>variables defined in any enclosing functions, from innermost to outermost.</a:t>
+            </a:r>
+          </a:p>
+          <a:p>
+            <a:r>
+              <a:rPr lang="en-GB" sz="2800" b="1" dirty="0"/>
+              <a:t>Global scope: </a:t>
+            </a:r>
+            <a:r>
+              <a:rPr lang="en-GB" sz="2800" dirty="0"/>
+              <a:t>variables defined at the top level.</a:t>
+            </a:r>
+          </a:p>
+          <a:p>
+            <a:r>
+              <a:rPr lang="en-GB" sz="2800" b="1" dirty="0"/>
+              <a:t>Built-in scope: </a:t>
+            </a:r>
+            <a:r>
+              <a:rPr lang="en-GB" sz="2800" dirty="0"/>
+              <a:t>predefined built-in names in Python, like print(), sum(), etc.</a:t>
+            </a:r>
+            <a:endParaRPr lang="en-SG" sz="2800" dirty="0"/>
           </a:p>
         </p:txBody>
       </p:sp>
-      <p:pic>
-        <p:nvPicPr>
-          <p:cNvPr id="4" name="Picture 3">
-            <a:extLst>
-              <a:ext uri="{FF2B5EF4-FFF2-40B4-BE49-F238E27FC236}">
-                <a16:creationId xmlns:a16="http://schemas.microsoft.com/office/drawing/2014/main" id="{06614A7F-073B-0A20-3618-704A66E2F4B9}"/>
-              </a:ext>
-            </a:extLst>
-          </p:cNvPr>
-          <p:cNvPicPr>
-            <a:picLocks noChangeAspect="1"/>
-          </p:cNvPicPr>
-          <p:nvPr/>
-        </p:nvPicPr>
-        <p:blipFill>
-          <a:blip r:embed="rId2"/>
-          <a:stretch>
-            <a:fillRect/>
-          </a:stretch>
-        </p:blipFill>
-        <p:spPr>
-          <a:xfrm>
-            <a:off x="7492482" y="4035375"/>
-            <a:ext cx="3554964" cy="2662596"/>
-          </a:xfrm>
-          <a:prstGeom prst="rect">
-            <a:avLst/>
-          </a:prstGeom>
-        </p:spPr>
-      </p:pic>
-      <p:pic>
-        <p:nvPicPr>
-          <p:cNvPr id="8" name="Picture 7">
-            <a:extLst>
-              <a:ext uri="{FF2B5EF4-FFF2-40B4-BE49-F238E27FC236}">
-                <a16:creationId xmlns:a16="http://schemas.microsoft.com/office/drawing/2014/main" id="{A1E00EB0-6321-74E8-17FF-66AECC457C8F}"/>
-              </a:ext>
-            </a:extLst>
-          </p:cNvPr>
-          <p:cNvPicPr>
-            <a:picLocks noChangeAspect="1"/>
-          </p:cNvPicPr>
-          <p:nvPr/>
-        </p:nvPicPr>
-        <p:blipFill>
-          <a:blip r:embed="rId3"/>
-          <a:stretch>
-            <a:fillRect/>
-          </a:stretch>
-        </p:blipFill>
-        <p:spPr>
-          <a:xfrm>
-            <a:off x="7492482" y="1383964"/>
-            <a:ext cx="3554964" cy="2651411"/>
-          </a:xfrm>
-          <a:prstGeom prst="rect">
-            <a:avLst/>
-          </a:prstGeom>
-        </p:spPr>
-      </p:pic>
     </p:spTree>
     <p:extLst>
       <p:ext uri="{BB962C8B-B14F-4D97-AF65-F5344CB8AC3E}">
-        <p14:creationId xmlns:p14="http://schemas.microsoft.com/office/powerpoint/2010/main" val="1421273023"/>
+        <p14:creationId xmlns:p14="http://schemas.microsoft.com/office/powerpoint/2010/main" val="58002670"/>
       </p:ext>
     </p:extLst>
   </p:cSld>
@@ -34862,7 +35555,7 @@
           <p:cNvPr id="2" name="Title 1">
             <a:extLst>
               <a:ext uri="{FF2B5EF4-FFF2-40B4-BE49-F238E27FC236}">
-                <a16:creationId xmlns:a16="http://schemas.microsoft.com/office/drawing/2014/main" id="{EF99FE66-C5A5-DEE3-A08F-ADDC01E9443F}"/>
+                <a16:creationId xmlns:a16="http://schemas.microsoft.com/office/drawing/2014/main" id="{44E97B2F-0F07-95BA-9335-392F498C5E9E}"/>
               </a:ext>
             </a:extLst>
           </p:cNvPr>
@@ -34880,7 +35573,7 @@
           <a:p>
             <a:r>
               <a:rPr lang="en-GB" dirty="0"/>
-              <a:t>Quiz time!</a:t>
+              <a:t>How about C then?</a:t>
             </a:r>
             <a:endParaRPr lang="en-SG" dirty="0"/>
           </a:p>
@@ -34888,10 +35581,10 @@
       </p:sp>
       <p:sp>
         <p:nvSpPr>
-          <p:cNvPr id="5" name="Content Placeholder 4">
-            <a:extLst>
-              <a:ext uri="{FF2B5EF4-FFF2-40B4-BE49-F238E27FC236}">
-                <a16:creationId xmlns:a16="http://schemas.microsoft.com/office/drawing/2014/main" id="{E67CE1F9-7F50-BC69-47F7-8C24288ADA54}"/>
+          <p:cNvPr id="3" name="Content Placeholder 2">
+            <a:extLst>
+              <a:ext uri="{FF2B5EF4-FFF2-40B4-BE49-F238E27FC236}">
+                <a16:creationId xmlns:a16="http://schemas.microsoft.com/office/drawing/2014/main" id="{15854D76-270A-F140-7AC1-971B10AEA5FF}"/>
               </a:ext>
             </a:extLst>
           </p:cNvPr>
@@ -34899,69 +35592,88 @@
             <a:spLocks noGrp="1"/>
           </p:cNvSpPr>
           <p:nvPr>
-            <p:ph idx="1"/>
+            <p:ph sz="half" idx="1"/>
           </p:nvPr>
         </p:nvSpPr>
-        <p:spPr/>
+        <p:spPr>
+          <a:xfrm>
+            <a:off x="838200" y="1825624"/>
+            <a:ext cx="5257800" cy="5032375"/>
+          </a:xfrm>
+        </p:spPr>
         <p:txBody>
-          <a:bodyPr/>
+          <a:bodyPr>
+            <a:normAutofit/>
+          </a:bodyPr>
           <a:lstStyle/>
           <a:p>
             <a:pPr marL="0" indent="0">
               <a:buNone/>
             </a:pPr>
             <a:r>
+              <a:rPr lang="en-GB" dirty="0"/>
+              <a:t>Consider the example on the right.</a:t>
+            </a:r>
+          </a:p>
+          <a:p>
+            <a:r>
+              <a:rPr lang="en-GB" dirty="0"/>
+              <a:t>Function f() requires two parameters x and t to compute the returned value.</a:t>
+            </a:r>
+          </a:p>
+          <a:p>
+            <a:r>
+              <a:rPr lang="en-GB" dirty="0"/>
+              <a:t>But t is not in the scope of the function, it is in the global scope instead.</a:t>
+            </a:r>
+          </a:p>
+          <a:p>
+            <a:r>
               <a:rPr lang="en-GB" b="1" dirty="0"/>
-              <a:t>What is the primary purpose of semantic analysis in a compiler?</a:t>
-            </a:r>
-          </a:p>
-          <a:p>
-            <a:pPr marL="514350" indent="-514350">
-              <a:buFont typeface="+mj-lt"/>
-              <a:buAutoNum type="alphaUcPeriod"/>
-            </a:pPr>
-            <a:r>
-              <a:rPr lang="en-GB" dirty="0"/>
-              <a:t>To generate intermediate code</a:t>
-            </a:r>
-          </a:p>
-          <a:p>
-            <a:pPr marL="514350" indent="-514350">
-              <a:buFont typeface="+mj-lt"/>
-              <a:buAutoNum type="alphaUcPeriod"/>
-            </a:pPr>
-            <a:r>
-              <a:rPr lang="en-GB" dirty="0"/>
-              <a:t>To check the syntax of the input code</a:t>
-            </a:r>
-          </a:p>
-          <a:p>
-            <a:pPr marL="514350" indent="-514350">
-              <a:buFont typeface="+mj-lt"/>
-              <a:buAutoNum type="alphaUcPeriod"/>
-            </a:pPr>
-            <a:r>
-              <a:rPr lang="en-GB" dirty="0"/>
-              <a:t>To optimize the generated code</a:t>
-            </a:r>
-          </a:p>
-          <a:p>
-            <a:pPr marL="514350" indent="-514350">
-              <a:buFont typeface="+mj-lt"/>
-              <a:buAutoNum type="alphaUcPeriod"/>
-            </a:pPr>
-            <a:r>
-              <a:rPr lang="en-GB" dirty="0"/>
-              <a:t>To ensure the input code is semantically correct and meaningful</a:t>
+              <a:t>Question #2: </a:t>
+            </a:r>
+            <a:r>
+              <a:rPr lang="en-GB" dirty="0"/>
+              <a:t>Also works in the equivalent implementation in C?</a:t>
             </a:r>
             <a:endParaRPr lang="en-SG" dirty="0"/>
           </a:p>
         </p:txBody>
       </p:sp>
+      <p:pic>
+        <p:nvPicPr>
+          <p:cNvPr id="5" name="Picture 4">
+            <a:extLst>
+              <a:ext uri="{FF2B5EF4-FFF2-40B4-BE49-F238E27FC236}">
+                <a16:creationId xmlns:a16="http://schemas.microsoft.com/office/drawing/2014/main" id="{47F508AD-692F-63C1-D4B9-24C6558962BF}"/>
+              </a:ext>
+            </a:extLst>
+          </p:cNvPr>
+          <p:cNvPicPr>
+            <a:picLocks noChangeAspect="1"/>
+          </p:cNvPicPr>
+          <p:nvPr/>
+        </p:nvPicPr>
+        <p:blipFill>
+          <a:blip r:embed="rId2"/>
+          <a:stretch>
+            <a:fillRect/>
+          </a:stretch>
+        </p:blipFill>
+        <p:spPr>
+          <a:xfrm>
+            <a:off x="7181638" y="631770"/>
+            <a:ext cx="4434974" cy="5738234"/>
+          </a:xfrm>
+          <a:prstGeom prst="rect">
+            <a:avLst/>
+          </a:prstGeom>
+        </p:spPr>
+      </p:pic>
     </p:spTree>
     <p:extLst>
       <p:ext uri="{BB962C8B-B14F-4D97-AF65-F5344CB8AC3E}">
-        <p14:creationId xmlns:p14="http://schemas.microsoft.com/office/powerpoint/2010/main" val="2210550505"/>
+        <p14:creationId xmlns:p14="http://schemas.microsoft.com/office/powerpoint/2010/main" val="3041416929"/>
       </p:ext>
     </p:extLst>
   </p:cSld>
@@ -34993,7 +35705,7 @@
           <p:cNvPr id="2" name="Title 1">
             <a:extLst>
               <a:ext uri="{FF2B5EF4-FFF2-40B4-BE49-F238E27FC236}">
-                <a16:creationId xmlns:a16="http://schemas.microsoft.com/office/drawing/2014/main" id="{EF99FE66-C5A5-DEE3-A08F-ADDC01E9443F}"/>
+                <a16:creationId xmlns:a16="http://schemas.microsoft.com/office/drawing/2014/main" id="{44E97B2F-0F07-95BA-9335-392F498C5E9E}"/>
               </a:ext>
             </a:extLst>
           </p:cNvPr>
@@ -35011,7 +35723,7 @@
           <a:p>
             <a:r>
               <a:rPr lang="en-GB" dirty="0"/>
-              <a:t>Quiz time!</a:t>
+              <a:t>How about C then?</a:t>
             </a:r>
             <a:endParaRPr lang="en-SG" dirty="0"/>
           </a:p>
@@ -35019,10 +35731,10 @@
       </p:sp>
       <p:sp>
         <p:nvSpPr>
-          <p:cNvPr id="5" name="Content Placeholder 4">
-            <a:extLst>
-              <a:ext uri="{FF2B5EF4-FFF2-40B4-BE49-F238E27FC236}">
-                <a16:creationId xmlns:a16="http://schemas.microsoft.com/office/drawing/2014/main" id="{E67CE1F9-7F50-BC69-47F7-8C24288ADA54}"/>
+          <p:cNvPr id="3" name="Content Placeholder 2">
+            <a:extLst>
+              <a:ext uri="{FF2B5EF4-FFF2-40B4-BE49-F238E27FC236}">
+                <a16:creationId xmlns:a16="http://schemas.microsoft.com/office/drawing/2014/main" id="{15854D76-270A-F140-7AC1-971B10AEA5FF}"/>
               </a:ext>
             </a:extLst>
           </p:cNvPr>
@@ -35030,12 +35742,19 @@
             <a:spLocks noGrp="1"/>
           </p:cNvSpPr>
           <p:nvPr>
-            <p:ph idx="1"/>
+            <p:ph sz="half" idx="1"/>
           </p:nvPr>
         </p:nvSpPr>
-        <p:spPr/>
+        <p:spPr>
+          <a:xfrm>
+            <a:off x="838200" y="1825624"/>
+            <a:ext cx="5257800" cy="5032375"/>
+          </a:xfrm>
+        </p:spPr>
         <p:txBody>
-          <a:bodyPr/>
+          <a:bodyPr>
+            <a:normAutofit/>
+          </a:bodyPr>
           <a:lstStyle/>
           <a:p>
             <a:pPr marL="0" indent="0">
@@ -35043,64 +35762,99 @@
             </a:pPr>
             <a:r>
               <a:rPr lang="en-GB" b="1" dirty="0"/>
-              <a:t>What is the primary purpose of semantic analysis in a compiler?</a:t>
-            </a:r>
-          </a:p>
-          <a:p>
-            <a:pPr marL="514350" indent="-514350">
-              <a:buFont typeface="+mj-lt"/>
-              <a:buAutoNum type="alphaUcPeriod"/>
+              <a:t>Answer: </a:t>
+            </a:r>
+            <a:r>
+              <a:rPr lang="en-GB" dirty="0"/>
+              <a:t>In C, variables have a </a:t>
+            </a:r>
+            <a:r>
+              <a:rPr lang="en-GB" b="1" dirty="0"/>
+              <a:t>block scope</a:t>
+            </a:r>
+            <a:r>
+              <a:rPr lang="en-GB" dirty="0"/>
+              <a:t>, which means that a variable is only accessible within the block of code it is defined in.</a:t>
+            </a:r>
+          </a:p>
+          <a:p>
+            <a:pPr marL="0" indent="0">
+              <a:buNone/>
             </a:pPr>
-            <a:r>
-              <a:rPr lang="en-GB" dirty="0"/>
-              <a:t>To generate intermediate code</a:t>
-            </a:r>
-          </a:p>
-          <a:p>
-            <a:pPr marL="514350" indent="-514350">
-              <a:buFont typeface="+mj-lt"/>
-              <a:buAutoNum type="alphaUcPeriod"/>
+            <a:endParaRPr lang="en-GB" dirty="0"/>
+          </a:p>
+          <a:p>
+            <a:pPr marL="0" indent="0">
+              <a:buNone/>
             </a:pPr>
             <a:r>
-              <a:rPr lang="en-GB" dirty="0"/>
-              <a:t>To check the syntax of the input code</a:t>
-            </a:r>
-          </a:p>
-          <a:p>
-            <a:pPr marL="514350" indent="-514350">
-              <a:buFont typeface="+mj-lt"/>
-              <a:buAutoNum type="alphaUcPeriod"/>
+              <a:rPr lang="en-GB" b="1" dirty="0"/>
+              <a:t>Better or worse than LEGB? </a:t>
+            </a:r>
+          </a:p>
+          <a:p>
+            <a:pPr marL="0" indent="0">
+              <a:buNone/>
             </a:pPr>
             <a:r>
               <a:rPr lang="en-GB" dirty="0"/>
-              <a:t>To optimize the generated code</a:t>
-            </a:r>
-          </a:p>
-          <a:p>
-            <a:pPr marL="514350" indent="-514350">
-              <a:buFont typeface="+mj-lt"/>
-              <a:buAutoNum type="alphaUcPeriod"/>
+              <a:t>Usually more stable and simpler to encoder in a compiler than “LEGB”, very stable/</a:t>
+            </a:r>
+            <a:r>
+              <a:rPr lang="en-GB"/>
+              <a:t>strict and </a:t>
+            </a:r>
+            <a:r>
+              <a:rPr lang="en-GB" dirty="0"/>
+              <a:t>less friendly on “mistakes”.</a:t>
+            </a:r>
+          </a:p>
+          <a:p>
+            <a:pPr marL="0" indent="0">
+              <a:buNone/>
             </a:pPr>
             <a:r>
-              <a:rPr lang="en-GB" b="1" dirty="0">
-                <a:solidFill>
-                  <a:srgbClr val="00B050"/>
-                </a:solidFill>
-              </a:rPr>
-              <a:t>To ensure the input code is semantically correct and meaningful</a:t>
-            </a:r>
-            <a:endParaRPr lang="en-SG" b="1" dirty="0">
-              <a:solidFill>
-                <a:srgbClr val="00B050"/>
-              </a:solidFill>
-            </a:endParaRPr>
+              <a:rPr lang="en-GB" dirty="0"/>
+              <a:t>Not an easy question…</a:t>
+            </a:r>
+            <a:endParaRPr lang="en-SG" dirty="0"/>
           </a:p>
         </p:txBody>
       </p:sp>
+      <p:pic>
+        <p:nvPicPr>
+          <p:cNvPr id="5" name="Picture 4">
+            <a:extLst>
+              <a:ext uri="{FF2B5EF4-FFF2-40B4-BE49-F238E27FC236}">
+                <a16:creationId xmlns:a16="http://schemas.microsoft.com/office/drawing/2014/main" id="{47F508AD-692F-63C1-D4B9-24C6558962BF}"/>
+              </a:ext>
+            </a:extLst>
+          </p:cNvPr>
+          <p:cNvPicPr>
+            <a:picLocks noChangeAspect="1"/>
+          </p:cNvPicPr>
+          <p:nvPr/>
+        </p:nvPicPr>
+        <p:blipFill>
+          <a:blip r:embed="rId2"/>
+          <a:stretch>
+            <a:fillRect/>
+          </a:stretch>
+        </p:blipFill>
+        <p:spPr>
+          <a:xfrm>
+            <a:off x="7181638" y="631770"/>
+            <a:ext cx="4434974" cy="5738234"/>
+          </a:xfrm>
+          <a:prstGeom prst="rect">
+            <a:avLst/>
+          </a:prstGeom>
+        </p:spPr>
+      </p:pic>
     </p:spTree>
     <p:extLst>
       <p:ext uri="{BB962C8B-B14F-4D97-AF65-F5344CB8AC3E}">
-        <p14:creationId xmlns:p14="http://schemas.microsoft.com/office/powerpoint/2010/main" val="1192977454"/>
+        <p14:creationId xmlns:p14="http://schemas.microsoft.com/office/powerpoint/2010/main" val="2713274906"/>
       </p:ext>
     </p:extLst>
   </p:cSld>
@@ -35132,7 +35886,7 @@
           <p:cNvPr id="2" name="Title 1">
             <a:extLst>
               <a:ext uri="{FF2B5EF4-FFF2-40B4-BE49-F238E27FC236}">
-                <a16:creationId xmlns:a16="http://schemas.microsoft.com/office/drawing/2014/main" id="{EF99FE66-C5A5-DEE3-A08F-ADDC01E9443F}"/>
+                <a16:creationId xmlns:a16="http://schemas.microsoft.com/office/drawing/2014/main" id="{4DEEBC94-412A-6929-7A62-5DF736D8A244}"/>
               </a:ext>
             </a:extLst>
           </p:cNvPr>
@@ -35150,7 +35904,7 @@
           <a:p>
             <a:r>
               <a:rPr lang="en-GB" dirty="0"/>
-              <a:t>Quiz time!</a:t>
+              <a:t>In short, the block scope (C) </a:t>
             </a:r>
             <a:endParaRPr lang="en-SG" dirty="0"/>
           </a:p>
@@ -35161,7 +35915,7 @@
           <p:cNvPr id="5" name="Content Placeholder 4">
             <a:extLst>
               <a:ext uri="{FF2B5EF4-FFF2-40B4-BE49-F238E27FC236}">
-                <a16:creationId xmlns:a16="http://schemas.microsoft.com/office/drawing/2014/main" id="{E67CE1F9-7F50-BC69-47F7-8C24288ADA54}"/>
+                <a16:creationId xmlns:a16="http://schemas.microsoft.com/office/drawing/2014/main" id="{ABC2412B-9BD4-1314-5079-1CD98CB2F082}"/>
               </a:ext>
             </a:extLst>
           </p:cNvPr>
@@ -35172,7 +35926,12 @@
             <p:ph idx="1"/>
           </p:nvPr>
         </p:nvSpPr>
-        <p:spPr/>
+        <p:spPr>
+          <a:xfrm>
+            <a:off x="838200" y="1825624"/>
+            <a:ext cx="10515600" cy="5032375"/>
+          </a:xfrm>
+        </p:spPr>
         <p:txBody>
           <a:bodyPr/>
           <a:lstStyle/>
@@ -35181,56 +35940,62 @@
               <a:buNone/>
             </a:pPr>
             <a:r>
-              <a:rPr lang="en-GB" b="1" dirty="0"/>
-              <a:t>What is a symbol table used for in a compiler?</a:t>
-            </a:r>
-          </a:p>
-          <a:p>
-            <a:pPr marL="514350" indent="-514350">
-              <a:buFont typeface="+mj-lt"/>
-              <a:buAutoNum type="alphaUcPeriod"/>
+              <a:rPr lang="en-GB" b="1" dirty="0">
+                <a:solidFill>
+                  <a:srgbClr val="00B050"/>
+                </a:solidFill>
+              </a:rPr>
+              <a:t>Advantages:</a:t>
+            </a:r>
+          </a:p>
+          <a:p>
+            <a:r>
+              <a:rPr lang="en-GB" dirty="0"/>
+              <a:t>Encourages local reasoning: You can understand the </a:t>
+            </a:r>
+            <a:r>
+              <a:rPr lang="en-GB" dirty="0" err="1"/>
+              <a:t>behavior</a:t>
+            </a:r>
+            <a:r>
+              <a:rPr lang="en-GB" dirty="0"/>
+              <a:t> of a variable just by looking at the block of code it is defined in.</a:t>
+            </a:r>
+          </a:p>
+          <a:p>
+            <a:r>
+              <a:rPr lang="en-GB" dirty="0"/>
+              <a:t>Reduces the chance of accidentally using the wrong variable, as variables with the same name in different scopes do not conflict.</a:t>
+            </a:r>
+          </a:p>
+          <a:p>
+            <a:pPr marL="0" indent="0">
+              <a:buNone/>
             </a:pPr>
             <a:r>
-              <a:rPr lang="en-GB" dirty="0"/>
-              <a:t>To store the intermediate code representation</a:t>
-            </a:r>
-          </a:p>
-          <a:p>
-            <a:pPr marL="514350" indent="-514350">
-              <a:buFont typeface="+mj-lt"/>
-              <a:buAutoNum type="alphaUcPeriod"/>
-            </a:pPr>
-            <a:r>
-              <a:rPr lang="en-GB" dirty="0"/>
-              <a:t>To store information about variables, functions, and other identifiers</a:t>
-            </a:r>
-          </a:p>
-          <a:p>
-            <a:pPr marL="514350" indent="-514350">
-              <a:buFont typeface="+mj-lt"/>
-              <a:buAutoNum type="alphaUcPeriod"/>
-            </a:pPr>
-            <a:r>
-              <a:rPr lang="en-GB" dirty="0"/>
-              <a:t>To store the parse tree of the input code</a:t>
-            </a:r>
-          </a:p>
-          <a:p>
-            <a:pPr marL="514350" indent="-514350">
-              <a:buFont typeface="+mj-lt"/>
-              <a:buAutoNum type="alphaUcPeriod"/>
-            </a:pPr>
-            <a:r>
-              <a:rPr lang="en-GB" dirty="0"/>
-              <a:t>To store the machine code generated by the compiler</a:t>
-            </a:r>
+              <a:rPr lang="en-GB" b="1" dirty="0">
+                <a:solidFill>
+                  <a:srgbClr val="C00000"/>
+                </a:solidFill>
+              </a:rPr>
+              <a:t>Disadvantages:</a:t>
+            </a:r>
+          </a:p>
+          <a:p>
+            <a:r>
+              <a:rPr lang="en-GB" dirty="0"/>
+              <a:t>Requires the use of global variables or explicit parameter passing to share data between functions, which can make the code more complex and error-prone.</a:t>
+            </a:r>
+          </a:p>
+          <a:p>
+            <a:endParaRPr lang="en-SG" dirty="0"/>
           </a:p>
         </p:txBody>
       </p:sp>
     </p:spTree>
     <p:extLst>
       <p:ext uri="{BB962C8B-B14F-4D97-AF65-F5344CB8AC3E}">
-        <p14:creationId xmlns:p14="http://schemas.microsoft.com/office/powerpoint/2010/main" val="3234401434"/>
+        <p14:creationId xmlns:p14="http://schemas.microsoft.com/office/powerpoint/2010/main" val="4014589629"/>
       </p:ext>
     </p:extLst>
   </p:cSld>
@@ -35325,7 +36090,7 @@
           <a:p>
             <a:r>
               <a:rPr lang="en-GB" dirty="0"/>
-              <a:t>Try writing a CFG that will be able to prevent duplicate variable definitions.</a:t>
+              <a:t>Try writing a CFG that will be able to prevent duplicate variable definitions?</a:t>
             </a:r>
           </a:p>
           <a:p>
@@ -35472,7 +36237,7 @@
           <p:cNvPr id="2" name="Title 1">
             <a:extLst>
               <a:ext uri="{FF2B5EF4-FFF2-40B4-BE49-F238E27FC236}">
-                <a16:creationId xmlns:a16="http://schemas.microsoft.com/office/drawing/2014/main" id="{EF99FE66-C5A5-DEE3-A08F-ADDC01E9443F}"/>
+                <a16:creationId xmlns:a16="http://schemas.microsoft.com/office/drawing/2014/main" id="{4DEEBC94-412A-6929-7A62-5DF736D8A244}"/>
               </a:ext>
             </a:extLst>
           </p:cNvPr>
@@ -35490,7 +36255,7 @@
           <a:p>
             <a:r>
               <a:rPr lang="en-GB" dirty="0"/>
-              <a:t>Quiz time!</a:t>
+              <a:t>In short, the LEGB scope (Python) </a:t>
             </a:r>
             <a:endParaRPr lang="en-SG" dirty="0"/>
           </a:p>
@@ -35501,7 +36266,7 @@
           <p:cNvPr id="5" name="Content Placeholder 4">
             <a:extLst>
               <a:ext uri="{FF2B5EF4-FFF2-40B4-BE49-F238E27FC236}">
-                <a16:creationId xmlns:a16="http://schemas.microsoft.com/office/drawing/2014/main" id="{E67CE1F9-7F50-BC69-47F7-8C24288ADA54}"/>
+                <a16:creationId xmlns:a16="http://schemas.microsoft.com/office/drawing/2014/main" id="{ABC2412B-9BD4-1314-5079-1CD98CB2F082}"/>
               </a:ext>
             </a:extLst>
           </p:cNvPr>
@@ -35512,33 +36277,20 @@
             <p:ph idx="1"/>
           </p:nvPr>
         </p:nvSpPr>
-        <p:spPr/>
+        <p:spPr>
+          <a:xfrm>
+            <a:off x="838200" y="1825624"/>
+            <a:ext cx="10515600" cy="5032375"/>
+          </a:xfrm>
+        </p:spPr>
         <p:txBody>
-          <a:bodyPr/>
+          <a:bodyPr>
+            <a:normAutofit/>
+          </a:bodyPr>
           <a:lstStyle/>
           <a:p>
             <a:pPr marL="0" indent="0">
               <a:buNone/>
-            </a:pPr>
-            <a:r>
-              <a:rPr lang="en-GB" b="1" dirty="0"/>
-              <a:t>What is a symbol table used for in a compiler?</a:t>
-            </a:r>
-          </a:p>
-          <a:p>
-            <a:pPr marL="514350" indent="-514350">
-              <a:buFont typeface="+mj-lt"/>
-              <a:buAutoNum type="alphaUcPeriod"/>
-            </a:pPr>
-            <a:r>
-              <a:rPr lang="en-GB" dirty="0"/>
-              <a:t>To store the intermediate code representation</a:t>
-            </a:r>
-          </a:p>
-          <a:p>
-            <a:pPr marL="514350" indent="-514350">
-              <a:buFont typeface="+mj-lt"/>
-              <a:buAutoNum type="alphaUcPeriod"/>
             </a:pPr>
             <a:r>
               <a:rPr lang="en-GB" b="1" dirty="0">
@@ -35546,35 +36298,55 @@
                   <a:srgbClr val="00B050"/>
                 </a:solidFill>
               </a:rPr>
-              <a:t>To store information about variables, functions, and other identifiers</a:t>
-            </a:r>
-          </a:p>
-          <a:p>
-            <a:pPr marL="514350" indent="-514350">
-              <a:buFont typeface="+mj-lt"/>
-              <a:buAutoNum type="alphaUcPeriod"/>
+              <a:t>Advantages:</a:t>
+            </a:r>
+          </a:p>
+          <a:p>
+            <a:r>
+              <a:rPr lang="en-GB" dirty="0"/>
+              <a:t>Provides more flexibility in accessing variables from different scopes, which can make code shorter and more convenient to write.</a:t>
+            </a:r>
+          </a:p>
+          <a:p>
+            <a:r>
+              <a:rPr lang="en-GB" dirty="0"/>
+              <a:t>Allows for closures, which are functions that remember the environment they were created in, enabling more functional programming techniques.</a:t>
+            </a:r>
+          </a:p>
+          <a:p>
+            <a:pPr marL="0" indent="0">
+              <a:buNone/>
             </a:pPr>
             <a:r>
-              <a:rPr lang="en-GB" dirty="0"/>
-              <a:t>To store the parse tree of the input code</a:t>
-            </a:r>
-          </a:p>
-          <a:p>
-            <a:pPr marL="514350" indent="-514350">
-              <a:buFont typeface="+mj-lt"/>
-              <a:buAutoNum type="alphaUcPeriod"/>
-            </a:pPr>
-            <a:r>
-              <a:rPr lang="en-GB" dirty="0"/>
-              <a:t>To store the machine code generated by the compiler</a:t>
-            </a:r>
+              <a:rPr lang="en-GB" b="1" dirty="0">
+                <a:solidFill>
+                  <a:srgbClr val="C00000"/>
+                </a:solidFill>
+              </a:rPr>
+              <a:t>Disadvantages:</a:t>
+            </a:r>
+          </a:p>
+          <a:p>
+            <a:r>
+              <a:rPr lang="en-GB" dirty="0"/>
+              <a:t>Can lead to unintended side effects if a variable from an outer scope is accidentally used or modified.</a:t>
+            </a:r>
+          </a:p>
+          <a:p>
+            <a:r>
+              <a:rPr lang="en-GB" dirty="0"/>
+              <a:t>Can make it harder to reason about the code since a variable might be accessed or modified in multiple scopes.</a:t>
+            </a:r>
+          </a:p>
+          <a:p>
+            <a:endParaRPr lang="en-SG" dirty="0"/>
           </a:p>
         </p:txBody>
       </p:sp>
     </p:spTree>
     <p:extLst>
       <p:ext uri="{BB962C8B-B14F-4D97-AF65-F5344CB8AC3E}">
-        <p14:creationId xmlns:p14="http://schemas.microsoft.com/office/powerpoint/2010/main" val="2258109495"/>
+        <p14:creationId xmlns:p14="http://schemas.microsoft.com/office/powerpoint/2010/main" val="367179033"/>
       </p:ext>
     </p:extLst>
   </p:cSld>
@@ -35606,7 +36378,7 @@
           <p:cNvPr id="2" name="Title 1">
             <a:extLst>
               <a:ext uri="{FF2B5EF4-FFF2-40B4-BE49-F238E27FC236}">
-                <a16:creationId xmlns:a16="http://schemas.microsoft.com/office/drawing/2014/main" id="{EF99FE66-C5A5-DEE3-A08F-ADDC01E9443F}"/>
+                <a16:creationId xmlns:a16="http://schemas.microsoft.com/office/drawing/2014/main" id="{4DEEBC94-412A-6929-7A62-5DF736D8A244}"/>
               </a:ext>
             </a:extLst>
           </p:cNvPr>
@@ -35624,7 +36396,7 @@
           <a:p>
             <a:r>
               <a:rPr lang="en-GB" dirty="0"/>
-              <a:t>Quiz time!</a:t>
+              <a:t>In short, the LEGB scope (Python) </a:t>
             </a:r>
             <a:endParaRPr lang="en-SG" dirty="0"/>
           </a:p>
@@ -35635,7 +36407,7 @@
           <p:cNvPr id="5" name="Content Placeholder 4">
             <a:extLst>
               <a:ext uri="{FF2B5EF4-FFF2-40B4-BE49-F238E27FC236}">
-                <a16:creationId xmlns:a16="http://schemas.microsoft.com/office/drawing/2014/main" id="{E67CE1F9-7F50-BC69-47F7-8C24288ADA54}"/>
+                <a16:creationId xmlns:a16="http://schemas.microsoft.com/office/drawing/2014/main" id="{ABC2412B-9BD4-1314-5079-1CD98CB2F082}"/>
               </a:ext>
             </a:extLst>
           </p:cNvPr>
@@ -35646,65 +36418,124 @@
             <p:ph idx="1"/>
           </p:nvPr>
         </p:nvSpPr>
-        <p:spPr/>
+        <p:spPr>
+          <a:xfrm>
+            <a:off x="838200" y="1825624"/>
+            <a:ext cx="10515600" cy="5032375"/>
+          </a:xfrm>
+        </p:spPr>
         <p:txBody>
-          <a:bodyPr/>
+          <a:bodyPr>
+            <a:normAutofit/>
+          </a:bodyPr>
           <a:lstStyle/>
           <a:p>
             <a:pPr marL="0" indent="0">
               <a:buNone/>
             </a:pPr>
             <a:r>
-              <a:rPr lang="en-GB" b="1" dirty="0"/>
-              <a:t>Which of the following best describes a static scoping rule?</a:t>
-            </a:r>
-          </a:p>
-          <a:p>
-            <a:pPr marL="514350" indent="-514350">
-              <a:buFont typeface="+mj-lt"/>
-              <a:buAutoNum type="alphaUcPeriod"/>
+              <a:rPr lang="en-GB" b="1" dirty="0">
+                <a:solidFill>
+                  <a:srgbClr val="00B050"/>
+                </a:solidFill>
+              </a:rPr>
+              <a:t>Advantages:</a:t>
+            </a:r>
+          </a:p>
+          <a:p>
+            <a:r>
+              <a:rPr lang="en-GB" dirty="0"/>
+              <a:t>Provides more flexibility in accessing variables from different scopes, which can make code shorter and more convenient to write.</a:t>
+            </a:r>
+          </a:p>
+          <a:p>
+            <a:r>
+              <a:rPr lang="en-GB" dirty="0"/>
+              <a:t>Allows for closures, which are functions that remember the environment they were created in, enabling more functional programming techniques.</a:t>
+            </a:r>
+          </a:p>
+          <a:p>
+            <a:pPr marL="0" indent="0">
+              <a:buNone/>
             </a:pPr>
             <a:r>
-              <a:rPr lang="en-GB" dirty="0"/>
-              <a:t>The visibility of a variable only depends on its position in the source code</a:t>
-            </a:r>
-          </a:p>
-          <a:p>
-            <a:pPr marL="514350" indent="-514350">
-              <a:buFont typeface="+mj-lt"/>
-              <a:buAutoNum type="alphaUcPeriod"/>
-            </a:pPr>
-            <a:r>
-              <a:rPr lang="en-GB" dirty="0"/>
-              <a:t>The visibility of a variable depends on the call history of functions</a:t>
-            </a:r>
-          </a:p>
-          <a:p>
-            <a:pPr marL="514350" indent="-514350">
-              <a:buFont typeface="+mj-lt"/>
-              <a:buAutoNum type="alphaUcPeriod"/>
-            </a:pPr>
-            <a:r>
-              <a:rPr lang="en-GB" dirty="0"/>
-              <a:t>The visibility of a variable depends on the order of function calls at runtime</a:t>
-            </a:r>
-          </a:p>
-          <a:p>
-            <a:pPr marL="514350" indent="-514350">
-              <a:buFont typeface="+mj-lt"/>
-              <a:buAutoNum type="alphaUcPeriod"/>
-            </a:pPr>
-            <a:r>
-              <a:rPr lang="en-GB" dirty="0"/>
-              <a:t>The visibility of a variable depends on the values assigned to it</a:t>
-            </a:r>
+              <a:rPr lang="en-GB" b="1" dirty="0">
+                <a:solidFill>
+                  <a:srgbClr val="C00000"/>
+                </a:solidFill>
+              </a:rPr>
+              <a:t>Disadvantages:</a:t>
+            </a:r>
+          </a:p>
+          <a:p>
+            <a:r>
+              <a:rPr lang="en-GB" dirty="0">
+                <a:solidFill>
+                  <a:srgbClr val="7030A0"/>
+                </a:solidFill>
+              </a:rPr>
+              <a:t>Can lead to unintended side effects if a variable from an outer scope is accidentally used or modified.</a:t>
+            </a:r>
+          </a:p>
+          <a:p>
+            <a:r>
+              <a:rPr lang="en-GB" dirty="0"/>
+              <a:t>Can make it harder to reason about the code since a variable might be accessed or modified in multiple scopes.</a:t>
+            </a:r>
+          </a:p>
+          <a:p>
+            <a:endParaRPr lang="en-SG" dirty="0"/>
           </a:p>
         </p:txBody>
       </p:sp>
+      <p:pic>
+        <p:nvPicPr>
+          <p:cNvPr id="4" name="Picture 3">
+            <a:extLst>
+              <a:ext uri="{FF2B5EF4-FFF2-40B4-BE49-F238E27FC236}">
+                <a16:creationId xmlns:a16="http://schemas.microsoft.com/office/drawing/2014/main" id="{080D20EA-08C5-0831-2D4A-09A5D35A72B5}"/>
+              </a:ext>
+            </a:extLst>
+          </p:cNvPr>
+          <p:cNvPicPr>
+            <a:picLocks noChangeAspect="1"/>
+          </p:cNvPicPr>
+          <p:nvPr/>
+        </p:nvPicPr>
+        <p:blipFill>
+          <a:blip r:embed="rId2"/>
+          <a:stretch>
+            <a:fillRect/>
+          </a:stretch>
+        </p:blipFill>
+        <p:spPr>
+          <a:xfrm rot="21309266">
+            <a:off x="6480865" y="299348"/>
+            <a:ext cx="3624428" cy="4381336"/>
+          </a:xfrm>
+          <a:prstGeom prst="rect">
+            <a:avLst/>
+          </a:prstGeom>
+          <a:ln w="38100" cap="sq">
+            <a:solidFill>
+              <a:srgbClr val="000000"/>
+            </a:solidFill>
+            <a:prstDash val="solid"/>
+            <a:miter lim="800000"/>
+          </a:ln>
+          <a:effectLst>
+            <a:outerShdw blurRad="50800" dist="38100" dir="2700000" algn="tl" rotWithShape="0">
+              <a:srgbClr val="000000">
+                <a:alpha val="43000"/>
+              </a:srgbClr>
+            </a:outerShdw>
+          </a:effectLst>
+        </p:spPr>
+      </p:pic>
     </p:spTree>
     <p:extLst>
       <p:ext uri="{BB962C8B-B14F-4D97-AF65-F5344CB8AC3E}">
-        <p14:creationId xmlns:p14="http://schemas.microsoft.com/office/powerpoint/2010/main" val="865163362"/>
+        <p14:creationId xmlns:p14="http://schemas.microsoft.com/office/powerpoint/2010/main" val="2679601625"/>
       </p:ext>
     </p:extLst>
   </p:cSld>
@@ -35733,10 +36564,10 @@
       </p:grpSpPr>
       <p:sp>
         <p:nvSpPr>
-          <p:cNvPr id="2" name="Title 1">
-            <a:extLst>
-              <a:ext uri="{FF2B5EF4-FFF2-40B4-BE49-F238E27FC236}">
-                <a16:creationId xmlns:a16="http://schemas.microsoft.com/office/drawing/2014/main" id="{EF99FE66-C5A5-DEE3-A08F-ADDC01E9443F}"/>
+          <p:cNvPr id="5" name="Title 4">
+            <a:extLst>
+              <a:ext uri="{FF2B5EF4-FFF2-40B4-BE49-F238E27FC236}">
+                <a16:creationId xmlns:a16="http://schemas.microsoft.com/office/drawing/2014/main" id="{CEEEF092-6ADD-497D-2284-EBD44F4D744C}"/>
               </a:ext>
             </a:extLst>
           </p:cNvPr>
@@ -35754,7 +36585,7 @@
           <a:p>
             <a:r>
               <a:rPr lang="en-GB" dirty="0"/>
-              <a:t>Quiz time!</a:t>
+              <a:t>Single-pass vs. multi-pass compilers</a:t>
             </a:r>
             <a:endParaRPr lang="en-SG" dirty="0"/>
           </a:p>
@@ -35762,10 +36593,10 @@
       </p:sp>
       <p:sp>
         <p:nvSpPr>
-          <p:cNvPr id="5" name="Content Placeholder 4">
-            <a:extLst>
-              <a:ext uri="{FF2B5EF4-FFF2-40B4-BE49-F238E27FC236}">
-                <a16:creationId xmlns:a16="http://schemas.microsoft.com/office/drawing/2014/main" id="{E67CE1F9-7F50-BC69-47F7-8C24288ADA54}"/>
+          <p:cNvPr id="6" name="Content Placeholder 5">
+            <a:extLst>
+              <a:ext uri="{FF2B5EF4-FFF2-40B4-BE49-F238E27FC236}">
+                <a16:creationId xmlns:a16="http://schemas.microsoft.com/office/drawing/2014/main" id="{8A9EE95E-6560-0DAE-B0B3-E18113ABD7ED}"/>
               </a:ext>
             </a:extLst>
           </p:cNvPr>
@@ -35786,59 +36617,82 @@
             </a:pPr>
             <a:r>
               <a:rPr lang="en-GB" b="1" dirty="0"/>
-              <a:t>Which of the following best describes a static scoping rule?</a:t>
-            </a:r>
-          </a:p>
-          <a:p>
-            <a:pPr marL="514350" indent="-514350">
-              <a:buFont typeface="+mj-lt"/>
-              <a:buAutoNum type="alphaUcPeriod"/>
-            </a:pPr>
+              <a:t>Definition (</a:t>
+            </a:r>
             <a:r>
               <a:rPr lang="en-GB" b="1" dirty="0">
                 <a:solidFill>
                   <a:srgbClr val="00B050"/>
                 </a:solidFill>
               </a:rPr>
-              <a:t>The visibility of a variable only depends on its position in the source code</a:t>
-            </a:r>
-          </a:p>
-          <a:p>
-            <a:pPr marL="514350" indent="-514350">
-              <a:buFont typeface="+mj-lt"/>
-              <a:buAutoNum type="alphaUcPeriod"/>
+              <a:t>single-pass</a:t>
+            </a:r>
+            <a:r>
+              <a:rPr lang="en-GB" b="1" dirty="0"/>
+              <a:t> vs. </a:t>
+            </a:r>
+            <a:r>
+              <a:rPr lang="en-GB" b="1" dirty="0">
+                <a:solidFill>
+                  <a:srgbClr val="00B050"/>
+                </a:solidFill>
+              </a:rPr>
+              <a:t>multi-pass compilers</a:t>
+            </a:r>
+            <a:r>
+              <a:rPr lang="en-GB" b="1" dirty="0"/>
+              <a:t>):</a:t>
+            </a:r>
+          </a:p>
+          <a:p>
+            <a:pPr marL="0" indent="0">
+              <a:buNone/>
             </a:pPr>
             <a:r>
               <a:rPr lang="en-GB" dirty="0"/>
-              <a:t>The visibility of a variable depends on the call history of functions</a:t>
-            </a:r>
-          </a:p>
-          <a:p>
-            <a:pPr marL="514350" indent="-514350">
-              <a:buFont typeface="+mj-lt"/>
-              <a:buAutoNum type="alphaUcPeriod"/>
+              <a:t>Some compilers can combine scanning, parsing, semantic analysis, and code generation into the same pass. These are called </a:t>
+            </a:r>
+            <a:r>
+              <a:rPr lang="en-GB" b="1" dirty="0">
+                <a:solidFill>
+                  <a:srgbClr val="00B050"/>
+                </a:solidFill>
+              </a:rPr>
+              <a:t>single-pass compilers</a:t>
+            </a:r>
+            <a:r>
+              <a:rPr lang="en-GB" dirty="0"/>
+              <a:t>.</a:t>
+            </a:r>
+          </a:p>
+          <a:p>
+            <a:pPr marL="0" indent="0">
+              <a:buNone/>
             </a:pPr>
             <a:r>
               <a:rPr lang="en-GB" dirty="0"/>
-              <a:t>The visibility of a variable depends on the order of function calls at runtime</a:t>
-            </a:r>
-          </a:p>
-          <a:p>
-            <a:pPr marL="514350" indent="-514350">
-              <a:buFont typeface="+mj-lt"/>
-              <a:buAutoNum type="alphaUcPeriod"/>
-            </a:pPr>
-            <a:r>
-              <a:rPr lang="en-GB" dirty="0"/>
-              <a:t>The visibility of a variable depends on the values assigned to it</a:t>
-            </a:r>
+              <a:t>Other compilers rescan the input multiple times. These are called </a:t>
+            </a:r>
+            <a:r>
+              <a:rPr lang="en-GB" b="1" dirty="0">
+                <a:solidFill>
+                  <a:srgbClr val="00B050"/>
+                </a:solidFill>
+              </a:rPr>
+              <a:t>multi-pass compilers</a:t>
+            </a:r>
+            <a:r>
+              <a:rPr lang="en-GB" dirty="0"/>
+              <a:t>.</a:t>
+            </a:r>
+            <a:endParaRPr lang="en-SG" dirty="0"/>
           </a:p>
         </p:txBody>
       </p:sp>
     </p:spTree>
     <p:extLst>
       <p:ext uri="{BB962C8B-B14F-4D97-AF65-F5344CB8AC3E}">
-        <p14:creationId xmlns:p14="http://schemas.microsoft.com/office/powerpoint/2010/main" val="1440961781"/>
+        <p14:creationId xmlns:p14="http://schemas.microsoft.com/office/powerpoint/2010/main" val="389505161"/>
       </p:ext>
     </p:extLst>
   </p:cSld>
@@ -35870,7 +36724,7 @@
           <p:cNvPr id="2" name="Title 1">
             <a:extLst>
               <a:ext uri="{FF2B5EF4-FFF2-40B4-BE49-F238E27FC236}">
-                <a16:creationId xmlns:a16="http://schemas.microsoft.com/office/drawing/2014/main" id="{3DBBD919-B3EE-2B5E-1C55-55CBFA659FAD}"/>
+                <a16:creationId xmlns:a16="http://schemas.microsoft.com/office/drawing/2014/main" id="{75C462DB-FFDD-5F11-5AC6-5F3F0EDC9EB3}"/>
               </a:ext>
             </a:extLst>
           </p:cNvPr>
@@ -35888,7 +36742,7 @@
           <a:p>
             <a:r>
               <a:rPr lang="en-GB" dirty="0"/>
-              <a:t>Quiz time!</a:t>
+              <a:t>What happens in multi-pass compilers</a:t>
             </a:r>
             <a:endParaRPr lang="en-SG" dirty="0"/>
           </a:p>
@@ -35899,7 +36753,7 @@
           <p:cNvPr id="3" name="Content Placeholder 2">
             <a:extLst>
               <a:ext uri="{FF2B5EF4-FFF2-40B4-BE49-F238E27FC236}">
-                <a16:creationId xmlns:a16="http://schemas.microsoft.com/office/drawing/2014/main" id="{4052BC05-5474-3908-CD6A-BA44633AA2A4}"/>
+                <a16:creationId xmlns:a16="http://schemas.microsoft.com/office/drawing/2014/main" id="{19A9C862-3F89-20C5-EF59-398B502C467A}"/>
               </a:ext>
             </a:extLst>
           </p:cNvPr>
@@ -35910,78 +36764,66 @@
             <p:ph idx="1"/>
           </p:nvPr>
         </p:nvSpPr>
-        <p:spPr/>
+        <p:spPr>
+          <a:xfrm>
+            <a:off x="838200" y="1825624"/>
+            <a:ext cx="10515600" cy="5032375"/>
+          </a:xfrm>
+        </p:spPr>
         <p:txBody>
-          <a:bodyPr/>
+          <a:bodyPr>
+            <a:normAutofit/>
+          </a:bodyPr>
           <a:lstStyle/>
           <a:p>
             <a:pPr marL="0" indent="0">
               <a:buNone/>
             </a:pPr>
             <a:r>
+              <a:rPr lang="en-GB" dirty="0"/>
+              <a:t>For instance, on each pass, the compiler could check one specific aspect of the source code. For instance,</a:t>
+            </a:r>
+          </a:p>
+          <a:p>
+            <a:r>
+              <a:rPr lang="en-GB" dirty="0"/>
+              <a:t>Do lexical analysis, produce tokens stream and completely parse the input file into an abstract syntax tree (first pass).</a:t>
+            </a:r>
+          </a:p>
+          <a:p>
+            <a:r>
+              <a:rPr lang="en-GB" dirty="0"/>
+              <a:t>Walk the AST, gathering information about classes definitions (second pass).</a:t>
+            </a:r>
+          </a:p>
+          <a:p>
+            <a:r>
+              <a:rPr lang="en-GB" dirty="0"/>
+              <a:t>Walk the AST gathering information about functions definitions (third pass).</a:t>
+            </a:r>
+          </a:p>
+          <a:p>
+            <a:r>
+              <a:rPr lang="en-GB" dirty="0"/>
+              <a:t>Etc.</a:t>
+            </a:r>
+          </a:p>
+          <a:p>
+            <a:pPr marL="0" indent="0">
+              <a:buNone/>
+            </a:pPr>
+            <a:r>
               <a:rPr lang="en-GB" b="1" dirty="0"/>
-              <a:t>In a compiler that uses syntax-directed translation, what is the purpose of the SDT instructions?</a:t>
-            </a:r>
-          </a:p>
-          <a:p>
-            <a:pPr marL="514350" indent="-514350">
-              <a:buFont typeface="+mj-lt"/>
-              <a:buAutoNum type="alphaUcPeriod"/>
-            </a:pPr>
-            <a:r>
-              <a:rPr lang="en-GB" dirty="0"/>
-              <a:t>To perform lexical analysis</a:t>
-            </a:r>
-          </a:p>
-          <a:p>
-            <a:pPr marL="514350" indent="-514350">
-              <a:buFont typeface="+mj-lt"/>
-              <a:buAutoNum type="alphaUcPeriod"/>
-            </a:pPr>
-            <a:r>
-              <a:rPr lang="en-GB" dirty="0"/>
-              <a:t>To create a parse tree</a:t>
-            </a:r>
-          </a:p>
-          <a:p>
-            <a:pPr marL="514350" indent="-514350">
-              <a:buFont typeface="+mj-lt"/>
-              <a:buAutoNum type="alphaUcPeriod"/>
-            </a:pPr>
-            <a:r>
-              <a:rPr lang="en-GB" dirty="0"/>
-              <a:t>To replace each production rule used in a derivation with intermediate code instructions</a:t>
-            </a:r>
-          </a:p>
-          <a:p>
-            <a:pPr marL="514350" indent="-514350">
-              <a:buFont typeface="+mj-lt"/>
-              <a:buAutoNum type="alphaUcPeriod"/>
-            </a:pPr>
-            <a:r>
-              <a:rPr lang="en-GB" dirty="0"/>
-              <a:t>To let us know how to update the symbol table</a:t>
-            </a:r>
-          </a:p>
-          <a:p>
-            <a:pPr marL="514350" indent="-514350">
-              <a:buFont typeface="+mj-lt"/>
-              <a:buAutoNum type="alphaUcPeriod"/>
-            </a:pPr>
-            <a:r>
-              <a:rPr lang="en-GB" dirty="0"/>
-              <a:t>To convert intermediate code to machine code</a:t>
-            </a:r>
-          </a:p>
-          <a:p>
-            <a:endParaRPr lang="en-SG" dirty="0"/>
+              <a:t>Could combine some of these, though they are logically distinct.</a:t>
+            </a:r>
+            <a:endParaRPr lang="en-SG" b="1" dirty="0"/>
           </a:p>
         </p:txBody>
       </p:sp>
     </p:spTree>
     <p:extLst>
       <p:ext uri="{BB962C8B-B14F-4D97-AF65-F5344CB8AC3E}">
-        <p14:creationId xmlns:p14="http://schemas.microsoft.com/office/powerpoint/2010/main" val="916796518"/>
+        <p14:creationId xmlns:p14="http://schemas.microsoft.com/office/powerpoint/2010/main" val="2751649362"/>
       </p:ext>
     </p:extLst>
   </p:cSld>
@@ -36010,10 +36852,10 @@
       </p:grpSpPr>
       <p:sp>
         <p:nvSpPr>
-          <p:cNvPr id="2" name="Title 1">
-            <a:extLst>
-              <a:ext uri="{FF2B5EF4-FFF2-40B4-BE49-F238E27FC236}">
-                <a16:creationId xmlns:a16="http://schemas.microsoft.com/office/drawing/2014/main" id="{3DBBD919-B3EE-2B5E-1C55-55CBFA659FAD}"/>
+          <p:cNvPr id="5" name="Title 4">
+            <a:extLst>
+              <a:ext uri="{FF2B5EF4-FFF2-40B4-BE49-F238E27FC236}">
+                <a16:creationId xmlns:a16="http://schemas.microsoft.com/office/drawing/2014/main" id="{CEEEF092-6ADD-497D-2284-EBD44F4D744C}"/>
               </a:ext>
             </a:extLst>
           </p:cNvPr>
@@ -36031,7 +36873,7 @@
           <a:p>
             <a:r>
               <a:rPr lang="en-GB" dirty="0"/>
-              <a:t>Quiz time!</a:t>
+              <a:t>Single-pass vs. multi-pass compilers</a:t>
             </a:r>
             <a:endParaRPr lang="en-SG" dirty="0"/>
           </a:p>
@@ -36039,10 +36881,10 @@
       </p:sp>
       <p:sp>
         <p:nvSpPr>
-          <p:cNvPr id="3" name="Content Placeholder 2">
-            <a:extLst>
-              <a:ext uri="{FF2B5EF4-FFF2-40B4-BE49-F238E27FC236}">
-                <a16:creationId xmlns:a16="http://schemas.microsoft.com/office/drawing/2014/main" id="{4052BC05-5474-3908-CD6A-BA44633AA2A4}"/>
+          <p:cNvPr id="6" name="Content Placeholder 5">
+            <a:extLst>
+              <a:ext uri="{FF2B5EF4-FFF2-40B4-BE49-F238E27FC236}">
+                <a16:creationId xmlns:a16="http://schemas.microsoft.com/office/drawing/2014/main" id="{8A9EE95E-6560-0DAE-B0B3-E18113ABD7ED}"/>
               </a:ext>
             </a:extLst>
           </p:cNvPr>
@@ -36050,12 +36892,19 @@
             <a:spLocks noGrp="1"/>
           </p:cNvSpPr>
           <p:nvPr>
-            <p:ph idx="1"/>
+            <p:ph sz="half" idx="1"/>
           </p:nvPr>
         </p:nvSpPr>
-        <p:spPr/>
+        <p:spPr>
+          <a:xfrm>
+            <a:off x="838200" y="1825624"/>
+            <a:ext cx="5181600" cy="5032375"/>
+          </a:xfrm>
+        </p:spPr>
         <p:txBody>
-          <a:bodyPr/>
+          <a:bodyPr>
+            <a:normAutofit/>
+          </a:bodyPr>
           <a:lstStyle/>
           <a:p>
             <a:pPr marL="0" indent="0">
@@ -36063,76 +36912,116 @@
             </a:pPr>
             <a:r>
               <a:rPr lang="en-GB" b="1" dirty="0"/>
-              <a:t>In a compiler that uses syntax-directed translation, what is the purpose of the SDT instructions?</a:t>
-            </a:r>
-          </a:p>
-          <a:p>
-            <a:pPr marL="514350" indent="-514350">
-              <a:buFont typeface="+mj-lt"/>
-              <a:buAutoNum type="alphaUcPeriod"/>
+              <a:t>Which is better: single-pass or multi-pass compilers? </a:t>
+            </a:r>
+          </a:p>
+          <a:p>
+            <a:pPr marL="0" indent="0">
+              <a:buNone/>
             </a:pPr>
-            <a:r>
-              <a:rPr lang="en-GB" dirty="0"/>
-              <a:t>To perform lexical analysis</a:t>
-            </a:r>
-          </a:p>
-          <a:p>
-            <a:pPr marL="514350" indent="-514350">
-              <a:buFont typeface="+mj-lt"/>
-              <a:buAutoNum type="alphaUcPeriod"/>
+            <a:endParaRPr lang="en-GB" dirty="0"/>
+          </a:p>
+          <a:p>
+            <a:pPr marL="0" indent="0">
+              <a:buNone/>
             </a:pPr>
             <a:r>
               <a:rPr lang="en-GB" dirty="0"/>
-              <a:t>To create a parse tree</a:t>
-            </a:r>
-          </a:p>
-          <a:p>
-            <a:pPr marL="514350" indent="-514350">
-              <a:buFont typeface="+mj-lt"/>
-              <a:buAutoNum type="alphaUcPeriod"/>
+              <a:t>In general, </a:t>
+            </a:r>
+            <a:r>
+              <a:rPr lang="en-GB" b="1" dirty="0"/>
+              <a:t>single-pass compilers </a:t>
+            </a:r>
+            <a:r>
+              <a:rPr lang="en-GB" dirty="0"/>
+              <a:t>are usually faster than </a:t>
+            </a:r>
+            <a:r>
+              <a:rPr lang="en-GB" b="1" dirty="0"/>
+              <a:t>multi-pass compilers</a:t>
+            </a:r>
+            <a:r>
+              <a:rPr lang="en-GB" dirty="0"/>
+              <a:t>, but the logic complexity they can check is reduced.</a:t>
+            </a:r>
+          </a:p>
+          <a:p>
+            <a:pPr marL="0" indent="0">
+              <a:buNone/>
             </a:pPr>
             <a:r>
-              <a:rPr lang="en-GB" b="1" dirty="0">
-                <a:solidFill>
-                  <a:srgbClr val="00B050"/>
-                </a:solidFill>
-              </a:rPr>
-              <a:t>To replace each production rule used in a derivation with intermediate code instructions</a:t>
-            </a:r>
-          </a:p>
-          <a:p>
-            <a:pPr marL="514350" indent="-514350">
-              <a:buFont typeface="+mj-lt"/>
-              <a:buAutoNum type="alphaUcPeriod"/>
-            </a:pPr>
-            <a:r>
-              <a:rPr lang="en-GB" b="1" dirty="0">
-                <a:solidFill>
-                  <a:srgbClr val="00B050"/>
-                </a:solidFill>
-              </a:rPr>
-              <a:t>To let us know how to update the symbol table</a:t>
-            </a:r>
-          </a:p>
-          <a:p>
-            <a:pPr marL="514350" indent="-514350">
-              <a:buFont typeface="+mj-lt"/>
-              <a:buAutoNum type="alphaUcPeriod"/>
-            </a:pPr>
-            <a:r>
-              <a:rPr lang="en-GB" dirty="0"/>
-              <a:t>To convert intermediate code to machine code</a:t>
-            </a:r>
-          </a:p>
-          <a:p>
-            <a:endParaRPr lang="en-SG" dirty="0"/>
+              <a:rPr lang="en-GB" b="1" dirty="0"/>
+              <a:t>Another debate I do not want to be part of!</a:t>
+            </a:r>
+            <a:endParaRPr lang="en-SG" b="1" dirty="0"/>
           </a:p>
         </p:txBody>
       </p:sp>
+      <p:pic>
+        <p:nvPicPr>
+          <p:cNvPr id="4" name="Picture 3">
+            <a:extLst>
+              <a:ext uri="{FF2B5EF4-FFF2-40B4-BE49-F238E27FC236}">
+                <a16:creationId xmlns:a16="http://schemas.microsoft.com/office/drawing/2014/main" id="{06614A7F-073B-0A20-3618-704A66E2F4B9}"/>
+              </a:ext>
+            </a:extLst>
+          </p:cNvPr>
+          <p:cNvPicPr>
+            <a:picLocks noChangeAspect="1"/>
+          </p:cNvPicPr>
+          <p:nvPr/>
+        </p:nvPicPr>
+        <p:blipFill>
+          <a:blip r:embed="rId2"/>
+          <a:stretch>
+            <a:fillRect/>
+          </a:stretch>
+        </p:blipFill>
+        <p:spPr>
+          <a:xfrm>
+            <a:off x="7492482" y="4035375"/>
+            <a:ext cx="3554964" cy="2662596"/>
+          </a:xfrm>
+          <a:prstGeom prst="rect">
+            <a:avLst/>
+          </a:prstGeom>
+        </p:spPr>
+      </p:pic>
+      <p:pic>
+        <p:nvPicPr>
+          <p:cNvPr id="8" name="Picture 7">
+            <a:extLst>
+              <a:ext uri="{FF2B5EF4-FFF2-40B4-BE49-F238E27FC236}">
+                <a16:creationId xmlns:a16="http://schemas.microsoft.com/office/drawing/2014/main" id="{A1E00EB0-6321-74E8-17FF-66AECC457C8F}"/>
+              </a:ext>
+            </a:extLst>
+          </p:cNvPr>
+          <p:cNvPicPr>
+            <a:picLocks noChangeAspect="1"/>
+          </p:cNvPicPr>
+          <p:nvPr/>
+        </p:nvPicPr>
+        <p:blipFill>
+          <a:blip r:embed="rId3"/>
+          <a:stretch>
+            <a:fillRect/>
+          </a:stretch>
+        </p:blipFill>
+        <p:spPr>
+          <a:xfrm>
+            <a:off x="7492482" y="1383964"/>
+            <a:ext cx="3554964" cy="2651411"/>
+          </a:xfrm>
+          <a:prstGeom prst="rect">
+            <a:avLst/>
+          </a:prstGeom>
+        </p:spPr>
+      </p:pic>
     </p:spTree>
     <p:extLst>
       <p:ext uri="{BB962C8B-B14F-4D97-AF65-F5344CB8AC3E}">
-        <p14:creationId xmlns:p14="http://schemas.microsoft.com/office/powerpoint/2010/main" val="963538908"/>
+        <p14:creationId xmlns:p14="http://schemas.microsoft.com/office/powerpoint/2010/main" val="1421273023"/>
       </p:ext>
     </p:extLst>
   </p:cSld>
@@ -36214,7 +37103,7 @@
             </a:pPr>
             <a:r>
               <a:rPr lang="en-GB" b="1" dirty="0"/>
-              <a:t>In a compiler, what is the purpose of a "spaghetti stack"?</a:t>
+              <a:t>What is the primary purpose of semantic analysis in a compiler?</a:t>
             </a:r>
           </a:p>
           <a:p>
@@ -36224,7 +37113,7 @@
             </a:pPr>
             <a:r>
               <a:rPr lang="en-GB" dirty="0"/>
-              <a:t>To optimize memory usage during parsing</a:t>
+              <a:t>To generate intermediate code</a:t>
             </a:r>
           </a:p>
           <a:p>
@@ -36234,7 +37123,7 @@
             </a:pPr>
             <a:r>
               <a:rPr lang="en-GB" dirty="0"/>
-              <a:t>To store the parse tree during syntax analysis</a:t>
+              <a:t>To check the syntax of the input code</a:t>
             </a:r>
           </a:p>
           <a:p>
@@ -36244,7 +37133,7 @@
             </a:pPr>
             <a:r>
               <a:rPr lang="en-GB" dirty="0"/>
-              <a:t>To maintain the symbol table as a linked structure of scopes</a:t>
+              <a:t>To optimize the generated code</a:t>
             </a:r>
           </a:p>
           <a:p>
@@ -36254,15 +37143,16 @@
             </a:pPr>
             <a:r>
               <a:rPr lang="en-GB" dirty="0"/>
-              <a:t>To generate machine code for the target architecture</a:t>
-            </a:r>
+              <a:t>To ensure the input code is semantically correct and meaningful</a:t>
+            </a:r>
+            <a:endParaRPr lang="en-SG" dirty="0"/>
           </a:p>
         </p:txBody>
       </p:sp>
     </p:spTree>
     <p:extLst>
       <p:ext uri="{BB962C8B-B14F-4D97-AF65-F5344CB8AC3E}">
-        <p14:creationId xmlns:p14="http://schemas.microsoft.com/office/powerpoint/2010/main" val="3504450823"/>
+        <p14:creationId xmlns:p14="http://schemas.microsoft.com/office/powerpoint/2010/main" val="2210550505"/>
       </p:ext>
     </p:extLst>
   </p:cSld>
@@ -36344,7 +37234,7 @@
             </a:pPr>
             <a:r>
               <a:rPr lang="en-GB" b="1" dirty="0"/>
-              <a:t>In a compiler, what is the purpose of a "spaghetti stack"?</a:t>
+              <a:t>What is the primary purpose of semantic analysis in a compiler?</a:t>
             </a:r>
           </a:p>
           <a:p>
@@ -36354,7 +37244,7 @@
             </a:pPr>
             <a:r>
               <a:rPr lang="en-GB" dirty="0"/>
-              <a:t>To optimize memory usage during parsing</a:t>
+              <a:t>To generate intermediate code</a:t>
             </a:r>
           </a:p>
           <a:p>
@@ -36364,7 +37254,17 @@
             </a:pPr>
             <a:r>
               <a:rPr lang="en-GB" dirty="0"/>
-              <a:t>To store the parse tree during syntax analysis</a:t>
+              <a:t>To check the syntax of the input code</a:t>
+            </a:r>
+          </a:p>
+          <a:p>
+            <a:pPr marL="514350" indent="-514350">
+              <a:buFont typeface="+mj-lt"/>
+              <a:buAutoNum type="alphaUcPeriod"/>
+            </a:pPr>
+            <a:r>
+              <a:rPr lang="en-GB" dirty="0"/>
+              <a:t>To optimize the generated code</a:t>
             </a:r>
           </a:p>
           <a:p>
@@ -36378,25 +37278,20 @@
                   <a:srgbClr val="00B050"/>
                 </a:solidFill>
               </a:rPr>
-              <a:t>To maintain the symbol table as a linked structure of scopes</a:t>
-            </a:r>
-          </a:p>
-          <a:p>
-            <a:pPr marL="514350" indent="-514350">
-              <a:buFont typeface="+mj-lt"/>
-              <a:buAutoNum type="alphaUcPeriod"/>
-            </a:pPr>
-            <a:r>
-              <a:rPr lang="en-GB" dirty="0"/>
-              <a:t>To generate machine code for the target architecture</a:t>
-            </a:r>
+              <a:t>To ensure the input code is semantically correct and meaningful</a:t>
+            </a:r>
+            <a:endParaRPr lang="en-SG" b="1" dirty="0">
+              <a:solidFill>
+                <a:srgbClr val="00B050"/>
+              </a:solidFill>
+            </a:endParaRPr>
           </a:p>
         </p:txBody>
       </p:sp>
     </p:spTree>
     <p:extLst>
       <p:ext uri="{BB962C8B-B14F-4D97-AF65-F5344CB8AC3E}">
-        <p14:creationId xmlns:p14="http://schemas.microsoft.com/office/powerpoint/2010/main" val="2562965798"/>
+        <p14:creationId xmlns:p14="http://schemas.microsoft.com/office/powerpoint/2010/main" val="1192977454"/>
       </p:ext>
     </p:extLst>
   </p:cSld>
@@ -36428,7 +37323,7 @@
           <p:cNvPr id="2" name="Title 1">
             <a:extLst>
               <a:ext uri="{FF2B5EF4-FFF2-40B4-BE49-F238E27FC236}">
-                <a16:creationId xmlns:a16="http://schemas.microsoft.com/office/drawing/2014/main" id="{D2ED57AE-B263-E49B-DB5B-2CC9C131A19E}"/>
+                <a16:creationId xmlns:a16="http://schemas.microsoft.com/office/drawing/2014/main" id="{EF99FE66-C5A5-DEE3-A08F-ADDC01E9443F}"/>
               </a:ext>
             </a:extLst>
           </p:cNvPr>
@@ -36446,7 +37341,7 @@
           <a:p>
             <a:r>
               <a:rPr lang="en-GB" dirty="0"/>
-              <a:t>Conclusion</a:t>
+              <a:t>Quiz time!</a:t>
             </a:r>
             <a:endParaRPr lang="en-SG" dirty="0"/>
           </a:p>
@@ -36457,7 +37352,7 @@
           <p:cNvPr id="5" name="Content Placeholder 4">
             <a:extLst>
               <a:ext uri="{FF2B5EF4-FFF2-40B4-BE49-F238E27FC236}">
-                <a16:creationId xmlns:a16="http://schemas.microsoft.com/office/drawing/2014/main" id="{B9B58FB4-947F-4021-96D8-E22A340CF060}"/>
+                <a16:creationId xmlns:a16="http://schemas.microsoft.com/office/drawing/2014/main" id="{E67CE1F9-7F50-BC69-47F7-8C24288ADA54}"/>
               </a:ext>
             </a:extLst>
           </p:cNvPr>
@@ -36468,104 +37363,329 @@
             <p:ph idx="1"/>
           </p:nvPr>
         </p:nvSpPr>
-        <p:spPr>
-          <a:xfrm>
-            <a:off x="838200" y="1825624"/>
-            <a:ext cx="10515600" cy="5032375"/>
-          </a:xfrm>
-        </p:spPr>
+        <p:spPr/>
         <p:txBody>
-          <a:bodyPr>
-            <a:normAutofit/>
-          </a:bodyPr>
+          <a:bodyPr/>
           <a:lstStyle/>
           <a:p>
+            <a:pPr marL="0" indent="0">
+              <a:buNone/>
+            </a:pPr>
             <a:r>
               <a:rPr lang="en-GB" b="1" dirty="0"/>
-              <a:t>Semantic analysis </a:t>
-            </a:r>
-            <a:r>
-              <a:rPr lang="en-GB" dirty="0"/>
-              <a:t>verifies that a syntactically valid program is correctly-formed and computes additional information about the </a:t>
-            </a:r>
-            <a:r>
-              <a:rPr lang="en-GB" b="1" dirty="0"/>
-              <a:t>meaning of the program</a:t>
-            </a:r>
-            <a:r>
-              <a:rPr lang="en-GB" dirty="0"/>
-              <a:t>.</a:t>
-            </a:r>
-          </a:p>
-          <a:p>
-            <a:r>
-              <a:rPr lang="en-GB" b="1" dirty="0"/>
-              <a:t>Scope checking </a:t>
-            </a:r>
-            <a:r>
-              <a:rPr lang="en-GB" dirty="0"/>
-              <a:t>determines what variables, functions or classes are referred to by each name in the program.</a:t>
-            </a:r>
-          </a:p>
-          <a:p>
-            <a:r>
-              <a:rPr lang="en-GB" dirty="0"/>
-              <a:t>Scope checking is usually done with a </a:t>
-            </a:r>
-            <a:r>
-              <a:rPr lang="en-GB" b="1" dirty="0"/>
-              <a:t>symbol table </a:t>
-            </a:r>
-            <a:r>
-              <a:rPr lang="en-GB" dirty="0"/>
-              <a:t>implemented either as a </a:t>
-            </a:r>
-            <a:r>
-              <a:rPr lang="en-GB" b="1" dirty="0"/>
-              <a:t>stack</a:t>
-            </a:r>
-            <a:r>
-              <a:rPr lang="en-GB" dirty="0"/>
-              <a:t> or </a:t>
-            </a:r>
-            <a:r>
-              <a:rPr lang="en-GB" b="1" dirty="0"/>
-              <a:t>spaghetti stack</a:t>
-            </a:r>
-            <a:r>
-              <a:rPr lang="en-GB" dirty="0"/>
-              <a:t>.</a:t>
-            </a:r>
-          </a:p>
-          <a:p>
-            <a:r>
-              <a:rPr lang="en-GB" dirty="0"/>
-              <a:t>Simple semantic analysers will operate in a </a:t>
-            </a:r>
-            <a:r>
-              <a:rPr lang="en-GB" b="1" dirty="0"/>
-              <a:t>single pass</a:t>
-            </a:r>
-            <a:r>
-              <a:rPr lang="en-GB" dirty="0"/>
-              <a:t>, while some semantic analysers operate in </a:t>
-            </a:r>
-            <a:r>
-              <a:rPr lang="en-GB" b="1" dirty="0"/>
-              <a:t>multiple passes </a:t>
-            </a:r>
-            <a:r>
-              <a:rPr lang="en-GB" dirty="0"/>
-              <a:t>in order to gain more information about the program.</a:t>
-            </a:r>
-            <a:endParaRPr lang="en-SG" dirty="0"/>
+              <a:t>What is a symbol table used for in a compiler?</a:t>
+            </a:r>
+          </a:p>
+          <a:p>
+            <a:pPr marL="514350" indent="-514350">
+              <a:buFont typeface="+mj-lt"/>
+              <a:buAutoNum type="alphaUcPeriod"/>
+            </a:pPr>
+            <a:r>
+              <a:rPr lang="en-GB" dirty="0"/>
+              <a:t>To store the intermediate code representation</a:t>
+            </a:r>
+          </a:p>
+          <a:p>
+            <a:pPr marL="514350" indent="-514350">
+              <a:buFont typeface="+mj-lt"/>
+              <a:buAutoNum type="alphaUcPeriod"/>
+            </a:pPr>
+            <a:r>
+              <a:rPr lang="en-GB" dirty="0"/>
+              <a:t>To store information about variables, functions, and other identifiers</a:t>
+            </a:r>
+          </a:p>
+          <a:p>
+            <a:pPr marL="514350" indent="-514350">
+              <a:buFont typeface="+mj-lt"/>
+              <a:buAutoNum type="alphaUcPeriod"/>
+            </a:pPr>
+            <a:r>
+              <a:rPr lang="en-GB" dirty="0"/>
+              <a:t>To store the parse tree of the input code</a:t>
+            </a:r>
+          </a:p>
+          <a:p>
+            <a:pPr marL="514350" indent="-514350">
+              <a:buFont typeface="+mj-lt"/>
+              <a:buAutoNum type="alphaUcPeriod"/>
+            </a:pPr>
+            <a:r>
+              <a:rPr lang="en-GB" dirty="0"/>
+              <a:t>To store the machine code generated by the compiler</a:t>
+            </a:r>
           </a:p>
         </p:txBody>
       </p:sp>
     </p:spTree>
     <p:extLst>
       <p:ext uri="{BB962C8B-B14F-4D97-AF65-F5344CB8AC3E}">
-        <p14:creationId xmlns:p14="http://schemas.microsoft.com/office/powerpoint/2010/main" val="2190983940"/>
+        <p14:creationId xmlns:p14="http://schemas.microsoft.com/office/powerpoint/2010/main" val="3234401434"/>
+      </p:ext>
+    </p:extLst>
+  </p:cSld>
+  <p:clrMapOvr>
+    <a:masterClrMapping/>
+  </p:clrMapOvr>
+</p:sld>
+</file>
+
+<file path=ppt/slides/slide68.xml><?xml version="1.0" encoding="utf-8"?>
+<p:sld xmlns:a="http://schemas.openxmlformats.org/drawingml/2006/main" xmlns:r="http://schemas.openxmlformats.org/officeDocument/2006/relationships" xmlns:p="http://schemas.openxmlformats.org/presentationml/2006/main">
+  <p:cSld>
+    <p:spTree>
+      <p:nvGrpSpPr>
+        <p:cNvPr id="1" name=""/>
+        <p:cNvGrpSpPr/>
+        <p:nvPr/>
+      </p:nvGrpSpPr>
+      <p:grpSpPr>
+        <a:xfrm>
+          <a:off x="0" y="0"/>
+          <a:ext cx="0" cy="0"/>
+          <a:chOff x="0" y="0"/>
+          <a:chExt cx="0" cy="0"/>
+        </a:xfrm>
+      </p:grpSpPr>
+      <p:sp>
+        <p:nvSpPr>
+          <p:cNvPr id="2" name="Title 1">
+            <a:extLst>
+              <a:ext uri="{FF2B5EF4-FFF2-40B4-BE49-F238E27FC236}">
+                <a16:creationId xmlns:a16="http://schemas.microsoft.com/office/drawing/2014/main" id="{EF99FE66-C5A5-DEE3-A08F-ADDC01E9443F}"/>
+              </a:ext>
+            </a:extLst>
+          </p:cNvPr>
+          <p:cNvSpPr>
+            <a:spLocks noGrp="1"/>
+          </p:cNvSpPr>
+          <p:nvPr>
+            <p:ph type="title"/>
+          </p:nvPr>
+        </p:nvSpPr>
+        <p:spPr/>
+        <p:txBody>
+          <a:bodyPr/>
+          <a:lstStyle/>
+          <a:p>
+            <a:r>
+              <a:rPr lang="en-GB" dirty="0"/>
+              <a:t>Quiz time!</a:t>
+            </a:r>
+            <a:endParaRPr lang="en-SG" dirty="0"/>
+          </a:p>
+        </p:txBody>
+      </p:sp>
+      <p:sp>
+        <p:nvSpPr>
+          <p:cNvPr id="5" name="Content Placeholder 4">
+            <a:extLst>
+              <a:ext uri="{FF2B5EF4-FFF2-40B4-BE49-F238E27FC236}">
+                <a16:creationId xmlns:a16="http://schemas.microsoft.com/office/drawing/2014/main" id="{E67CE1F9-7F50-BC69-47F7-8C24288ADA54}"/>
+              </a:ext>
+            </a:extLst>
+          </p:cNvPr>
+          <p:cNvSpPr>
+            <a:spLocks noGrp="1"/>
+          </p:cNvSpPr>
+          <p:nvPr>
+            <p:ph idx="1"/>
+          </p:nvPr>
+        </p:nvSpPr>
+        <p:spPr/>
+        <p:txBody>
+          <a:bodyPr/>
+          <a:lstStyle/>
+          <a:p>
+            <a:pPr marL="0" indent="0">
+              <a:buNone/>
+            </a:pPr>
+            <a:r>
+              <a:rPr lang="en-GB" b="1" dirty="0"/>
+              <a:t>What is a symbol table used for in a compiler?</a:t>
+            </a:r>
+          </a:p>
+          <a:p>
+            <a:pPr marL="514350" indent="-514350">
+              <a:buFont typeface="+mj-lt"/>
+              <a:buAutoNum type="alphaUcPeriod"/>
+            </a:pPr>
+            <a:r>
+              <a:rPr lang="en-GB" dirty="0"/>
+              <a:t>To store the intermediate code representation</a:t>
+            </a:r>
+          </a:p>
+          <a:p>
+            <a:pPr marL="514350" indent="-514350">
+              <a:buFont typeface="+mj-lt"/>
+              <a:buAutoNum type="alphaUcPeriod"/>
+            </a:pPr>
+            <a:r>
+              <a:rPr lang="en-GB" b="1" dirty="0">
+                <a:solidFill>
+                  <a:srgbClr val="00B050"/>
+                </a:solidFill>
+              </a:rPr>
+              <a:t>To store information about variables, functions, and other identifiers</a:t>
+            </a:r>
+          </a:p>
+          <a:p>
+            <a:pPr marL="514350" indent="-514350">
+              <a:buFont typeface="+mj-lt"/>
+              <a:buAutoNum type="alphaUcPeriod"/>
+            </a:pPr>
+            <a:r>
+              <a:rPr lang="en-GB" dirty="0"/>
+              <a:t>To store the parse tree of the input code</a:t>
+            </a:r>
+          </a:p>
+          <a:p>
+            <a:pPr marL="514350" indent="-514350">
+              <a:buFont typeface="+mj-lt"/>
+              <a:buAutoNum type="alphaUcPeriod"/>
+            </a:pPr>
+            <a:r>
+              <a:rPr lang="en-GB" dirty="0"/>
+              <a:t>To store the machine code generated by the compiler</a:t>
+            </a:r>
+          </a:p>
+        </p:txBody>
+      </p:sp>
+    </p:spTree>
+    <p:extLst>
+      <p:ext uri="{BB962C8B-B14F-4D97-AF65-F5344CB8AC3E}">
+        <p14:creationId xmlns:p14="http://schemas.microsoft.com/office/powerpoint/2010/main" val="2258109495"/>
+      </p:ext>
+    </p:extLst>
+  </p:cSld>
+  <p:clrMapOvr>
+    <a:masterClrMapping/>
+  </p:clrMapOvr>
+</p:sld>
+</file>
+
+<file path=ppt/slides/slide69.xml><?xml version="1.0" encoding="utf-8"?>
+<p:sld xmlns:a="http://schemas.openxmlformats.org/drawingml/2006/main" xmlns:r="http://schemas.openxmlformats.org/officeDocument/2006/relationships" xmlns:p="http://schemas.openxmlformats.org/presentationml/2006/main">
+  <p:cSld>
+    <p:spTree>
+      <p:nvGrpSpPr>
+        <p:cNvPr id="1" name=""/>
+        <p:cNvGrpSpPr/>
+        <p:nvPr/>
+      </p:nvGrpSpPr>
+      <p:grpSpPr>
+        <a:xfrm>
+          <a:off x="0" y="0"/>
+          <a:ext cx="0" cy="0"/>
+          <a:chOff x="0" y="0"/>
+          <a:chExt cx="0" cy="0"/>
+        </a:xfrm>
+      </p:grpSpPr>
+      <p:sp>
+        <p:nvSpPr>
+          <p:cNvPr id="2" name="Title 1">
+            <a:extLst>
+              <a:ext uri="{FF2B5EF4-FFF2-40B4-BE49-F238E27FC236}">
+                <a16:creationId xmlns:a16="http://schemas.microsoft.com/office/drawing/2014/main" id="{EF99FE66-C5A5-DEE3-A08F-ADDC01E9443F}"/>
+              </a:ext>
+            </a:extLst>
+          </p:cNvPr>
+          <p:cNvSpPr>
+            <a:spLocks noGrp="1"/>
+          </p:cNvSpPr>
+          <p:nvPr>
+            <p:ph type="title"/>
+          </p:nvPr>
+        </p:nvSpPr>
+        <p:spPr/>
+        <p:txBody>
+          <a:bodyPr/>
+          <a:lstStyle/>
+          <a:p>
+            <a:r>
+              <a:rPr lang="en-GB" dirty="0"/>
+              <a:t>Quiz time!</a:t>
+            </a:r>
+            <a:endParaRPr lang="en-SG" dirty="0"/>
+          </a:p>
+        </p:txBody>
+      </p:sp>
+      <p:sp>
+        <p:nvSpPr>
+          <p:cNvPr id="5" name="Content Placeholder 4">
+            <a:extLst>
+              <a:ext uri="{FF2B5EF4-FFF2-40B4-BE49-F238E27FC236}">
+                <a16:creationId xmlns:a16="http://schemas.microsoft.com/office/drawing/2014/main" id="{E67CE1F9-7F50-BC69-47F7-8C24288ADA54}"/>
+              </a:ext>
+            </a:extLst>
+          </p:cNvPr>
+          <p:cNvSpPr>
+            <a:spLocks noGrp="1"/>
+          </p:cNvSpPr>
+          <p:nvPr>
+            <p:ph idx="1"/>
+          </p:nvPr>
+        </p:nvSpPr>
+        <p:spPr/>
+        <p:txBody>
+          <a:bodyPr/>
+          <a:lstStyle/>
+          <a:p>
+            <a:pPr marL="0" indent="0">
+              <a:buNone/>
+            </a:pPr>
+            <a:r>
+              <a:rPr lang="en-GB" b="1" dirty="0"/>
+              <a:t>Which of the following best describes a static scoping rule?</a:t>
+            </a:r>
+          </a:p>
+          <a:p>
+            <a:pPr marL="514350" indent="-514350">
+              <a:buFont typeface="+mj-lt"/>
+              <a:buAutoNum type="alphaUcPeriod"/>
+            </a:pPr>
+            <a:r>
+              <a:rPr lang="en-GB" dirty="0"/>
+              <a:t>The visibility of a variable only depends on its position in the source code</a:t>
+            </a:r>
+          </a:p>
+          <a:p>
+            <a:pPr marL="514350" indent="-514350">
+              <a:buFont typeface="+mj-lt"/>
+              <a:buAutoNum type="alphaUcPeriod"/>
+            </a:pPr>
+            <a:r>
+              <a:rPr lang="en-GB" dirty="0"/>
+              <a:t>The visibility of a variable depends on the call history of functions</a:t>
+            </a:r>
+          </a:p>
+          <a:p>
+            <a:pPr marL="514350" indent="-514350">
+              <a:buFont typeface="+mj-lt"/>
+              <a:buAutoNum type="alphaUcPeriod"/>
+            </a:pPr>
+            <a:r>
+              <a:rPr lang="en-GB" dirty="0"/>
+              <a:t>The visibility of a variable depends on the order of function calls at runtime</a:t>
+            </a:r>
+          </a:p>
+          <a:p>
+            <a:pPr marL="514350" indent="-514350">
+              <a:buFont typeface="+mj-lt"/>
+              <a:buAutoNum type="alphaUcPeriod"/>
+            </a:pPr>
+            <a:r>
+              <a:rPr lang="en-GB" dirty="0"/>
+              <a:t>The visibility of a variable depends on the values assigned to it</a:t>
+            </a:r>
+          </a:p>
+        </p:txBody>
+      </p:sp>
+    </p:spTree>
+    <p:extLst>
+      <p:ext uri="{BB962C8B-B14F-4D97-AF65-F5344CB8AC3E}">
+        <p14:creationId xmlns:p14="http://schemas.microsoft.com/office/powerpoint/2010/main" val="865163362"/>
       </p:ext>
     </p:extLst>
   </p:cSld>
@@ -36749,6 +37869,867 @@
 </p:sld>
 </file>
 
+<file path=ppt/slides/slide70.xml><?xml version="1.0" encoding="utf-8"?>
+<p:sld xmlns:a="http://schemas.openxmlformats.org/drawingml/2006/main" xmlns:r="http://schemas.openxmlformats.org/officeDocument/2006/relationships" xmlns:p="http://schemas.openxmlformats.org/presentationml/2006/main">
+  <p:cSld>
+    <p:spTree>
+      <p:nvGrpSpPr>
+        <p:cNvPr id="1" name=""/>
+        <p:cNvGrpSpPr/>
+        <p:nvPr/>
+      </p:nvGrpSpPr>
+      <p:grpSpPr>
+        <a:xfrm>
+          <a:off x="0" y="0"/>
+          <a:ext cx="0" cy="0"/>
+          <a:chOff x="0" y="0"/>
+          <a:chExt cx="0" cy="0"/>
+        </a:xfrm>
+      </p:grpSpPr>
+      <p:sp>
+        <p:nvSpPr>
+          <p:cNvPr id="2" name="Title 1">
+            <a:extLst>
+              <a:ext uri="{FF2B5EF4-FFF2-40B4-BE49-F238E27FC236}">
+                <a16:creationId xmlns:a16="http://schemas.microsoft.com/office/drawing/2014/main" id="{EF99FE66-C5A5-DEE3-A08F-ADDC01E9443F}"/>
+              </a:ext>
+            </a:extLst>
+          </p:cNvPr>
+          <p:cNvSpPr>
+            <a:spLocks noGrp="1"/>
+          </p:cNvSpPr>
+          <p:nvPr>
+            <p:ph type="title"/>
+          </p:nvPr>
+        </p:nvSpPr>
+        <p:spPr/>
+        <p:txBody>
+          <a:bodyPr/>
+          <a:lstStyle/>
+          <a:p>
+            <a:r>
+              <a:rPr lang="en-GB" dirty="0"/>
+              <a:t>Quiz time!</a:t>
+            </a:r>
+            <a:endParaRPr lang="en-SG" dirty="0"/>
+          </a:p>
+        </p:txBody>
+      </p:sp>
+      <p:sp>
+        <p:nvSpPr>
+          <p:cNvPr id="5" name="Content Placeholder 4">
+            <a:extLst>
+              <a:ext uri="{FF2B5EF4-FFF2-40B4-BE49-F238E27FC236}">
+                <a16:creationId xmlns:a16="http://schemas.microsoft.com/office/drawing/2014/main" id="{E67CE1F9-7F50-BC69-47F7-8C24288ADA54}"/>
+              </a:ext>
+            </a:extLst>
+          </p:cNvPr>
+          <p:cNvSpPr>
+            <a:spLocks noGrp="1"/>
+          </p:cNvSpPr>
+          <p:nvPr>
+            <p:ph idx="1"/>
+          </p:nvPr>
+        </p:nvSpPr>
+        <p:spPr/>
+        <p:txBody>
+          <a:bodyPr/>
+          <a:lstStyle/>
+          <a:p>
+            <a:pPr marL="0" indent="0">
+              <a:buNone/>
+            </a:pPr>
+            <a:r>
+              <a:rPr lang="en-GB" b="1" dirty="0"/>
+              <a:t>Which of the following best describes a static scoping rule?</a:t>
+            </a:r>
+          </a:p>
+          <a:p>
+            <a:pPr marL="514350" indent="-514350">
+              <a:buFont typeface="+mj-lt"/>
+              <a:buAutoNum type="alphaUcPeriod"/>
+            </a:pPr>
+            <a:r>
+              <a:rPr lang="en-GB" b="1" dirty="0">
+                <a:solidFill>
+                  <a:srgbClr val="00B050"/>
+                </a:solidFill>
+              </a:rPr>
+              <a:t>The visibility of a variable only depends on its position in the source code</a:t>
+            </a:r>
+          </a:p>
+          <a:p>
+            <a:pPr marL="514350" indent="-514350">
+              <a:buFont typeface="+mj-lt"/>
+              <a:buAutoNum type="alphaUcPeriod"/>
+            </a:pPr>
+            <a:r>
+              <a:rPr lang="en-GB" dirty="0"/>
+              <a:t>The visibility of a variable depends on the call history of functions</a:t>
+            </a:r>
+          </a:p>
+          <a:p>
+            <a:pPr marL="514350" indent="-514350">
+              <a:buFont typeface="+mj-lt"/>
+              <a:buAutoNum type="alphaUcPeriod"/>
+            </a:pPr>
+            <a:r>
+              <a:rPr lang="en-GB" dirty="0"/>
+              <a:t>The visibility of a variable depends on the order of function calls at runtime</a:t>
+            </a:r>
+          </a:p>
+          <a:p>
+            <a:pPr marL="514350" indent="-514350">
+              <a:buFont typeface="+mj-lt"/>
+              <a:buAutoNum type="alphaUcPeriod"/>
+            </a:pPr>
+            <a:r>
+              <a:rPr lang="en-GB" dirty="0"/>
+              <a:t>The visibility of a variable depends on the values assigned to it</a:t>
+            </a:r>
+          </a:p>
+        </p:txBody>
+      </p:sp>
+    </p:spTree>
+    <p:extLst>
+      <p:ext uri="{BB962C8B-B14F-4D97-AF65-F5344CB8AC3E}">
+        <p14:creationId xmlns:p14="http://schemas.microsoft.com/office/powerpoint/2010/main" val="1440961781"/>
+      </p:ext>
+    </p:extLst>
+  </p:cSld>
+  <p:clrMapOvr>
+    <a:masterClrMapping/>
+  </p:clrMapOvr>
+</p:sld>
+</file>
+
+<file path=ppt/slides/slide71.xml><?xml version="1.0" encoding="utf-8"?>
+<p:sld xmlns:a="http://schemas.openxmlformats.org/drawingml/2006/main" xmlns:r="http://schemas.openxmlformats.org/officeDocument/2006/relationships" xmlns:p="http://schemas.openxmlformats.org/presentationml/2006/main">
+  <p:cSld>
+    <p:spTree>
+      <p:nvGrpSpPr>
+        <p:cNvPr id="1" name=""/>
+        <p:cNvGrpSpPr/>
+        <p:nvPr/>
+      </p:nvGrpSpPr>
+      <p:grpSpPr>
+        <a:xfrm>
+          <a:off x="0" y="0"/>
+          <a:ext cx="0" cy="0"/>
+          <a:chOff x="0" y="0"/>
+          <a:chExt cx="0" cy="0"/>
+        </a:xfrm>
+      </p:grpSpPr>
+      <p:sp>
+        <p:nvSpPr>
+          <p:cNvPr id="2" name="Title 1">
+            <a:extLst>
+              <a:ext uri="{FF2B5EF4-FFF2-40B4-BE49-F238E27FC236}">
+                <a16:creationId xmlns:a16="http://schemas.microsoft.com/office/drawing/2014/main" id="{3DBBD919-B3EE-2B5E-1C55-55CBFA659FAD}"/>
+              </a:ext>
+            </a:extLst>
+          </p:cNvPr>
+          <p:cNvSpPr>
+            <a:spLocks noGrp="1"/>
+          </p:cNvSpPr>
+          <p:nvPr>
+            <p:ph type="title"/>
+          </p:nvPr>
+        </p:nvSpPr>
+        <p:spPr/>
+        <p:txBody>
+          <a:bodyPr/>
+          <a:lstStyle/>
+          <a:p>
+            <a:r>
+              <a:rPr lang="en-GB" dirty="0"/>
+              <a:t>Quiz time!</a:t>
+            </a:r>
+            <a:endParaRPr lang="en-SG" dirty="0"/>
+          </a:p>
+        </p:txBody>
+      </p:sp>
+      <p:sp>
+        <p:nvSpPr>
+          <p:cNvPr id="3" name="Content Placeholder 2">
+            <a:extLst>
+              <a:ext uri="{FF2B5EF4-FFF2-40B4-BE49-F238E27FC236}">
+                <a16:creationId xmlns:a16="http://schemas.microsoft.com/office/drawing/2014/main" id="{4052BC05-5474-3908-CD6A-BA44633AA2A4}"/>
+              </a:ext>
+            </a:extLst>
+          </p:cNvPr>
+          <p:cNvSpPr>
+            <a:spLocks noGrp="1"/>
+          </p:cNvSpPr>
+          <p:nvPr>
+            <p:ph idx="1"/>
+          </p:nvPr>
+        </p:nvSpPr>
+        <p:spPr/>
+        <p:txBody>
+          <a:bodyPr/>
+          <a:lstStyle/>
+          <a:p>
+            <a:pPr marL="0" indent="0">
+              <a:buNone/>
+            </a:pPr>
+            <a:r>
+              <a:rPr lang="en-GB" b="1" dirty="0"/>
+              <a:t>In a compiler that uses syntax-directed translation, what is the purpose of the SDT instructions?</a:t>
+            </a:r>
+          </a:p>
+          <a:p>
+            <a:pPr marL="514350" indent="-514350">
+              <a:buFont typeface="+mj-lt"/>
+              <a:buAutoNum type="alphaUcPeriod"/>
+            </a:pPr>
+            <a:r>
+              <a:rPr lang="en-GB" dirty="0"/>
+              <a:t>To perform lexical analysis</a:t>
+            </a:r>
+          </a:p>
+          <a:p>
+            <a:pPr marL="514350" indent="-514350">
+              <a:buFont typeface="+mj-lt"/>
+              <a:buAutoNum type="alphaUcPeriod"/>
+            </a:pPr>
+            <a:r>
+              <a:rPr lang="en-GB" dirty="0"/>
+              <a:t>To create a parse tree</a:t>
+            </a:r>
+          </a:p>
+          <a:p>
+            <a:pPr marL="514350" indent="-514350">
+              <a:buFont typeface="+mj-lt"/>
+              <a:buAutoNum type="alphaUcPeriod"/>
+            </a:pPr>
+            <a:r>
+              <a:rPr lang="en-GB" dirty="0"/>
+              <a:t>To replace each production rule used in a derivation with intermediate code instructions</a:t>
+            </a:r>
+          </a:p>
+          <a:p>
+            <a:pPr marL="514350" indent="-514350">
+              <a:buFont typeface="+mj-lt"/>
+              <a:buAutoNum type="alphaUcPeriod"/>
+            </a:pPr>
+            <a:r>
+              <a:rPr lang="en-GB" dirty="0"/>
+              <a:t>To let us know how to update the symbol table</a:t>
+            </a:r>
+          </a:p>
+          <a:p>
+            <a:pPr marL="514350" indent="-514350">
+              <a:buFont typeface="+mj-lt"/>
+              <a:buAutoNum type="alphaUcPeriod"/>
+            </a:pPr>
+            <a:r>
+              <a:rPr lang="en-GB" dirty="0"/>
+              <a:t>To convert intermediate code to machine code</a:t>
+            </a:r>
+          </a:p>
+          <a:p>
+            <a:endParaRPr lang="en-SG" dirty="0"/>
+          </a:p>
+        </p:txBody>
+      </p:sp>
+    </p:spTree>
+    <p:extLst>
+      <p:ext uri="{BB962C8B-B14F-4D97-AF65-F5344CB8AC3E}">
+        <p14:creationId xmlns:p14="http://schemas.microsoft.com/office/powerpoint/2010/main" val="916796518"/>
+      </p:ext>
+    </p:extLst>
+  </p:cSld>
+  <p:clrMapOvr>
+    <a:masterClrMapping/>
+  </p:clrMapOvr>
+</p:sld>
+</file>
+
+<file path=ppt/slides/slide72.xml><?xml version="1.0" encoding="utf-8"?>
+<p:sld xmlns:a="http://schemas.openxmlformats.org/drawingml/2006/main" xmlns:r="http://schemas.openxmlformats.org/officeDocument/2006/relationships" xmlns:p="http://schemas.openxmlformats.org/presentationml/2006/main">
+  <p:cSld>
+    <p:spTree>
+      <p:nvGrpSpPr>
+        <p:cNvPr id="1" name=""/>
+        <p:cNvGrpSpPr/>
+        <p:nvPr/>
+      </p:nvGrpSpPr>
+      <p:grpSpPr>
+        <a:xfrm>
+          <a:off x="0" y="0"/>
+          <a:ext cx="0" cy="0"/>
+          <a:chOff x="0" y="0"/>
+          <a:chExt cx="0" cy="0"/>
+        </a:xfrm>
+      </p:grpSpPr>
+      <p:sp>
+        <p:nvSpPr>
+          <p:cNvPr id="2" name="Title 1">
+            <a:extLst>
+              <a:ext uri="{FF2B5EF4-FFF2-40B4-BE49-F238E27FC236}">
+                <a16:creationId xmlns:a16="http://schemas.microsoft.com/office/drawing/2014/main" id="{3DBBD919-B3EE-2B5E-1C55-55CBFA659FAD}"/>
+              </a:ext>
+            </a:extLst>
+          </p:cNvPr>
+          <p:cNvSpPr>
+            <a:spLocks noGrp="1"/>
+          </p:cNvSpPr>
+          <p:nvPr>
+            <p:ph type="title"/>
+          </p:nvPr>
+        </p:nvSpPr>
+        <p:spPr/>
+        <p:txBody>
+          <a:bodyPr/>
+          <a:lstStyle/>
+          <a:p>
+            <a:r>
+              <a:rPr lang="en-GB" dirty="0"/>
+              <a:t>Quiz time!</a:t>
+            </a:r>
+            <a:endParaRPr lang="en-SG" dirty="0"/>
+          </a:p>
+        </p:txBody>
+      </p:sp>
+      <p:sp>
+        <p:nvSpPr>
+          <p:cNvPr id="3" name="Content Placeholder 2">
+            <a:extLst>
+              <a:ext uri="{FF2B5EF4-FFF2-40B4-BE49-F238E27FC236}">
+                <a16:creationId xmlns:a16="http://schemas.microsoft.com/office/drawing/2014/main" id="{4052BC05-5474-3908-CD6A-BA44633AA2A4}"/>
+              </a:ext>
+            </a:extLst>
+          </p:cNvPr>
+          <p:cNvSpPr>
+            <a:spLocks noGrp="1"/>
+          </p:cNvSpPr>
+          <p:nvPr>
+            <p:ph idx="1"/>
+          </p:nvPr>
+        </p:nvSpPr>
+        <p:spPr/>
+        <p:txBody>
+          <a:bodyPr/>
+          <a:lstStyle/>
+          <a:p>
+            <a:pPr marL="0" indent="0">
+              <a:buNone/>
+            </a:pPr>
+            <a:r>
+              <a:rPr lang="en-GB" b="1" dirty="0"/>
+              <a:t>In a compiler that uses syntax-directed translation, what is the purpose of the SDT instructions?</a:t>
+            </a:r>
+          </a:p>
+          <a:p>
+            <a:pPr marL="514350" indent="-514350">
+              <a:buFont typeface="+mj-lt"/>
+              <a:buAutoNum type="alphaUcPeriod"/>
+            </a:pPr>
+            <a:r>
+              <a:rPr lang="en-GB" dirty="0"/>
+              <a:t>To perform lexical analysis</a:t>
+            </a:r>
+          </a:p>
+          <a:p>
+            <a:pPr marL="514350" indent="-514350">
+              <a:buFont typeface="+mj-lt"/>
+              <a:buAutoNum type="alphaUcPeriod"/>
+            </a:pPr>
+            <a:r>
+              <a:rPr lang="en-GB" dirty="0"/>
+              <a:t>To create a parse tree</a:t>
+            </a:r>
+          </a:p>
+          <a:p>
+            <a:pPr marL="514350" indent="-514350">
+              <a:buFont typeface="+mj-lt"/>
+              <a:buAutoNum type="alphaUcPeriod"/>
+            </a:pPr>
+            <a:r>
+              <a:rPr lang="en-GB" b="1" dirty="0">
+                <a:solidFill>
+                  <a:srgbClr val="00B050"/>
+                </a:solidFill>
+              </a:rPr>
+              <a:t>To replace each production rule used in a derivation with intermediate code instructions</a:t>
+            </a:r>
+          </a:p>
+          <a:p>
+            <a:pPr marL="514350" indent="-514350">
+              <a:buFont typeface="+mj-lt"/>
+              <a:buAutoNum type="alphaUcPeriod"/>
+            </a:pPr>
+            <a:r>
+              <a:rPr lang="en-GB" b="1" dirty="0">
+                <a:solidFill>
+                  <a:srgbClr val="00B050"/>
+                </a:solidFill>
+              </a:rPr>
+              <a:t>To let us know how to update the symbol table</a:t>
+            </a:r>
+          </a:p>
+          <a:p>
+            <a:pPr marL="514350" indent="-514350">
+              <a:buFont typeface="+mj-lt"/>
+              <a:buAutoNum type="alphaUcPeriod"/>
+            </a:pPr>
+            <a:r>
+              <a:rPr lang="en-GB" dirty="0"/>
+              <a:t>To convert intermediate code to machine code</a:t>
+            </a:r>
+          </a:p>
+          <a:p>
+            <a:endParaRPr lang="en-SG" dirty="0"/>
+          </a:p>
+        </p:txBody>
+      </p:sp>
+    </p:spTree>
+    <p:extLst>
+      <p:ext uri="{BB962C8B-B14F-4D97-AF65-F5344CB8AC3E}">
+        <p14:creationId xmlns:p14="http://schemas.microsoft.com/office/powerpoint/2010/main" val="963538908"/>
+      </p:ext>
+    </p:extLst>
+  </p:cSld>
+  <p:clrMapOvr>
+    <a:masterClrMapping/>
+  </p:clrMapOvr>
+</p:sld>
+</file>
+
+<file path=ppt/slides/slide73.xml><?xml version="1.0" encoding="utf-8"?>
+<p:sld xmlns:a="http://schemas.openxmlformats.org/drawingml/2006/main" xmlns:r="http://schemas.openxmlformats.org/officeDocument/2006/relationships" xmlns:p="http://schemas.openxmlformats.org/presentationml/2006/main">
+  <p:cSld>
+    <p:spTree>
+      <p:nvGrpSpPr>
+        <p:cNvPr id="1" name=""/>
+        <p:cNvGrpSpPr/>
+        <p:nvPr/>
+      </p:nvGrpSpPr>
+      <p:grpSpPr>
+        <a:xfrm>
+          <a:off x="0" y="0"/>
+          <a:ext cx="0" cy="0"/>
+          <a:chOff x="0" y="0"/>
+          <a:chExt cx="0" cy="0"/>
+        </a:xfrm>
+      </p:grpSpPr>
+      <p:sp>
+        <p:nvSpPr>
+          <p:cNvPr id="2" name="Title 1">
+            <a:extLst>
+              <a:ext uri="{FF2B5EF4-FFF2-40B4-BE49-F238E27FC236}">
+                <a16:creationId xmlns:a16="http://schemas.microsoft.com/office/drawing/2014/main" id="{EF99FE66-C5A5-DEE3-A08F-ADDC01E9443F}"/>
+              </a:ext>
+            </a:extLst>
+          </p:cNvPr>
+          <p:cNvSpPr>
+            <a:spLocks noGrp="1"/>
+          </p:cNvSpPr>
+          <p:nvPr>
+            <p:ph type="title"/>
+          </p:nvPr>
+        </p:nvSpPr>
+        <p:spPr/>
+        <p:txBody>
+          <a:bodyPr/>
+          <a:lstStyle/>
+          <a:p>
+            <a:r>
+              <a:rPr lang="en-GB" dirty="0"/>
+              <a:t>Quiz time!</a:t>
+            </a:r>
+            <a:endParaRPr lang="en-SG" dirty="0"/>
+          </a:p>
+        </p:txBody>
+      </p:sp>
+      <p:sp>
+        <p:nvSpPr>
+          <p:cNvPr id="5" name="Content Placeholder 4">
+            <a:extLst>
+              <a:ext uri="{FF2B5EF4-FFF2-40B4-BE49-F238E27FC236}">
+                <a16:creationId xmlns:a16="http://schemas.microsoft.com/office/drawing/2014/main" id="{E67CE1F9-7F50-BC69-47F7-8C24288ADA54}"/>
+              </a:ext>
+            </a:extLst>
+          </p:cNvPr>
+          <p:cNvSpPr>
+            <a:spLocks noGrp="1"/>
+          </p:cNvSpPr>
+          <p:nvPr>
+            <p:ph idx="1"/>
+          </p:nvPr>
+        </p:nvSpPr>
+        <p:spPr/>
+        <p:txBody>
+          <a:bodyPr/>
+          <a:lstStyle/>
+          <a:p>
+            <a:pPr marL="0" indent="0">
+              <a:buNone/>
+            </a:pPr>
+            <a:r>
+              <a:rPr lang="en-GB" b="1" dirty="0"/>
+              <a:t>In a compiler, what is the purpose of a "spaghetti stack"?</a:t>
+            </a:r>
+          </a:p>
+          <a:p>
+            <a:pPr marL="514350" indent="-514350">
+              <a:buFont typeface="+mj-lt"/>
+              <a:buAutoNum type="alphaUcPeriod"/>
+            </a:pPr>
+            <a:r>
+              <a:rPr lang="en-GB" dirty="0"/>
+              <a:t>To optimize memory usage during parsing</a:t>
+            </a:r>
+          </a:p>
+          <a:p>
+            <a:pPr marL="514350" indent="-514350">
+              <a:buFont typeface="+mj-lt"/>
+              <a:buAutoNum type="alphaUcPeriod"/>
+            </a:pPr>
+            <a:r>
+              <a:rPr lang="en-GB" dirty="0"/>
+              <a:t>To store the parse tree during syntax analysis</a:t>
+            </a:r>
+          </a:p>
+          <a:p>
+            <a:pPr marL="514350" indent="-514350">
+              <a:buFont typeface="+mj-lt"/>
+              <a:buAutoNum type="alphaUcPeriod"/>
+            </a:pPr>
+            <a:r>
+              <a:rPr lang="en-GB" dirty="0"/>
+              <a:t>To maintain the symbol table as a linked structure of scopes</a:t>
+            </a:r>
+          </a:p>
+          <a:p>
+            <a:pPr marL="514350" indent="-514350">
+              <a:buFont typeface="+mj-lt"/>
+              <a:buAutoNum type="alphaUcPeriod"/>
+            </a:pPr>
+            <a:r>
+              <a:rPr lang="en-GB" dirty="0"/>
+              <a:t>To generate machine code for the target architecture</a:t>
+            </a:r>
+          </a:p>
+        </p:txBody>
+      </p:sp>
+    </p:spTree>
+    <p:extLst>
+      <p:ext uri="{BB962C8B-B14F-4D97-AF65-F5344CB8AC3E}">
+        <p14:creationId xmlns:p14="http://schemas.microsoft.com/office/powerpoint/2010/main" val="3504450823"/>
+      </p:ext>
+    </p:extLst>
+  </p:cSld>
+  <p:clrMapOvr>
+    <a:masterClrMapping/>
+  </p:clrMapOvr>
+</p:sld>
+</file>
+
+<file path=ppt/slides/slide74.xml><?xml version="1.0" encoding="utf-8"?>
+<p:sld xmlns:a="http://schemas.openxmlformats.org/drawingml/2006/main" xmlns:r="http://schemas.openxmlformats.org/officeDocument/2006/relationships" xmlns:p="http://schemas.openxmlformats.org/presentationml/2006/main">
+  <p:cSld>
+    <p:spTree>
+      <p:nvGrpSpPr>
+        <p:cNvPr id="1" name=""/>
+        <p:cNvGrpSpPr/>
+        <p:nvPr/>
+      </p:nvGrpSpPr>
+      <p:grpSpPr>
+        <a:xfrm>
+          <a:off x="0" y="0"/>
+          <a:ext cx="0" cy="0"/>
+          <a:chOff x="0" y="0"/>
+          <a:chExt cx="0" cy="0"/>
+        </a:xfrm>
+      </p:grpSpPr>
+      <p:sp>
+        <p:nvSpPr>
+          <p:cNvPr id="2" name="Title 1">
+            <a:extLst>
+              <a:ext uri="{FF2B5EF4-FFF2-40B4-BE49-F238E27FC236}">
+                <a16:creationId xmlns:a16="http://schemas.microsoft.com/office/drawing/2014/main" id="{EF99FE66-C5A5-DEE3-A08F-ADDC01E9443F}"/>
+              </a:ext>
+            </a:extLst>
+          </p:cNvPr>
+          <p:cNvSpPr>
+            <a:spLocks noGrp="1"/>
+          </p:cNvSpPr>
+          <p:nvPr>
+            <p:ph type="title"/>
+          </p:nvPr>
+        </p:nvSpPr>
+        <p:spPr/>
+        <p:txBody>
+          <a:bodyPr/>
+          <a:lstStyle/>
+          <a:p>
+            <a:r>
+              <a:rPr lang="en-GB" dirty="0"/>
+              <a:t>Quiz time!</a:t>
+            </a:r>
+            <a:endParaRPr lang="en-SG" dirty="0"/>
+          </a:p>
+        </p:txBody>
+      </p:sp>
+      <p:sp>
+        <p:nvSpPr>
+          <p:cNvPr id="5" name="Content Placeholder 4">
+            <a:extLst>
+              <a:ext uri="{FF2B5EF4-FFF2-40B4-BE49-F238E27FC236}">
+                <a16:creationId xmlns:a16="http://schemas.microsoft.com/office/drawing/2014/main" id="{E67CE1F9-7F50-BC69-47F7-8C24288ADA54}"/>
+              </a:ext>
+            </a:extLst>
+          </p:cNvPr>
+          <p:cNvSpPr>
+            <a:spLocks noGrp="1"/>
+          </p:cNvSpPr>
+          <p:nvPr>
+            <p:ph idx="1"/>
+          </p:nvPr>
+        </p:nvSpPr>
+        <p:spPr/>
+        <p:txBody>
+          <a:bodyPr/>
+          <a:lstStyle/>
+          <a:p>
+            <a:pPr marL="0" indent="0">
+              <a:buNone/>
+            </a:pPr>
+            <a:r>
+              <a:rPr lang="en-GB" b="1" dirty="0"/>
+              <a:t>In a compiler, what is the purpose of a "spaghetti stack"?</a:t>
+            </a:r>
+          </a:p>
+          <a:p>
+            <a:pPr marL="514350" indent="-514350">
+              <a:buFont typeface="+mj-lt"/>
+              <a:buAutoNum type="alphaUcPeriod"/>
+            </a:pPr>
+            <a:r>
+              <a:rPr lang="en-GB" dirty="0"/>
+              <a:t>To optimize memory usage during parsing</a:t>
+            </a:r>
+          </a:p>
+          <a:p>
+            <a:pPr marL="514350" indent="-514350">
+              <a:buFont typeface="+mj-lt"/>
+              <a:buAutoNum type="alphaUcPeriod"/>
+            </a:pPr>
+            <a:r>
+              <a:rPr lang="en-GB" dirty="0"/>
+              <a:t>To store the parse tree during syntax analysis</a:t>
+            </a:r>
+          </a:p>
+          <a:p>
+            <a:pPr marL="514350" indent="-514350">
+              <a:buFont typeface="+mj-lt"/>
+              <a:buAutoNum type="alphaUcPeriod"/>
+            </a:pPr>
+            <a:r>
+              <a:rPr lang="en-GB" b="1" dirty="0">
+                <a:solidFill>
+                  <a:srgbClr val="00B050"/>
+                </a:solidFill>
+              </a:rPr>
+              <a:t>To maintain the symbol table as a linked structure of scopes</a:t>
+            </a:r>
+          </a:p>
+          <a:p>
+            <a:pPr marL="514350" indent="-514350">
+              <a:buFont typeface="+mj-lt"/>
+              <a:buAutoNum type="alphaUcPeriod"/>
+            </a:pPr>
+            <a:r>
+              <a:rPr lang="en-GB" dirty="0"/>
+              <a:t>To generate machine code for the target architecture</a:t>
+            </a:r>
+          </a:p>
+        </p:txBody>
+      </p:sp>
+    </p:spTree>
+    <p:extLst>
+      <p:ext uri="{BB962C8B-B14F-4D97-AF65-F5344CB8AC3E}">
+        <p14:creationId xmlns:p14="http://schemas.microsoft.com/office/powerpoint/2010/main" val="2562965798"/>
+      </p:ext>
+    </p:extLst>
+  </p:cSld>
+  <p:clrMapOvr>
+    <a:masterClrMapping/>
+  </p:clrMapOvr>
+</p:sld>
+</file>
+
+<file path=ppt/slides/slide75.xml><?xml version="1.0" encoding="utf-8"?>
+<p:sld xmlns:a="http://schemas.openxmlformats.org/drawingml/2006/main" xmlns:r="http://schemas.openxmlformats.org/officeDocument/2006/relationships" xmlns:p="http://schemas.openxmlformats.org/presentationml/2006/main">
+  <p:cSld>
+    <p:spTree>
+      <p:nvGrpSpPr>
+        <p:cNvPr id="1" name=""/>
+        <p:cNvGrpSpPr/>
+        <p:nvPr/>
+      </p:nvGrpSpPr>
+      <p:grpSpPr>
+        <a:xfrm>
+          <a:off x="0" y="0"/>
+          <a:ext cx="0" cy="0"/>
+          <a:chOff x="0" y="0"/>
+          <a:chExt cx="0" cy="0"/>
+        </a:xfrm>
+      </p:grpSpPr>
+      <p:sp>
+        <p:nvSpPr>
+          <p:cNvPr id="2" name="Title 1">
+            <a:extLst>
+              <a:ext uri="{FF2B5EF4-FFF2-40B4-BE49-F238E27FC236}">
+                <a16:creationId xmlns:a16="http://schemas.microsoft.com/office/drawing/2014/main" id="{D2ED57AE-B263-E49B-DB5B-2CC9C131A19E}"/>
+              </a:ext>
+            </a:extLst>
+          </p:cNvPr>
+          <p:cNvSpPr>
+            <a:spLocks noGrp="1"/>
+          </p:cNvSpPr>
+          <p:nvPr>
+            <p:ph type="title"/>
+          </p:nvPr>
+        </p:nvSpPr>
+        <p:spPr/>
+        <p:txBody>
+          <a:bodyPr/>
+          <a:lstStyle/>
+          <a:p>
+            <a:r>
+              <a:rPr lang="en-GB" dirty="0"/>
+              <a:t>Conclusion</a:t>
+            </a:r>
+            <a:endParaRPr lang="en-SG" dirty="0"/>
+          </a:p>
+        </p:txBody>
+      </p:sp>
+      <p:sp>
+        <p:nvSpPr>
+          <p:cNvPr id="5" name="Content Placeholder 4">
+            <a:extLst>
+              <a:ext uri="{FF2B5EF4-FFF2-40B4-BE49-F238E27FC236}">
+                <a16:creationId xmlns:a16="http://schemas.microsoft.com/office/drawing/2014/main" id="{B9B58FB4-947F-4021-96D8-E22A340CF060}"/>
+              </a:ext>
+            </a:extLst>
+          </p:cNvPr>
+          <p:cNvSpPr>
+            <a:spLocks noGrp="1"/>
+          </p:cNvSpPr>
+          <p:nvPr>
+            <p:ph idx="1"/>
+          </p:nvPr>
+        </p:nvSpPr>
+        <p:spPr>
+          <a:xfrm>
+            <a:off x="838200" y="1825624"/>
+            <a:ext cx="10515600" cy="5032375"/>
+          </a:xfrm>
+        </p:spPr>
+        <p:txBody>
+          <a:bodyPr>
+            <a:normAutofit/>
+          </a:bodyPr>
+          <a:lstStyle/>
+          <a:p>
+            <a:r>
+              <a:rPr lang="en-GB" b="1" dirty="0"/>
+              <a:t>Semantic analysis </a:t>
+            </a:r>
+            <a:r>
+              <a:rPr lang="en-GB" dirty="0"/>
+              <a:t>verifies that a syntactically valid program is correctly-formed and computes additional information about the </a:t>
+            </a:r>
+            <a:r>
+              <a:rPr lang="en-GB" b="1" dirty="0"/>
+              <a:t>meaning of the program</a:t>
+            </a:r>
+            <a:r>
+              <a:rPr lang="en-GB" dirty="0"/>
+              <a:t>.</a:t>
+            </a:r>
+          </a:p>
+          <a:p>
+            <a:r>
+              <a:rPr lang="en-GB" b="1" dirty="0"/>
+              <a:t>Scope checking </a:t>
+            </a:r>
+            <a:r>
+              <a:rPr lang="en-GB" dirty="0"/>
+              <a:t>determines what variables, functions or classes are referred to by each name in the program.</a:t>
+            </a:r>
+          </a:p>
+          <a:p>
+            <a:r>
+              <a:rPr lang="en-GB" dirty="0"/>
+              <a:t>Scope checking is usually done with a </a:t>
+            </a:r>
+            <a:r>
+              <a:rPr lang="en-GB" b="1" dirty="0"/>
+              <a:t>symbol table </a:t>
+            </a:r>
+            <a:r>
+              <a:rPr lang="en-GB" dirty="0"/>
+              <a:t>implemented either as a </a:t>
+            </a:r>
+            <a:r>
+              <a:rPr lang="en-GB" b="1" dirty="0"/>
+              <a:t>stack</a:t>
+            </a:r>
+            <a:r>
+              <a:rPr lang="en-GB" dirty="0"/>
+              <a:t> or </a:t>
+            </a:r>
+            <a:r>
+              <a:rPr lang="en-GB" b="1" dirty="0"/>
+              <a:t>spaghetti stack</a:t>
+            </a:r>
+            <a:r>
+              <a:rPr lang="en-GB" dirty="0"/>
+              <a:t>.</a:t>
+            </a:r>
+          </a:p>
+          <a:p>
+            <a:r>
+              <a:rPr lang="en-GB" dirty="0"/>
+              <a:t>Simple semantic analysers will operate in a </a:t>
+            </a:r>
+            <a:r>
+              <a:rPr lang="en-GB" b="1" dirty="0"/>
+              <a:t>single pass</a:t>
+            </a:r>
+            <a:r>
+              <a:rPr lang="en-GB" dirty="0"/>
+              <a:t>, while some semantic analysers operate in </a:t>
+            </a:r>
+            <a:r>
+              <a:rPr lang="en-GB" b="1" dirty="0"/>
+              <a:t>multiple passes </a:t>
+            </a:r>
+            <a:r>
+              <a:rPr lang="en-GB" dirty="0"/>
+              <a:t>in order to gain more information about the program.</a:t>
+            </a:r>
+            <a:endParaRPr lang="en-SG" dirty="0"/>
+          </a:p>
+        </p:txBody>
+      </p:sp>
+    </p:spTree>
+    <p:extLst>
+      <p:ext uri="{BB962C8B-B14F-4D97-AF65-F5344CB8AC3E}">
+        <p14:creationId xmlns:p14="http://schemas.microsoft.com/office/powerpoint/2010/main" val="2190983940"/>
+      </p:ext>
+    </p:extLst>
+  </p:cSld>
+  <p:clrMapOvr>
+    <a:masterClrMapping/>
+  </p:clrMapOvr>
+</p:sld>
+</file>
+
 <file path=ppt/slides/slide8.xml><?xml version="1.0" encoding="utf-8"?>
 <p:sld xmlns:a="http://schemas.openxmlformats.org/drawingml/2006/main" xmlns:r="http://schemas.openxmlformats.org/officeDocument/2006/relationships" xmlns:p="http://schemas.openxmlformats.org/presentationml/2006/main">
   <p:cSld>
@@ -36826,13 +38807,7 @@
             </a:pPr>
             <a:r>
               <a:rPr lang="en-GB" b="1" dirty="0"/>
-              <a:t>And more problems!</a:t>
-            </a:r>
-          </a:p>
-          <a:p>
-            <a:r>
-              <a:rPr lang="en-GB" dirty="0"/>
-              <a:t>A break is used outside of a given loop.</a:t>
+              <a:t>And more problems that have to do with classes!</a:t>
             </a:r>
           </a:p>
           <a:p>
@@ -36845,6 +38820,12 @@
             <a:r>
               <a:rPr lang="en-GB" dirty="0"/>
               <a:t>A child class attempts to use a method that was neither defined in the child class itself, nor the parent class it inherited from.</a:t>
+            </a:r>
+          </a:p>
+          <a:p>
+            <a:r>
+              <a:rPr lang="en-GB" dirty="0"/>
+              <a:t>Operators on custom classes being used incorrectly.</a:t>
             </a:r>
           </a:p>
           <a:p>
@@ -37038,7 +39019,7 @@
           <a:p>
             <a:r>
               <a:rPr lang="en-GB" dirty="0"/>
-              <a:t>Depends on values, not syntax.</a:t>
+              <a:t>Often depends on values and context, not syntax.</a:t>
             </a:r>
           </a:p>
           <a:p>
@@ -37063,7 +39044,7 @@
             </a:r>
             <a:r>
               <a:rPr lang="en-GB" b="1" dirty="0"/>
-              <a:t>define semantic rules for scoping</a:t>
+              <a:t>define a set of semantic rules for scoping</a:t>
             </a:r>
             <a:r>
               <a:rPr lang="en-GB" dirty="0"/>
@@ -37103,7 +39084,7 @@
           <a:p>
             <a:r>
               <a:rPr lang="en-GB" dirty="0"/>
-              <a:t> Checks will be implemented in the form of “if-else” checks.</a:t>
+              <a:t> These checks will be implemented in the form of “if-else” checks.</a:t>
             </a:r>
             <a:endParaRPr lang="en-SG" dirty="0"/>
           </a:p>

--- a/W12/W12S1/W12S1.pptx
+++ b/W12/W12S1/W12S1.pptx
@@ -339,7 +339,7 @@
   <pc:docChgLst>
     <pc:chgData name="Matthieu De Mari" userId="dfb708c9-d8dc-439f-9a3b-c772bf4a311c" providerId="ADAL" clId="{CF552409-A127-4E9A-B700-AB4BACA41190}"/>
     <pc:docChg chg="undo custSel addSld delSld modSld sldOrd addSection modSection">
-      <pc:chgData name="Matthieu De Mari" userId="dfb708c9-d8dc-439f-9a3b-c772bf4a311c" providerId="ADAL" clId="{CF552409-A127-4E9A-B700-AB4BACA41190}" dt="2023-04-11T05:53:22.998" v="10884" actId="20577"/>
+      <pc:chgData name="Matthieu De Mari" userId="dfb708c9-d8dc-439f-9a3b-c772bf4a311c" providerId="ADAL" clId="{CF552409-A127-4E9A-B700-AB4BACA41190}" dt="2023-04-12T01:48:44.069" v="11063" actId="20577"/>
       <pc:docMkLst>
         <pc:docMk/>
       </pc:docMkLst>
@@ -1220,7 +1220,7 @@
         </pc:spChg>
       </pc:sldChg>
       <pc:sldChg chg="addSp modSp add mod ord">
-        <pc:chgData name="Matthieu De Mari" userId="dfb708c9-d8dc-439f-9a3b-c772bf4a311c" providerId="ADAL" clId="{CF552409-A127-4E9A-B700-AB4BACA41190}" dt="2023-04-10T07:31:17.345" v="6230" actId="20577"/>
+        <pc:chgData name="Matthieu De Mari" userId="dfb708c9-d8dc-439f-9a3b-c772bf4a311c" providerId="ADAL" clId="{CF552409-A127-4E9A-B700-AB4BACA41190}" dt="2023-04-11T10:40:37.287" v="10953" actId="20577"/>
         <pc:sldMkLst>
           <pc:docMk/>
           <pc:sldMk cId="2035935287" sldId="504"/>
@@ -1233,9 +1233,17 @@
             <ac:spMk id="3" creationId="{F1625517-E60B-C3D7-B47C-A2CABFF4E9D1}"/>
           </ac:spMkLst>
         </pc:spChg>
+        <pc:spChg chg="mod">
+          <ac:chgData name="Matthieu De Mari" userId="dfb708c9-d8dc-439f-9a3b-c772bf4a311c" providerId="ADAL" clId="{CF552409-A127-4E9A-B700-AB4BACA41190}" dt="2023-04-11T10:40:37.287" v="10953" actId="20577"/>
+          <ac:spMkLst>
+            <pc:docMk/>
+            <pc:sldMk cId="2035935287" sldId="504"/>
+            <ac:spMk id="10" creationId="{10DF647A-CA89-CFBF-D7B2-71B571D015EC}"/>
+          </ac:spMkLst>
+        </pc:spChg>
       </pc:sldChg>
       <pc:sldChg chg="addSp modSp add mod">
-        <pc:chgData name="Matthieu De Mari" userId="dfb708c9-d8dc-439f-9a3b-c772bf4a311c" providerId="ADAL" clId="{CF552409-A127-4E9A-B700-AB4BACA41190}" dt="2023-04-10T07:32:38.239" v="6410"/>
+        <pc:chgData name="Matthieu De Mari" userId="dfb708c9-d8dc-439f-9a3b-c772bf4a311c" providerId="ADAL" clId="{CF552409-A127-4E9A-B700-AB4BACA41190}" dt="2023-04-12T01:47:25.025" v="10962" actId="20577"/>
         <pc:sldMkLst>
           <pc:docMk/>
           <pc:sldMk cId="2891395927" sldId="505"/>
@@ -1265,7 +1273,7 @@
           </ac:spMkLst>
         </pc:spChg>
         <pc:spChg chg="mod">
-          <ac:chgData name="Matthieu De Mari" userId="dfb708c9-d8dc-439f-9a3b-c772bf4a311c" providerId="ADAL" clId="{CF552409-A127-4E9A-B700-AB4BACA41190}" dt="2023-04-10T07:32:38.239" v="6410"/>
+          <ac:chgData name="Matthieu De Mari" userId="dfb708c9-d8dc-439f-9a3b-c772bf4a311c" providerId="ADAL" clId="{CF552409-A127-4E9A-B700-AB4BACA41190}" dt="2023-04-12T01:47:25.025" v="10962" actId="20577"/>
           <ac:spMkLst>
             <pc:docMk/>
             <pc:sldMk cId="2891395927" sldId="505"/>
@@ -1274,7 +1282,7 @@
         </pc:spChg>
       </pc:sldChg>
       <pc:sldChg chg="addSp modSp add mod ord">
-        <pc:chgData name="Matthieu De Mari" userId="dfb708c9-d8dc-439f-9a3b-c772bf4a311c" providerId="ADAL" clId="{CF552409-A127-4E9A-B700-AB4BACA41190}" dt="2023-04-10T07:32:40.826" v="6411"/>
+        <pc:chgData name="Matthieu De Mari" userId="dfb708c9-d8dc-439f-9a3b-c772bf4a311c" providerId="ADAL" clId="{CF552409-A127-4E9A-B700-AB4BACA41190}" dt="2023-04-12T01:47:18.681" v="10956" actId="20577"/>
         <pc:sldMkLst>
           <pc:docMk/>
           <pc:sldMk cId="3337652519" sldId="506"/>
@@ -1304,7 +1312,7 @@
           </ac:spMkLst>
         </pc:spChg>
         <pc:spChg chg="mod">
-          <ac:chgData name="Matthieu De Mari" userId="dfb708c9-d8dc-439f-9a3b-c772bf4a311c" providerId="ADAL" clId="{CF552409-A127-4E9A-B700-AB4BACA41190}" dt="2023-04-10T07:32:40.826" v="6411"/>
+          <ac:chgData name="Matthieu De Mari" userId="dfb708c9-d8dc-439f-9a3b-c772bf4a311c" providerId="ADAL" clId="{CF552409-A127-4E9A-B700-AB4BACA41190}" dt="2023-04-12T01:47:18.681" v="10956" actId="20577"/>
           <ac:spMkLst>
             <pc:docMk/>
             <pc:sldMk cId="3337652519" sldId="506"/>
@@ -1313,7 +1321,7 @@
         </pc:spChg>
       </pc:sldChg>
       <pc:sldChg chg="addSp modSp add mod">
-        <pc:chgData name="Matthieu De Mari" userId="dfb708c9-d8dc-439f-9a3b-c772bf4a311c" providerId="ADAL" clId="{CF552409-A127-4E9A-B700-AB4BACA41190}" dt="2023-04-10T07:33:44.932" v="6461" actId="27636"/>
+        <pc:chgData name="Matthieu De Mari" userId="dfb708c9-d8dc-439f-9a3b-c772bf4a311c" providerId="ADAL" clId="{CF552409-A127-4E9A-B700-AB4BACA41190}" dt="2023-04-12T01:47:32.388" v="10971" actId="20577"/>
         <pc:sldMkLst>
           <pc:docMk/>
           <pc:sldMk cId="2482738323" sldId="507"/>
@@ -1351,7 +1359,7 @@
           </ac:spMkLst>
         </pc:spChg>
         <pc:spChg chg="mod">
-          <ac:chgData name="Matthieu De Mari" userId="dfb708c9-d8dc-439f-9a3b-c772bf4a311c" providerId="ADAL" clId="{CF552409-A127-4E9A-B700-AB4BACA41190}" dt="2023-04-10T07:33:44.932" v="6461" actId="27636"/>
+          <ac:chgData name="Matthieu De Mari" userId="dfb708c9-d8dc-439f-9a3b-c772bf4a311c" providerId="ADAL" clId="{CF552409-A127-4E9A-B700-AB4BACA41190}" dt="2023-04-12T01:47:32.388" v="10971" actId="20577"/>
           <ac:spMkLst>
             <pc:docMk/>
             <pc:sldMk cId="2482738323" sldId="507"/>
@@ -1360,7 +1368,7 @@
         </pc:spChg>
       </pc:sldChg>
       <pc:sldChg chg="addSp modSp add mod">
-        <pc:chgData name="Matthieu De Mari" userId="dfb708c9-d8dc-439f-9a3b-c772bf4a311c" providerId="ADAL" clId="{CF552409-A127-4E9A-B700-AB4BACA41190}" dt="2023-04-10T07:34:53.348" v="6557" actId="20577"/>
+        <pc:chgData name="Matthieu De Mari" userId="dfb708c9-d8dc-439f-9a3b-c772bf4a311c" providerId="ADAL" clId="{CF552409-A127-4E9A-B700-AB4BACA41190}" dt="2023-04-12T01:47:55.963" v="10998" actId="27636"/>
         <pc:sldMkLst>
           <pc:docMk/>
           <pc:sldMk cId="436881398" sldId="508"/>
@@ -1374,7 +1382,7 @@
           </ac:spMkLst>
         </pc:spChg>
         <pc:spChg chg="mod">
-          <ac:chgData name="Matthieu De Mari" userId="dfb708c9-d8dc-439f-9a3b-c772bf4a311c" providerId="ADAL" clId="{CF552409-A127-4E9A-B700-AB4BACA41190}" dt="2023-04-10T07:34:23.967" v="6523" actId="27636"/>
+          <ac:chgData name="Matthieu De Mari" userId="dfb708c9-d8dc-439f-9a3b-c772bf4a311c" providerId="ADAL" clId="{CF552409-A127-4E9A-B700-AB4BACA41190}" dt="2023-04-12T01:47:55.960" v="10997" actId="27636"/>
           <ac:spMkLst>
             <pc:docMk/>
             <pc:sldMk cId="436881398" sldId="508"/>
@@ -1390,7 +1398,7 @@
           </ac:spMkLst>
         </pc:spChg>
         <pc:spChg chg="mod">
-          <ac:chgData name="Matthieu De Mari" userId="dfb708c9-d8dc-439f-9a3b-c772bf4a311c" providerId="ADAL" clId="{CF552409-A127-4E9A-B700-AB4BACA41190}" dt="2023-04-10T07:34:53.348" v="6557" actId="20577"/>
+          <ac:chgData name="Matthieu De Mari" userId="dfb708c9-d8dc-439f-9a3b-c772bf4a311c" providerId="ADAL" clId="{CF552409-A127-4E9A-B700-AB4BACA41190}" dt="2023-04-12T01:47:55.963" v="10998" actId="27636"/>
           <ac:spMkLst>
             <pc:docMk/>
             <pc:sldMk cId="436881398" sldId="508"/>
@@ -1406,7 +1414,7 @@
         </pc:sldMkLst>
       </pc:sldChg>
       <pc:sldChg chg="modSp add mod">
-        <pc:chgData name="Matthieu De Mari" userId="dfb708c9-d8dc-439f-9a3b-c772bf4a311c" providerId="ADAL" clId="{CF552409-A127-4E9A-B700-AB4BACA41190}" dt="2023-04-10T07:35:12.679" v="6583" actId="20577"/>
+        <pc:chgData name="Matthieu De Mari" userId="dfb708c9-d8dc-439f-9a3b-c772bf4a311c" providerId="ADAL" clId="{CF552409-A127-4E9A-B700-AB4BACA41190}" dt="2023-04-12T01:48:16.013" v="11023" actId="20577"/>
         <pc:sldMkLst>
           <pc:docMk/>
           <pc:sldMk cId="270939805" sldId="510"/>
@@ -1420,6 +1428,14 @@
           </ac:spMkLst>
         </pc:spChg>
         <pc:spChg chg="mod">
+          <ac:chgData name="Matthieu De Mari" userId="dfb708c9-d8dc-439f-9a3b-c772bf4a311c" providerId="ADAL" clId="{CF552409-A127-4E9A-B700-AB4BACA41190}" dt="2023-04-12T01:48:09.927" v="11013" actId="27636"/>
+          <ac:spMkLst>
+            <pc:docMk/>
+            <pc:sldMk cId="270939805" sldId="510"/>
+            <ac:spMk id="5" creationId="{B9BCF7C3-6DDD-A291-7A3C-FEEBFA4BDF34}"/>
+          </ac:spMkLst>
+        </pc:spChg>
+        <pc:spChg chg="mod">
           <ac:chgData name="Matthieu De Mari" userId="dfb708c9-d8dc-439f-9a3b-c772bf4a311c" providerId="ADAL" clId="{CF552409-A127-4E9A-B700-AB4BACA41190}" dt="2023-04-10T07:35:07.969" v="6582" actId="1036"/>
           <ac:spMkLst>
             <pc:docMk/>
@@ -1427,9 +1443,17 @@
             <ac:spMk id="9" creationId="{6C41EA8B-2357-6CEA-370B-1BC5870415F0}"/>
           </ac:spMkLst>
         </pc:spChg>
+        <pc:spChg chg="mod">
+          <ac:chgData name="Matthieu De Mari" userId="dfb708c9-d8dc-439f-9a3b-c772bf4a311c" providerId="ADAL" clId="{CF552409-A127-4E9A-B700-AB4BACA41190}" dt="2023-04-12T01:48:16.013" v="11023" actId="20577"/>
+          <ac:spMkLst>
+            <pc:docMk/>
+            <pc:sldMk cId="270939805" sldId="510"/>
+            <ac:spMk id="10" creationId="{10DF647A-CA89-CFBF-D7B2-71B571D015EC}"/>
+          </ac:spMkLst>
+        </pc:spChg>
       </pc:sldChg>
       <pc:sldChg chg="addSp modSp add mod">
-        <pc:chgData name="Matthieu De Mari" userId="dfb708c9-d8dc-439f-9a3b-c772bf4a311c" providerId="ADAL" clId="{CF552409-A127-4E9A-B700-AB4BACA41190}" dt="2023-04-10T07:36:40.851" v="6739"/>
+        <pc:chgData name="Matthieu De Mari" userId="dfb708c9-d8dc-439f-9a3b-c772bf4a311c" providerId="ADAL" clId="{CF552409-A127-4E9A-B700-AB4BACA41190}" dt="2023-04-12T01:48:29.040" v="11043" actId="20577"/>
         <pc:sldMkLst>
           <pc:docMk/>
           <pc:sldMk cId="798158365" sldId="511"/>
@@ -1458,9 +1482,17 @@
             <ac:spMk id="9" creationId="{6C41EA8B-2357-6CEA-370B-1BC5870415F0}"/>
           </ac:spMkLst>
         </pc:spChg>
+        <pc:spChg chg="mod">
+          <ac:chgData name="Matthieu De Mari" userId="dfb708c9-d8dc-439f-9a3b-c772bf4a311c" providerId="ADAL" clId="{CF552409-A127-4E9A-B700-AB4BACA41190}" dt="2023-04-12T01:48:29.040" v="11043" actId="20577"/>
+          <ac:spMkLst>
+            <pc:docMk/>
+            <pc:sldMk cId="798158365" sldId="511"/>
+            <ac:spMk id="10" creationId="{10DF647A-CA89-CFBF-D7B2-71B571D015EC}"/>
+          </ac:spMkLst>
+        </pc:spChg>
       </pc:sldChg>
       <pc:sldChg chg="addSp modSp add mod">
-        <pc:chgData name="Matthieu De Mari" userId="dfb708c9-d8dc-439f-9a3b-c772bf4a311c" providerId="ADAL" clId="{CF552409-A127-4E9A-B700-AB4BACA41190}" dt="2023-04-10T07:36:35.072" v="6738" actId="1076"/>
+        <pc:chgData name="Matthieu De Mari" userId="dfb708c9-d8dc-439f-9a3b-c772bf4a311c" providerId="ADAL" clId="{CF552409-A127-4E9A-B700-AB4BACA41190}" dt="2023-04-12T01:48:35.474" v="11053" actId="20577"/>
         <pc:sldMkLst>
           <pc:docMk/>
           <pc:sldMk cId="1753366962" sldId="512"/>
@@ -1482,7 +1514,7 @@
           </ac:spMkLst>
         </pc:spChg>
         <pc:spChg chg="mod">
-          <ac:chgData name="Matthieu De Mari" userId="dfb708c9-d8dc-439f-9a3b-c772bf4a311c" providerId="ADAL" clId="{CF552409-A127-4E9A-B700-AB4BACA41190}" dt="2023-04-10T07:36:20.803" v="6735" actId="20577"/>
+          <ac:chgData name="Matthieu De Mari" userId="dfb708c9-d8dc-439f-9a3b-c772bf4a311c" providerId="ADAL" clId="{CF552409-A127-4E9A-B700-AB4BACA41190}" dt="2023-04-12T01:48:35.474" v="11053" actId="20577"/>
           <ac:spMkLst>
             <pc:docMk/>
             <pc:sldMk cId="1753366962" sldId="512"/>
@@ -1514,7 +1546,7 @@
         </pc:spChg>
       </pc:sldChg>
       <pc:sldChg chg="modSp add mod">
-        <pc:chgData name="Matthieu De Mari" userId="dfb708c9-d8dc-439f-9a3b-c772bf4a311c" providerId="ADAL" clId="{CF552409-A127-4E9A-B700-AB4BACA41190}" dt="2023-04-10T07:37:29.366" v="6868" actId="20577"/>
+        <pc:chgData name="Matthieu De Mari" userId="dfb708c9-d8dc-439f-9a3b-c772bf4a311c" providerId="ADAL" clId="{CF552409-A127-4E9A-B700-AB4BACA41190}" dt="2023-04-12T01:48:44.069" v="11063" actId="20577"/>
         <pc:sldMkLst>
           <pc:docMk/>
           <pc:sldMk cId="4199409087" sldId="514"/>
@@ -1533,6 +1565,14 @@
             <pc:docMk/>
             <pc:sldMk cId="4199409087" sldId="514"/>
             <ac:spMk id="9" creationId="{6C41EA8B-2357-6CEA-370B-1BC5870415F0}"/>
+          </ac:spMkLst>
+        </pc:spChg>
+        <pc:spChg chg="mod">
+          <ac:chgData name="Matthieu De Mari" userId="dfb708c9-d8dc-439f-9a3b-c772bf4a311c" providerId="ADAL" clId="{CF552409-A127-4E9A-B700-AB4BACA41190}" dt="2023-04-12T01:48:44.069" v="11063" actId="20577"/>
+          <ac:spMkLst>
+            <pc:docMk/>
+            <pc:sldMk cId="4199409087" sldId="514"/>
+            <ac:spMk id="10" creationId="{10DF647A-CA89-CFBF-D7B2-71B571D015EC}"/>
           </ac:spMkLst>
         </pc:spChg>
       </pc:sldChg>
@@ -16326,7 +16366,7 @@
           <a:p>
             <a:fld id="{98CFC6A4-B085-437B-8084-693BEB2A32DE}" type="datetimeFigureOut">
               <a:rPr lang="en-SG" smtClean="0"/>
-              <a:t>11/4/2023</a:t>
+              <a:t>12/4/2023</a:t>
             </a:fld>
             <a:endParaRPr lang="en-SG"/>
           </a:p>
@@ -16743,7 +16783,7 @@
           <a:p>
             <a:fld id="{AB35F6B0-D468-4997-9CE3-CF2A1AE5E3F9}" type="datetimeFigureOut">
               <a:rPr lang="en-SG" smtClean="0"/>
-              <a:t>11/4/2023</a:t>
+              <a:t>12/4/2023</a:t>
             </a:fld>
             <a:endParaRPr lang="en-SG"/>
           </a:p>
@@ -16943,7 +16983,7 @@
           <a:p>
             <a:fld id="{AB35F6B0-D468-4997-9CE3-CF2A1AE5E3F9}" type="datetimeFigureOut">
               <a:rPr lang="en-SG" smtClean="0"/>
-              <a:t>11/4/2023</a:t>
+              <a:t>12/4/2023</a:t>
             </a:fld>
             <a:endParaRPr lang="en-SG"/>
           </a:p>
@@ -17153,7 +17193,7 @@
           <a:p>
             <a:fld id="{AB35F6B0-D468-4997-9CE3-CF2A1AE5E3F9}" type="datetimeFigureOut">
               <a:rPr lang="en-SG" smtClean="0"/>
-              <a:t>11/4/2023</a:t>
+              <a:t>12/4/2023</a:t>
             </a:fld>
             <a:endParaRPr lang="en-SG"/>
           </a:p>
@@ -17353,7 +17393,7 @@
           <a:p>
             <a:fld id="{AB35F6B0-D468-4997-9CE3-CF2A1AE5E3F9}" type="datetimeFigureOut">
               <a:rPr lang="en-SG" smtClean="0"/>
-              <a:t>11/4/2023</a:t>
+              <a:t>12/4/2023</a:t>
             </a:fld>
             <a:endParaRPr lang="en-SG"/>
           </a:p>
@@ -17629,7 +17669,7 @@
           <a:p>
             <a:fld id="{AB35F6B0-D468-4997-9CE3-CF2A1AE5E3F9}" type="datetimeFigureOut">
               <a:rPr lang="en-SG" smtClean="0"/>
-              <a:t>11/4/2023</a:t>
+              <a:t>12/4/2023</a:t>
             </a:fld>
             <a:endParaRPr lang="en-SG"/>
           </a:p>
@@ -17897,7 +17937,7 @@
           <a:p>
             <a:fld id="{AB35F6B0-D468-4997-9CE3-CF2A1AE5E3F9}" type="datetimeFigureOut">
               <a:rPr lang="en-SG" smtClean="0"/>
-              <a:t>11/4/2023</a:t>
+              <a:t>12/4/2023</a:t>
             </a:fld>
             <a:endParaRPr lang="en-SG"/>
           </a:p>
@@ -18312,7 +18352,7 @@
           <a:p>
             <a:fld id="{AB35F6B0-D468-4997-9CE3-CF2A1AE5E3F9}" type="datetimeFigureOut">
               <a:rPr lang="en-SG" smtClean="0"/>
-              <a:t>11/4/2023</a:t>
+              <a:t>12/4/2023</a:t>
             </a:fld>
             <a:endParaRPr lang="en-SG"/>
           </a:p>
@@ -18454,7 +18494,7 @@
           <a:p>
             <a:fld id="{AB35F6B0-D468-4997-9CE3-CF2A1AE5E3F9}" type="datetimeFigureOut">
               <a:rPr lang="en-SG" smtClean="0"/>
-              <a:t>11/4/2023</a:t>
+              <a:t>12/4/2023</a:t>
             </a:fld>
             <a:endParaRPr lang="en-SG"/>
           </a:p>
@@ -18567,7 +18607,7 @@
           <a:p>
             <a:fld id="{AB35F6B0-D468-4997-9CE3-CF2A1AE5E3F9}" type="datetimeFigureOut">
               <a:rPr lang="en-SG" smtClean="0"/>
-              <a:t>11/4/2023</a:t>
+              <a:t>12/4/2023</a:t>
             </a:fld>
             <a:endParaRPr lang="en-SG"/>
           </a:p>
@@ -18880,7 +18920,7 @@
           <a:p>
             <a:fld id="{AB35F6B0-D468-4997-9CE3-CF2A1AE5E3F9}" type="datetimeFigureOut">
               <a:rPr lang="en-SG" smtClean="0"/>
-              <a:t>11/4/2023</a:t>
+              <a:t>12/4/2023</a:t>
             </a:fld>
             <a:endParaRPr lang="en-SG"/>
           </a:p>
@@ -19169,7 +19209,7 @@
           <a:p>
             <a:fld id="{AB35F6B0-D468-4997-9CE3-CF2A1AE5E3F9}" type="datetimeFigureOut">
               <a:rPr lang="en-SG" smtClean="0"/>
-              <a:t>11/4/2023</a:t>
+              <a:t>12/4/2023</a:t>
             </a:fld>
             <a:endParaRPr lang="en-SG"/>
           </a:p>
@@ -19412,7 +19452,7 @@
           <a:p>
             <a:fld id="{AB35F6B0-D468-4997-9CE3-CF2A1AE5E3F9}" type="datetimeFigureOut">
               <a:rPr lang="en-SG" smtClean="0"/>
-              <a:t>11/4/2023</a:t>
+              <a:t>12/4/2023</a:t>
             </a:fld>
             <a:endParaRPr lang="en-SG"/>
           </a:p>
@@ -23479,6 +23519,13 @@
               <a:rPr lang="en-SG" dirty="0"/>
               <a:t> (function)</a:t>
             </a:r>
+            <a:br>
+              <a:rPr lang="en-SG" dirty="0"/>
+            </a:br>
+            <a:r>
+              <a:rPr lang="en-SG" dirty="0"/>
+              <a:t>(could also add information about parameters types and return types)</a:t>
+            </a:r>
           </a:p>
         </p:txBody>
       </p:sp>
@@ -24152,7 +24199,7 @@
             </a:pPr>
             <a:r>
               <a:rPr lang="en-SG" dirty="0"/>
-              <a:t>      ├ a (int)</a:t>
+              <a:t>      ├ a (int, 3)</a:t>
             </a:r>
           </a:p>
         </p:txBody>
@@ -24460,7 +24507,7 @@
             </a:pPr>
             <a:r>
               <a:rPr lang="en-SG" dirty="0"/>
-              <a:t>      ├ a (int)</a:t>
+              <a:t>      ├ a (int, 3)</a:t>
             </a:r>
           </a:p>
           <a:p>
@@ -24469,7 +24516,7 @@
             </a:pPr>
             <a:r>
               <a:rPr lang="en-SG" dirty="0"/>
-              <a:t>      ├ b (int)</a:t>
+              <a:t>      ├ b (int, 4)</a:t>
             </a:r>
           </a:p>
         </p:txBody>
@@ -24777,7 +24824,7 @@
             </a:pPr>
             <a:r>
               <a:rPr lang="en-SG" dirty="0"/>
-              <a:t>      ├ a (int)</a:t>
+              <a:t>      ├ a (int, 3)</a:t>
             </a:r>
           </a:p>
           <a:p>
@@ -24786,7 +24833,7 @@
             </a:pPr>
             <a:r>
               <a:rPr lang="en-SG" dirty="0"/>
-              <a:t>      ├ b (int)</a:t>
+              <a:t>      ├ b (int, 4)</a:t>
             </a:r>
           </a:p>
           <a:p>
@@ -24795,7 +24842,7 @@
             </a:pPr>
             <a:r>
               <a:rPr lang="en-SG" dirty="0"/>
-              <a:t>      └─ sum (int)</a:t>
+              <a:t>      └─ sum (int, ?)</a:t>
             </a:r>
           </a:p>
           <a:p>
@@ -25086,7 +25133,7 @@
         <p:spPr/>
         <p:txBody>
           <a:bodyPr>
-            <a:normAutofit lnSpcReduction="10000"/>
+            <a:normAutofit/>
           </a:bodyPr>
           <a:lstStyle/>
           <a:p>
@@ -25134,7 +25181,7 @@
         </p:spPr>
         <p:txBody>
           <a:bodyPr>
-            <a:normAutofit lnSpcReduction="10000"/>
+            <a:normAutofit/>
           </a:bodyPr>
           <a:lstStyle/>
           <a:p>
@@ -25186,7 +25233,7 @@
             </a:pPr>
             <a:r>
               <a:rPr lang="en-SG" dirty="0"/>
-              <a:t>      ├ a (int)</a:t>
+              <a:t>      ├ a (int, 3)</a:t>
             </a:r>
           </a:p>
           <a:p>
@@ -25195,7 +25242,7 @@
             </a:pPr>
             <a:r>
               <a:rPr lang="en-SG" dirty="0"/>
-              <a:t>      ├ b (int)</a:t>
+              <a:t>      ├ b (int, 4)</a:t>
             </a:r>
           </a:p>
           <a:p>
@@ -25204,7 +25251,7 @@
             </a:pPr>
             <a:r>
               <a:rPr lang="en-SG" dirty="0"/>
-              <a:t>      └─ sum (int)</a:t>
+              <a:t>      └─ sum (int, ?)</a:t>
             </a:r>
           </a:p>
           <a:p>
@@ -25238,7 +25285,7 @@
             </a:pPr>
             <a:r>
               <a:rPr lang="en-SG" dirty="0"/>
-              <a:t>                     ├ x (int, parameter)</a:t>
+              <a:t>                     ├ x (int, parameter, 3)</a:t>
             </a:r>
           </a:p>
           <a:p>
@@ -25247,17 +25294,14 @@
             </a:pPr>
             <a:r>
               <a:rPr lang="en-SG" dirty="0"/>
-              <a:t>                     ├ y (int, parameter)</a:t>
+              <a:t>                     ├ y (int, parameter, 4)</a:t>
             </a:r>
           </a:p>
           <a:p>
             <a:pPr marL="0" indent="0">
               <a:buNone/>
             </a:pPr>
-            <a:r>
-              <a:rPr lang="en-SG" dirty="0"/>
-              <a:t>      	          └─ result (int)</a:t>
-            </a:r>
+            <a:endParaRPr lang="en-SG" dirty="0"/>
           </a:p>
         </p:txBody>
       </p:sp>
@@ -25725,7 +25769,7 @@
             </a:pPr>
             <a:r>
               <a:rPr lang="en-SG" dirty="0"/>
-              <a:t>      ├ a (int)</a:t>
+              <a:t>      ├ a (int, 3)</a:t>
             </a:r>
           </a:p>
           <a:p>
@@ -25734,7 +25778,7 @@
             </a:pPr>
             <a:r>
               <a:rPr lang="en-SG" dirty="0"/>
-              <a:t>      ├ b (int)</a:t>
+              <a:t>      ├ b (int, 4)</a:t>
             </a:r>
           </a:p>
           <a:p>
@@ -25743,7 +25787,7 @@
             </a:pPr>
             <a:r>
               <a:rPr lang="en-SG" dirty="0"/>
-              <a:t>      └─ sum (int)</a:t>
+              <a:t>      └─ sum (int, ?)</a:t>
             </a:r>
           </a:p>
           <a:p>
@@ -25777,7 +25821,7 @@
             </a:pPr>
             <a:r>
               <a:rPr lang="en-SG" dirty="0"/>
-              <a:t>                     ├ x (int, parameter)</a:t>
+              <a:t>                     ├ x (int, parameter, 3)</a:t>
             </a:r>
           </a:p>
           <a:p>
@@ -25786,7 +25830,7 @@
             </a:pPr>
             <a:r>
               <a:rPr lang="en-SG" dirty="0"/>
-              <a:t>                     ├ y (int, parameter)</a:t>
+              <a:t>                     ├ y (int, parameter, 4)</a:t>
             </a:r>
           </a:p>
           <a:p>
@@ -25795,7 +25839,7 @@
             </a:pPr>
             <a:r>
               <a:rPr lang="en-SG" dirty="0"/>
-              <a:t>      	          └─ result (int)</a:t>
+              <a:t>      	          └─ result (int, 15)</a:t>
             </a:r>
           </a:p>
         </p:txBody>
@@ -26103,7 +26147,7 @@
             </a:pPr>
             <a:r>
               <a:rPr lang="en-SG" dirty="0"/>
-              <a:t>      ├ a (int)</a:t>
+              <a:t>      ├ a (int, 3)</a:t>
             </a:r>
           </a:p>
           <a:p>
@@ -26112,7 +26156,7 @@
             </a:pPr>
             <a:r>
               <a:rPr lang="en-SG" dirty="0"/>
-              <a:t>      ├ b (int)</a:t>
+              <a:t>      ├ b (int, 4)</a:t>
             </a:r>
           </a:p>
           <a:p>
@@ -26121,7 +26165,7 @@
             </a:pPr>
             <a:r>
               <a:rPr lang="en-SG" dirty="0"/>
-              <a:t>      └─ sum (int)</a:t>
+              <a:t>      └─ sum (int, 15)</a:t>
             </a:r>
           </a:p>
           <a:p>
@@ -26155,7 +26199,7 @@
             </a:pPr>
             <a:r>
               <a:rPr lang="en-SG" dirty="0"/>
-              <a:t>                     ├ x (int, parameter)</a:t>
+              <a:t>                     ├ x (int, parameter, 3)</a:t>
             </a:r>
           </a:p>
           <a:p>
@@ -26164,7 +26208,7 @@
             </a:pPr>
             <a:r>
               <a:rPr lang="en-SG" dirty="0"/>
-              <a:t>                     ├ y (int, parameter)</a:t>
+              <a:t>                     ├ y (int, parameter, 4)</a:t>
             </a:r>
           </a:p>
           <a:p>
@@ -26173,7 +26217,7 @@
             </a:pPr>
             <a:r>
               <a:rPr lang="en-SG" dirty="0"/>
-              <a:t>      	          └─ result (int)</a:t>
+              <a:t>      	          └─ result (int, 15)</a:t>
             </a:r>
           </a:p>
         </p:txBody>
@@ -26527,7 +26571,7 @@
             </a:pPr>
             <a:r>
               <a:rPr lang="en-SG" dirty="0"/>
-              <a:t>      ├ a (int)</a:t>
+              <a:t>      ├ a (int, 3)</a:t>
             </a:r>
           </a:p>
           <a:p>
@@ -26536,7 +26580,7 @@
             </a:pPr>
             <a:r>
               <a:rPr lang="en-SG" dirty="0"/>
-              <a:t>      ├ b (int)</a:t>
+              <a:t>      ├ b (int, 4)</a:t>
             </a:r>
           </a:p>
           <a:p>
@@ -26545,7 +26589,7 @@
             </a:pPr>
             <a:r>
               <a:rPr lang="en-SG" dirty="0"/>
-              <a:t>      └─ sum (int)</a:t>
+              <a:t>      └─ sum (int, 15)</a:t>
             </a:r>
           </a:p>
         </p:txBody>
@@ -27225,7 +27269,7 @@
             </a:pPr>
             <a:r>
               <a:rPr lang="en-SG" dirty="0"/>
-              <a:t>      ├ a (int)</a:t>
+              <a:t>      ├ a (int, 3)</a:t>
             </a:r>
           </a:p>
           <a:p>
@@ -27234,7 +27278,7 @@
             </a:pPr>
             <a:r>
               <a:rPr lang="en-SG" dirty="0"/>
-              <a:t>      ├ b (int)</a:t>
+              <a:t>      ├ b (int, 4)</a:t>
             </a:r>
           </a:p>
           <a:p>
@@ -27243,7 +27287,7 @@
             </a:pPr>
             <a:r>
               <a:rPr lang="en-SG" dirty="0"/>
-              <a:t>      └─ sum (int)</a:t>
+              <a:t>      └─ sum (int, 15)</a:t>
             </a:r>
           </a:p>
         </p:txBody>

--- a/W12/W12S1/W12S1.pptx
+++ b/W12/W12S1/W12S1.pptx
@@ -339,7 +339,7 @@
   <pc:docChgLst>
     <pc:chgData name="Matthieu De Mari" userId="dfb708c9-d8dc-439f-9a3b-c772bf4a311c" providerId="ADAL" clId="{CF552409-A127-4E9A-B700-AB4BACA41190}"/>
     <pc:docChg chg="undo custSel addSld delSld modSld sldOrd addSection modSection">
-      <pc:chgData name="Matthieu De Mari" userId="dfb708c9-d8dc-439f-9a3b-c772bf4a311c" providerId="ADAL" clId="{CF552409-A127-4E9A-B700-AB4BACA41190}" dt="2023-04-12T01:48:44.069" v="11063" actId="20577"/>
+      <pc:chgData name="Matthieu De Mari" userId="dfb708c9-d8dc-439f-9a3b-c772bf4a311c" providerId="ADAL" clId="{CF552409-A127-4E9A-B700-AB4BACA41190}" dt="2023-04-20T06:10:17.782" v="11064" actId="114"/>
       <pc:docMkLst>
         <pc:docMk/>
       </pc:docMkLst>
@@ -605,12 +605,20 @@
           </ac:picMkLst>
         </pc:picChg>
       </pc:sldChg>
-      <pc:sldChg chg="add">
-        <pc:chgData name="Matthieu De Mari" userId="dfb708c9-d8dc-439f-9a3b-c772bf4a311c" providerId="ADAL" clId="{CF552409-A127-4E9A-B700-AB4BACA41190}" dt="2023-04-10T06:36:20.186" v="2735"/>
+      <pc:sldChg chg="modSp add mod">
+        <pc:chgData name="Matthieu De Mari" userId="dfb708c9-d8dc-439f-9a3b-c772bf4a311c" providerId="ADAL" clId="{CF552409-A127-4E9A-B700-AB4BACA41190}" dt="2023-04-20T06:10:17.782" v="11064" actId="114"/>
         <pc:sldMkLst>
           <pc:docMk/>
           <pc:sldMk cId="77252181" sldId="486"/>
         </pc:sldMkLst>
+        <pc:spChg chg="mod">
+          <ac:chgData name="Matthieu De Mari" userId="dfb708c9-d8dc-439f-9a3b-c772bf4a311c" providerId="ADAL" clId="{CF552409-A127-4E9A-B700-AB4BACA41190}" dt="2023-04-20T06:10:17.782" v="11064" actId="114"/>
+          <ac:spMkLst>
+            <pc:docMk/>
+            <pc:sldMk cId="77252181" sldId="486"/>
+            <ac:spMk id="11" creationId="{50451FBF-ED90-F36E-E825-3B144BFD8D70}"/>
+          </ac:spMkLst>
+        </pc:spChg>
       </pc:sldChg>
       <pc:sldChg chg="modSp new del mod">
         <pc:chgData name="Matthieu De Mari" userId="dfb708c9-d8dc-439f-9a3b-c772bf4a311c" providerId="ADAL" clId="{CF552409-A127-4E9A-B700-AB4BACA41190}" dt="2023-04-10T06:43:55.266" v="3185" actId="47"/>
@@ -16366,7 +16374,7 @@
           <a:p>
             <a:fld id="{98CFC6A4-B085-437B-8084-693BEB2A32DE}" type="datetimeFigureOut">
               <a:rPr lang="en-SG" smtClean="0"/>
-              <a:t>12/4/2023</a:t>
+              <a:t>20/4/2023</a:t>
             </a:fld>
             <a:endParaRPr lang="en-SG"/>
           </a:p>
@@ -16783,7 +16791,7 @@
           <a:p>
             <a:fld id="{AB35F6B0-D468-4997-9CE3-CF2A1AE5E3F9}" type="datetimeFigureOut">
               <a:rPr lang="en-SG" smtClean="0"/>
-              <a:t>12/4/2023</a:t>
+              <a:t>20/4/2023</a:t>
             </a:fld>
             <a:endParaRPr lang="en-SG"/>
           </a:p>
@@ -16983,7 +16991,7 @@
           <a:p>
             <a:fld id="{AB35F6B0-D468-4997-9CE3-CF2A1AE5E3F9}" type="datetimeFigureOut">
               <a:rPr lang="en-SG" smtClean="0"/>
-              <a:t>12/4/2023</a:t>
+              <a:t>20/4/2023</a:t>
             </a:fld>
             <a:endParaRPr lang="en-SG"/>
           </a:p>
@@ -17193,7 +17201,7 @@
           <a:p>
             <a:fld id="{AB35F6B0-D468-4997-9CE3-CF2A1AE5E3F9}" type="datetimeFigureOut">
               <a:rPr lang="en-SG" smtClean="0"/>
-              <a:t>12/4/2023</a:t>
+              <a:t>20/4/2023</a:t>
             </a:fld>
             <a:endParaRPr lang="en-SG"/>
           </a:p>
@@ -17393,7 +17401,7 @@
           <a:p>
             <a:fld id="{AB35F6B0-D468-4997-9CE3-CF2A1AE5E3F9}" type="datetimeFigureOut">
               <a:rPr lang="en-SG" smtClean="0"/>
-              <a:t>12/4/2023</a:t>
+              <a:t>20/4/2023</a:t>
             </a:fld>
             <a:endParaRPr lang="en-SG"/>
           </a:p>
@@ -17669,7 +17677,7 @@
           <a:p>
             <a:fld id="{AB35F6B0-D468-4997-9CE3-CF2A1AE5E3F9}" type="datetimeFigureOut">
               <a:rPr lang="en-SG" smtClean="0"/>
-              <a:t>12/4/2023</a:t>
+              <a:t>20/4/2023</a:t>
             </a:fld>
             <a:endParaRPr lang="en-SG"/>
           </a:p>
@@ -17937,7 +17945,7 @@
           <a:p>
             <a:fld id="{AB35F6B0-D468-4997-9CE3-CF2A1AE5E3F9}" type="datetimeFigureOut">
               <a:rPr lang="en-SG" smtClean="0"/>
-              <a:t>12/4/2023</a:t>
+              <a:t>20/4/2023</a:t>
             </a:fld>
             <a:endParaRPr lang="en-SG"/>
           </a:p>
@@ -18352,7 +18360,7 @@
           <a:p>
             <a:fld id="{AB35F6B0-D468-4997-9CE3-CF2A1AE5E3F9}" type="datetimeFigureOut">
               <a:rPr lang="en-SG" smtClean="0"/>
-              <a:t>12/4/2023</a:t>
+              <a:t>20/4/2023</a:t>
             </a:fld>
             <a:endParaRPr lang="en-SG"/>
           </a:p>
@@ -18494,7 +18502,7 @@
           <a:p>
             <a:fld id="{AB35F6B0-D468-4997-9CE3-CF2A1AE5E3F9}" type="datetimeFigureOut">
               <a:rPr lang="en-SG" smtClean="0"/>
-              <a:t>12/4/2023</a:t>
+              <a:t>20/4/2023</a:t>
             </a:fld>
             <a:endParaRPr lang="en-SG"/>
           </a:p>
@@ -18607,7 +18615,7 @@
           <a:p>
             <a:fld id="{AB35F6B0-D468-4997-9CE3-CF2A1AE5E3F9}" type="datetimeFigureOut">
               <a:rPr lang="en-SG" smtClean="0"/>
-              <a:t>12/4/2023</a:t>
+              <a:t>20/4/2023</a:t>
             </a:fld>
             <a:endParaRPr lang="en-SG"/>
           </a:p>
@@ -18920,7 +18928,7 @@
           <a:p>
             <a:fld id="{AB35F6B0-D468-4997-9CE3-CF2A1AE5E3F9}" type="datetimeFigureOut">
               <a:rPr lang="en-SG" smtClean="0"/>
-              <a:t>12/4/2023</a:t>
+              <a:t>20/4/2023</a:t>
             </a:fld>
             <a:endParaRPr lang="en-SG"/>
           </a:p>
@@ -19209,7 +19217,7 @@
           <a:p>
             <a:fld id="{AB35F6B0-D468-4997-9CE3-CF2A1AE5E3F9}" type="datetimeFigureOut">
               <a:rPr lang="en-SG" smtClean="0"/>
-              <a:t>12/4/2023</a:t>
+              <a:t>20/4/2023</a:t>
             </a:fld>
             <a:endParaRPr lang="en-SG"/>
           </a:p>
@@ -19452,7 +19460,7 @@
           <a:p>
             <a:fld id="{AB35F6B0-D468-4997-9CE3-CF2A1AE5E3F9}" type="datetimeFigureOut">
               <a:rPr lang="en-SG" smtClean="0"/>
-              <a:t>12/4/2023</a:t>
+              <a:t>20/4/2023</a:t>
             </a:fld>
             <a:endParaRPr lang="en-SG"/>
           </a:p>
@@ -20811,53 +20819,53 @@
           </a:p>
           <a:p>
             <a:r>
-              <a:rPr lang="en-GB" sz="2400" dirty="0"/>
+              <a:rPr lang="en-GB" sz="2400" i="1" dirty="0"/>
               <a:t>I1.val = 26</a:t>
             </a:r>
           </a:p>
           <a:p>
             <a:r>
-              <a:rPr lang="en-SG" sz="2400" dirty="0"/>
+              <a:rPr lang="en-SG" sz="2400" i="1" dirty="0"/>
               <a:t>I2.val = 5</a:t>
             </a:r>
           </a:p>
           <a:p>
             <a:r>
-              <a:rPr lang="en-SG" sz="2400" dirty="0"/>
+              <a:rPr lang="en-SG" sz="2400" i="1" dirty="0"/>
               <a:t>T1.val = i2.val</a:t>
             </a:r>
           </a:p>
           <a:p>
             <a:r>
-              <a:rPr lang="en-SG" sz="2400" dirty="0"/>
+              <a:rPr lang="en-SG" sz="2400" i="1" dirty="0"/>
               <a:t>T2.val = T1.val*i1.val</a:t>
             </a:r>
           </a:p>
           <a:p>
             <a:r>
-              <a:rPr lang="en-SG" sz="2400" dirty="0"/>
+              <a:rPr lang="en-SG" sz="2400" i="1" dirty="0"/>
               <a:t>I3.val = 7</a:t>
             </a:r>
           </a:p>
           <a:p>
             <a:r>
-              <a:rPr lang="en-SG" sz="2400" dirty="0"/>
+              <a:rPr lang="en-SG" sz="2400" i="1" dirty="0"/>
               <a:t>T3.val = i3.val</a:t>
             </a:r>
           </a:p>
           <a:p>
             <a:r>
-              <a:rPr lang="en-SG" sz="2400" dirty="0"/>
+              <a:rPr lang="en-SG" sz="2400" i="1" dirty="0"/>
               <a:t>E1.val = T3.val</a:t>
             </a:r>
           </a:p>
           <a:p>
             <a:r>
-              <a:rPr lang="en-SG" sz="2400" dirty="0" err="1"/>
+              <a:rPr lang="en-SG" sz="2400" i="1" dirty="0" err="1"/>
               <a:t>E.val</a:t>
             </a:r>
             <a:r>
-              <a:rPr lang="en-SG" sz="2400" dirty="0"/>
+              <a:rPr lang="en-SG" sz="2400" i="1" dirty="0"/>
               <a:t> = T2.val + E1.val</a:t>
             </a:r>
           </a:p>
